--- a/First Assignment/INVEST.pptx
+++ b/First Assignment/INVEST.pptx
@@ -209,7 +209,7 @@
           <a:p>
             <a:fld id="{2E309023-AF2B-4043-B228-F191CADC9BB1}" type="datetimeFigureOut">
               <a:rPr lang="en-IN" smtClean="0"/>
-              <a:t>21-05-2019</a:t>
+              <a:t>27-07-2020</a:t>
             </a:fld>
             <a:endParaRPr lang="en-IN"/>
           </a:p>
@@ -608,7 +608,7 @@
           <a:p>
             <a:fld id="{70C018FE-C8D6-4A9C-A702-41F1E0C1C452}" type="datetimeFigureOut">
               <a:rPr lang="en-IN" smtClean="0"/>
-              <a:t>21-05-2019</a:t>
+              <a:t>27-07-2020</a:t>
             </a:fld>
             <a:endParaRPr lang="en-IN"/>
           </a:p>
@@ -778,7 +778,7 @@
           <a:p>
             <a:fld id="{70C018FE-C8D6-4A9C-A702-41F1E0C1C452}" type="datetimeFigureOut">
               <a:rPr lang="en-IN" smtClean="0"/>
-              <a:t>21-05-2019</a:t>
+              <a:t>27-07-2020</a:t>
             </a:fld>
             <a:endParaRPr lang="en-IN"/>
           </a:p>
@@ -958,7 +958,7 @@
           <a:p>
             <a:fld id="{70C018FE-C8D6-4A9C-A702-41F1E0C1C452}" type="datetimeFigureOut">
               <a:rPr lang="en-IN" smtClean="0"/>
-              <a:t>21-05-2019</a:t>
+              <a:t>27-07-2020</a:t>
             </a:fld>
             <a:endParaRPr lang="en-IN"/>
           </a:p>
@@ -1390,7 +1390,7 @@
           <a:p>
             <a:fld id="{70C018FE-C8D6-4A9C-A702-41F1E0C1C452}" type="datetimeFigureOut">
               <a:rPr lang="en-IN" smtClean="0"/>
-              <a:t>21-05-2019</a:t>
+              <a:t>27-07-2020</a:t>
             </a:fld>
             <a:endParaRPr lang="en-IN"/>
           </a:p>
@@ -1622,7 +1622,7 @@
           <a:p>
             <a:fld id="{70C018FE-C8D6-4A9C-A702-41F1E0C1C452}" type="datetimeFigureOut">
               <a:rPr lang="en-IN" smtClean="0"/>
-              <a:t>21-05-2019</a:t>
+              <a:t>27-07-2020</a:t>
             </a:fld>
             <a:endParaRPr lang="en-IN"/>
           </a:p>
@@ -1989,7 +1989,7 @@
           <a:p>
             <a:fld id="{70C018FE-C8D6-4A9C-A702-41F1E0C1C452}" type="datetimeFigureOut">
               <a:rPr lang="en-IN" smtClean="0"/>
-              <a:t>21-05-2019</a:t>
+              <a:t>27-07-2020</a:t>
             </a:fld>
             <a:endParaRPr lang="en-IN"/>
           </a:p>
@@ -2107,7 +2107,7 @@
           <a:p>
             <a:fld id="{70C018FE-C8D6-4A9C-A702-41F1E0C1C452}" type="datetimeFigureOut">
               <a:rPr lang="en-IN" smtClean="0"/>
-              <a:t>21-05-2019</a:t>
+              <a:t>27-07-2020</a:t>
             </a:fld>
             <a:endParaRPr lang="en-IN"/>
           </a:p>
@@ -2202,7 +2202,7 @@
           <a:p>
             <a:fld id="{70C018FE-C8D6-4A9C-A702-41F1E0C1C452}" type="datetimeFigureOut">
               <a:rPr lang="en-IN" smtClean="0"/>
-              <a:t>21-05-2019</a:t>
+              <a:t>27-07-2020</a:t>
             </a:fld>
             <a:endParaRPr lang="en-IN"/>
           </a:p>
@@ -2478,7 +2478,7 @@
           <a:p>
             <a:fld id="{70C018FE-C8D6-4A9C-A702-41F1E0C1C452}" type="datetimeFigureOut">
               <a:rPr lang="en-IN" smtClean="0"/>
-              <a:t>21-05-2019</a:t>
+              <a:t>27-07-2020</a:t>
             </a:fld>
             <a:endParaRPr lang="en-IN"/>
           </a:p>
@@ -2735,7 +2735,7 @@
           <a:p>
             <a:fld id="{70C018FE-C8D6-4A9C-A702-41F1E0C1C452}" type="datetimeFigureOut">
               <a:rPr lang="en-IN" smtClean="0"/>
-              <a:t>21-05-2019</a:t>
+              <a:t>27-07-2020</a:t>
             </a:fld>
             <a:endParaRPr lang="en-IN"/>
           </a:p>
@@ -2946,7 +2946,7 @@
           <a:p>
             <a:fld id="{70C018FE-C8D6-4A9C-A702-41F1E0C1C452}" type="datetimeFigureOut">
               <a:rPr lang="en-IN" smtClean="0"/>
-              <a:t>21-05-2019</a:t>
+              <a:t>27-07-2020</a:t>
             </a:fld>
             <a:endParaRPr lang="en-IN" dirty="0"/>
           </a:p>
@@ -3041,7 +3041,7 @@
           <p:nvPr userDrawn="1"/>
         </p:nvPicPr>
         <p:blipFill>
-          <a:blip r:embed="rId13">
+          <a:blip r:embed="rId13" cstate="print">
             <a:extLst>
               <a:ext uri="{28A0092B-C50C-407E-A947-70E740481C1C}">
                 <a14:useLocalDpi xmlns:a14="http://schemas.microsoft.com/office/drawing/2010/main" val="0"/>
@@ -3465,6 +3465,10 @@
             <a:br>
               <a:rPr lang="en-IN" sz="2800" dirty="0"/>
             </a:br>
+            <a:r>
+              <a:rPr lang="en-IN" sz="2800" dirty="0"/>
+              <a:t/>
+            </a:r>
             <a:br>
               <a:rPr lang="en-IN" sz="2800" dirty="0"/>
             </a:br>
@@ -3499,9 +3503,14 @@
           <a:p>
             <a:pPr algn="l"/>
             <a:r>
-              <a:rPr lang="en-IN" sz="1800" dirty="0"/>
-              <a:t>Name:</a:t>
-            </a:r>
+              <a:rPr lang="en-IN" b="1" dirty="0" smtClean="0"/>
+              <a:t>Amar </a:t>
+            </a:r>
+            <a:r>
+              <a:rPr lang="en-IN" b="1" dirty="0" err="1" smtClean="0"/>
+              <a:t>Parsekar</a:t>
+            </a:r>
+            <a:endParaRPr lang="en-IN" b="1" dirty="0"/>
           </a:p>
         </p:txBody>
       </p:sp>
@@ -3545,16 +3554,95 @@
             <p:ph idx="1"/>
           </p:nvPr>
         </p:nvSpPr>
-        <p:spPr/>
+        <p:spPr>
+          <a:xfrm>
+            <a:off x="1136469" y="1854926"/>
+            <a:ext cx="10437222" cy="4344261"/>
+          </a:xfrm>
+        </p:spPr>
         <p:txBody>
           <a:bodyPr>
             <a:normAutofit/>
           </a:bodyPr>
           <a:lstStyle/>
           <a:p>
-            <a:pPr marL="0" indent="0">
-              <a:buNone/>
-            </a:pPr>
+            <a:r>
+              <a:rPr lang="en-IN" sz="1400" b="1" dirty="0" smtClean="0"/>
+              <a:t>Venture</a:t>
+            </a:r>
+            <a:r>
+              <a:rPr lang="en-IN" sz="1400" dirty="0" smtClean="0"/>
+              <a:t> funding type is the most suited option for Sparks fund.</a:t>
+            </a:r>
+          </a:p>
+          <a:p>
+            <a:r>
+              <a:rPr lang="en-IN" sz="1400" dirty="0" smtClean="0"/>
+              <a:t> As per business objectives of Sparks fund, they have most favourable opportunity to invest in main sector named </a:t>
+            </a:r>
+            <a:r>
+              <a:rPr lang="en-IN" sz="1400" b="1" dirty="0" smtClean="0"/>
+              <a:t>Others</a:t>
+            </a:r>
+            <a:r>
+              <a:rPr lang="en-IN" sz="1400" dirty="0" smtClean="0"/>
+              <a:t> in</a:t>
+            </a:r>
+            <a:r>
+              <a:rPr lang="en-IN" sz="1400" b="1" dirty="0" smtClean="0"/>
+              <a:t> United States</a:t>
+            </a:r>
+            <a:r>
+              <a:rPr lang="en-IN" sz="1400" dirty="0" smtClean="0"/>
+              <a:t>.</a:t>
+            </a:r>
+          </a:p>
+          <a:p>
+            <a:r>
+              <a:rPr lang="en-IN" sz="1400" dirty="0" smtClean="0"/>
+              <a:t>Besides they have two more options to choose from county wise, </a:t>
+            </a:r>
+            <a:r>
+              <a:rPr lang="en-IN" sz="1400" b="1" dirty="0" smtClean="0"/>
+              <a:t>GBR (United Kingdom)</a:t>
+            </a:r>
+            <a:r>
+              <a:rPr lang="en-IN" sz="1400" dirty="0" smtClean="0"/>
+              <a:t> and </a:t>
+            </a:r>
+            <a:r>
+              <a:rPr lang="en-IN" sz="1400" b="1" dirty="0" smtClean="0"/>
+              <a:t>India</a:t>
+            </a:r>
+            <a:r>
+              <a:rPr lang="en-IN" sz="1400" dirty="0" smtClean="0"/>
+              <a:t>.</a:t>
+            </a:r>
+          </a:p>
+          <a:p>
+            <a:r>
+              <a:rPr lang="en-IN" sz="1400" b="1" dirty="0" smtClean="0"/>
+              <a:t>Others</a:t>
+            </a:r>
+            <a:r>
+              <a:rPr lang="en-IN" sz="1400" dirty="0" smtClean="0"/>
+              <a:t> main sector is favourable in both the countries by Investors. Overall as follow – </a:t>
+            </a:r>
+          </a:p>
+          <a:p>
+            <a:r>
+              <a:rPr lang="en-IN" sz="1400" dirty="0" smtClean="0"/>
+              <a:t>Funding Type – </a:t>
+            </a:r>
+            <a:r>
+              <a:rPr lang="en-IN" sz="1400" b="1" dirty="0" smtClean="0"/>
+              <a:t>Venture</a:t>
+            </a:r>
+          </a:p>
+          <a:p>
+            <a:endParaRPr lang="en-IN" sz="1400" b="1" dirty="0" smtClean="0"/>
+          </a:p>
+          <a:p>
             <a:endParaRPr lang="en-IN" sz="1400" dirty="0"/>
           </a:p>
         </p:txBody>
@@ -3580,16 +3668,593 @@
           <a:lstStyle/>
           <a:p>
             <a:r>
-              <a:rPr lang="en-IN" b="1" dirty="0"/>
-              <a:t> </a:t>
-            </a:r>
-            <a:r>
-              <a:rPr lang="en-IN" sz="2800" dirty="0"/>
-              <a:t>&lt;Conclusions&gt;</a:t>
-            </a:r>
+              <a:rPr lang="en-IN" sz="2800" b="1" dirty="0" smtClean="0"/>
+              <a:t>Conclusion </a:t>
+            </a:r>
+            <a:endParaRPr lang="en-IN" sz="2800" dirty="0"/>
           </a:p>
         </p:txBody>
       </p:sp>
+      <p:graphicFrame>
+        <p:nvGraphicFramePr>
+          <p:cNvPr id="2" name="Table 1"/>
+          <p:cNvGraphicFramePr>
+            <a:graphicFrameLocks noGrp="1"/>
+          </p:cNvGraphicFramePr>
+          <p:nvPr>
+            <p:extLst>
+              <p:ext uri="{D42A27DB-BD31-4B8C-83A1-F6EECF244321}">
+                <p14:modId xmlns:p14="http://schemas.microsoft.com/office/powerpoint/2010/main" val="3822283111"/>
+              </p:ext>
+            </p:extLst>
+          </p:nvPr>
+        </p:nvGraphicFramePr>
+        <p:xfrm>
+          <a:off x="1136469" y="3641121"/>
+          <a:ext cx="7282249" cy="2558066"/>
+        </p:xfrm>
+        <a:graphic>
+          <a:graphicData uri="http://schemas.openxmlformats.org/drawingml/2006/table">
+            <a:tbl>
+              <a:tblPr firstRow="1" bandRow="1" bandCol="1">
+                <a:tableStyleId>{5C22544A-7EE6-4342-B048-85BDC9FD1C3A}</a:tableStyleId>
+              </a:tblPr>
+              <a:tblGrid>
+                <a:gridCol w="1950602"/>
+                <a:gridCol w="5331647"/>
+              </a:tblGrid>
+              <a:tr h="493259">
+                <a:tc>
+                  <a:txBody>
+                    <a:bodyPr/>
+                    <a:lstStyle/>
+                    <a:p>
+                      <a:pPr algn="ctr" rtl="0" fontAlgn="ctr"/>
+                      <a:r>
+                        <a:rPr lang="en-US" sz="1200" u="none" strike="noStrike" dirty="0">
+                          <a:effectLst/>
+                          <a:latin typeface="Times New Roman" panose="02020603050405020304" pitchFamily="18" charset="0"/>
+                          <a:cs typeface="Times New Roman" panose="02020603050405020304" pitchFamily="18" charset="0"/>
+                        </a:rPr>
+                        <a:t>Country code</a:t>
+                      </a:r>
+                      <a:endParaRPr lang="en-US" sz="1200" b="1" i="0" u="none" strike="noStrike" dirty="0">
+                        <a:solidFill>
+                          <a:srgbClr val="FFFFFF"/>
+                        </a:solidFill>
+                        <a:effectLst/>
+                        <a:latin typeface="Times New Roman" panose="02020603050405020304" pitchFamily="18" charset="0"/>
+                        <a:cs typeface="Times New Roman" panose="02020603050405020304" pitchFamily="18" charset="0"/>
+                      </a:endParaRPr>
+                    </a:p>
+                  </a:txBody>
+                  <a:tcPr marL="9525" marR="9525" marT="9525" marB="0" anchor="ctr"/>
+                </a:tc>
+                <a:tc>
+                  <a:txBody>
+                    <a:bodyPr/>
+                    <a:lstStyle/>
+                    <a:p>
+                      <a:pPr algn="ctr" rtl="0" fontAlgn="ctr"/>
+                      <a:r>
+                        <a:rPr lang="en-US" sz="1200" u="none" strike="noStrike">
+                          <a:effectLst/>
+                          <a:latin typeface="Times New Roman" panose="02020603050405020304" pitchFamily="18" charset="0"/>
+                          <a:cs typeface="Times New Roman" panose="02020603050405020304" pitchFamily="18" charset="0"/>
+                        </a:rPr>
+                        <a:t>Main Sector</a:t>
+                      </a:r>
+                      <a:endParaRPr lang="en-US" sz="1200" b="1" i="0" u="none" strike="noStrike">
+                        <a:solidFill>
+                          <a:srgbClr val="FFFFFF"/>
+                        </a:solidFill>
+                        <a:effectLst/>
+                        <a:latin typeface="Times New Roman" panose="02020603050405020304" pitchFamily="18" charset="0"/>
+                        <a:cs typeface="Times New Roman" panose="02020603050405020304" pitchFamily="18" charset="0"/>
+                      </a:endParaRPr>
+                    </a:p>
+                  </a:txBody>
+                  <a:tcPr marL="9525" marR="9525" marT="9525" marB="0" anchor="ctr"/>
+                </a:tc>
+              </a:tr>
+              <a:tr h="229423">
+                <a:tc>
+                  <a:txBody>
+                    <a:bodyPr/>
+                    <a:lstStyle/>
+                    <a:p>
+                      <a:pPr algn="ctr" rtl="0" fontAlgn="ctr"/>
+                      <a:r>
+                        <a:rPr lang="en-US" sz="1100" u="none" strike="noStrike">
+                          <a:effectLst/>
+                          <a:latin typeface="Times New Roman" panose="02020603050405020304" pitchFamily="18" charset="0"/>
+                          <a:cs typeface="Times New Roman" panose="02020603050405020304" pitchFamily="18" charset="0"/>
+                        </a:rPr>
+                        <a:t>USA</a:t>
+                      </a:r>
+                      <a:endParaRPr lang="en-US" sz="1100" b="0" i="0" u="none" strike="noStrike">
+                        <a:solidFill>
+                          <a:srgbClr val="000000"/>
+                        </a:solidFill>
+                        <a:effectLst/>
+                        <a:latin typeface="Times New Roman" panose="02020603050405020304" pitchFamily="18" charset="0"/>
+                        <a:cs typeface="Times New Roman" panose="02020603050405020304" pitchFamily="18" charset="0"/>
+                      </a:endParaRPr>
+                    </a:p>
+                  </a:txBody>
+                  <a:tcPr marL="9525" marR="9525" marT="9525" marB="0" anchor="ctr"/>
+                </a:tc>
+                <a:tc>
+                  <a:txBody>
+                    <a:bodyPr/>
+                    <a:lstStyle/>
+                    <a:p>
+                      <a:pPr algn="ctr" rtl="0" fontAlgn="ctr"/>
+                      <a:r>
+                        <a:rPr lang="en-US" sz="1100" u="none" strike="noStrike">
+                          <a:effectLst/>
+                          <a:latin typeface="Times New Roman" panose="02020603050405020304" pitchFamily="18" charset="0"/>
+                          <a:cs typeface="Times New Roman" panose="02020603050405020304" pitchFamily="18" charset="0"/>
+                        </a:rPr>
+                        <a:t>Others</a:t>
+                      </a:r>
+                      <a:endParaRPr lang="en-US" sz="1100" b="0" i="0" u="none" strike="noStrike">
+                        <a:solidFill>
+                          <a:srgbClr val="000000"/>
+                        </a:solidFill>
+                        <a:effectLst/>
+                        <a:latin typeface="Times New Roman" panose="02020603050405020304" pitchFamily="18" charset="0"/>
+                        <a:cs typeface="Times New Roman" panose="02020603050405020304" pitchFamily="18" charset="0"/>
+                      </a:endParaRPr>
+                    </a:p>
+                  </a:txBody>
+                  <a:tcPr marL="9525" marR="9525" marT="9525" marB="0" anchor="ctr"/>
+                </a:tc>
+              </a:tr>
+              <a:tr h="229423">
+                <a:tc>
+                  <a:txBody>
+                    <a:bodyPr/>
+                    <a:lstStyle/>
+                    <a:p>
+                      <a:pPr algn="ctr" rtl="0" fontAlgn="ctr"/>
+                      <a:r>
+                        <a:rPr lang="en-US" sz="1100" u="none" strike="noStrike">
+                          <a:effectLst/>
+                          <a:latin typeface="Times New Roman" panose="02020603050405020304" pitchFamily="18" charset="0"/>
+                          <a:cs typeface="Times New Roman" panose="02020603050405020304" pitchFamily="18" charset="0"/>
+                        </a:rPr>
+                        <a:t> </a:t>
+                      </a:r>
+                      <a:endParaRPr lang="en-US" sz="1100" b="0" i="0" u="none" strike="noStrike">
+                        <a:solidFill>
+                          <a:srgbClr val="000000"/>
+                        </a:solidFill>
+                        <a:effectLst/>
+                        <a:latin typeface="Times New Roman" panose="02020603050405020304" pitchFamily="18" charset="0"/>
+                        <a:cs typeface="Times New Roman" panose="02020603050405020304" pitchFamily="18" charset="0"/>
+                      </a:endParaRPr>
+                    </a:p>
+                  </a:txBody>
+                  <a:tcPr marL="9525" marR="9525" marT="9525" marB="0" anchor="ctr"/>
+                </a:tc>
+                <a:tc>
+                  <a:txBody>
+                    <a:bodyPr/>
+                    <a:lstStyle/>
+                    <a:p>
+                      <a:pPr algn="ctr" rtl="0" fontAlgn="ctr"/>
+                      <a:r>
+                        <a:rPr lang="en-US" sz="1100" u="none" strike="noStrike" dirty="0">
+                          <a:effectLst/>
+                          <a:latin typeface="Times New Roman" panose="02020603050405020304" pitchFamily="18" charset="0"/>
+                          <a:cs typeface="Times New Roman" panose="02020603050405020304" pitchFamily="18" charset="0"/>
+                        </a:rPr>
+                        <a:t>Social, Finance, Analytics, Advertising</a:t>
+                      </a:r>
+                      <a:endParaRPr lang="en-US" sz="1100" b="0" i="0" u="none" strike="noStrike" dirty="0">
+                        <a:solidFill>
+                          <a:srgbClr val="000000"/>
+                        </a:solidFill>
+                        <a:effectLst/>
+                        <a:latin typeface="Times New Roman" panose="02020603050405020304" pitchFamily="18" charset="0"/>
+                        <a:cs typeface="Times New Roman" panose="02020603050405020304" pitchFamily="18" charset="0"/>
+                      </a:endParaRPr>
+                    </a:p>
+                  </a:txBody>
+                  <a:tcPr marL="9525" marR="9525" marT="9525" marB="0" anchor="ctr"/>
+                </a:tc>
+              </a:tr>
+              <a:tr h="229423">
+                <a:tc>
+                  <a:txBody>
+                    <a:bodyPr/>
+                    <a:lstStyle/>
+                    <a:p>
+                      <a:pPr algn="ctr" rtl="0" fontAlgn="ctr"/>
+                      <a:r>
+                        <a:rPr lang="en-US" sz="1100" u="none" strike="noStrike">
+                          <a:effectLst/>
+                          <a:latin typeface="Times New Roman" panose="02020603050405020304" pitchFamily="18" charset="0"/>
+                          <a:cs typeface="Times New Roman" panose="02020603050405020304" pitchFamily="18" charset="0"/>
+                        </a:rPr>
+                        <a:t> </a:t>
+                      </a:r>
+                      <a:endParaRPr lang="en-US" sz="1100" b="0" i="0" u="none" strike="noStrike">
+                        <a:solidFill>
+                          <a:srgbClr val="000000"/>
+                        </a:solidFill>
+                        <a:effectLst/>
+                        <a:latin typeface="Times New Roman" panose="02020603050405020304" pitchFamily="18" charset="0"/>
+                        <a:cs typeface="Times New Roman" panose="02020603050405020304" pitchFamily="18" charset="0"/>
+                      </a:endParaRPr>
+                    </a:p>
+                  </a:txBody>
+                  <a:tcPr marL="9525" marR="9525" marT="9525" marB="0" anchor="ctr"/>
+                </a:tc>
+                <a:tc>
+                  <a:txBody>
+                    <a:bodyPr/>
+                    <a:lstStyle/>
+                    <a:p>
+                      <a:pPr algn="ctr" rtl="0" fontAlgn="ctr"/>
+                      <a:r>
+                        <a:rPr lang="en-US" sz="1100" u="none" strike="noStrike">
+                          <a:effectLst/>
+                          <a:latin typeface="Times New Roman" panose="02020603050405020304" pitchFamily="18" charset="0"/>
+                          <a:cs typeface="Times New Roman" panose="02020603050405020304" pitchFamily="18" charset="0"/>
+                        </a:rPr>
+                        <a:t>Cleantech / Semiconductors</a:t>
+                      </a:r>
+                      <a:endParaRPr lang="en-US" sz="1100" b="0" i="0" u="none" strike="noStrike">
+                        <a:solidFill>
+                          <a:srgbClr val="000000"/>
+                        </a:solidFill>
+                        <a:effectLst/>
+                        <a:latin typeface="Times New Roman" panose="02020603050405020304" pitchFamily="18" charset="0"/>
+                        <a:cs typeface="Times New Roman" panose="02020603050405020304" pitchFamily="18" charset="0"/>
+                      </a:endParaRPr>
+                    </a:p>
+                  </a:txBody>
+                  <a:tcPr marL="9525" marR="9525" marT="9525" marB="0" anchor="ctr"/>
+                </a:tc>
+              </a:tr>
+              <a:tr h="229423">
+                <a:tc>
+                  <a:txBody>
+                    <a:bodyPr/>
+                    <a:lstStyle/>
+                    <a:p>
+                      <a:pPr algn="ctr" rtl="0" fontAlgn="ctr"/>
+                      <a:r>
+                        <a:rPr lang="en-US" sz="1100" u="none" strike="noStrike">
+                          <a:effectLst/>
+                          <a:latin typeface="Times New Roman" panose="02020603050405020304" pitchFamily="18" charset="0"/>
+                          <a:cs typeface="Times New Roman" panose="02020603050405020304" pitchFamily="18" charset="0"/>
+                        </a:rPr>
+                        <a:t>GBR</a:t>
+                      </a:r>
+                      <a:endParaRPr lang="en-US" sz="1100" b="0" i="0" u="none" strike="noStrike">
+                        <a:solidFill>
+                          <a:srgbClr val="000000"/>
+                        </a:solidFill>
+                        <a:effectLst/>
+                        <a:latin typeface="Times New Roman" panose="02020603050405020304" pitchFamily="18" charset="0"/>
+                        <a:cs typeface="Times New Roman" panose="02020603050405020304" pitchFamily="18" charset="0"/>
+                      </a:endParaRPr>
+                    </a:p>
+                  </a:txBody>
+                  <a:tcPr marL="9525" marR="9525" marT="9525" marB="0" anchor="ctr"/>
+                </a:tc>
+                <a:tc>
+                  <a:txBody>
+                    <a:bodyPr/>
+                    <a:lstStyle/>
+                    <a:p>
+                      <a:pPr algn="ctr" rtl="0" fontAlgn="ctr"/>
+                      <a:r>
+                        <a:rPr lang="en-US" sz="1100" u="none" strike="noStrike" dirty="0">
+                          <a:effectLst/>
+                          <a:latin typeface="Times New Roman" panose="02020603050405020304" pitchFamily="18" charset="0"/>
+                          <a:cs typeface="Times New Roman" panose="02020603050405020304" pitchFamily="18" charset="0"/>
+                        </a:rPr>
+                        <a:t>Others</a:t>
+                      </a:r>
+                      <a:endParaRPr lang="en-US" sz="1100" b="0" i="0" u="none" strike="noStrike" dirty="0">
+                        <a:solidFill>
+                          <a:srgbClr val="000000"/>
+                        </a:solidFill>
+                        <a:effectLst/>
+                        <a:latin typeface="Times New Roman" panose="02020603050405020304" pitchFamily="18" charset="0"/>
+                        <a:cs typeface="Times New Roman" panose="02020603050405020304" pitchFamily="18" charset="0"/>
+                      </a:endParaRPr>
+                    </a:p>
+                  </a:txBody>
+                  <a:tcPr marL="9525" marR="9525" marT="9525" marB="0" anchor="ctr"/>
+                </a:tc>
+              </a:tr>
+              <a:tr h="229423">
+                <a:tc>
+                  <a:txBody>
+                    <a:bodyPr/>
+                    <a:lstStyle/>
+                    <a:p>
+                      <a:pPr algn="ctr" rtl="0" fontAlgn="ctr"/>
+                      <a:r>
+                        <a:rPr lang="en-US" sz="1100" u="none" strike="noStrike">
+                          <a:effectLst/>
+                          <a:latin typeface="Times New Roman" panose="02020603050405020304" pitchFamily="18" charset="0"/>
+                          <a:cs typeface="Times New Roman" panose="02020603050405020304" pitchFamily="18" charset="0"/>
+                        </a:rPr>
+                        <a:t> </a:t>
+                      </a:r>
+                      <a:endParaRPr lang="en-US" sz="1100" b="0" i="0" u="none" strike="noStrike">
+                        <a:solidFill>
+                          <a:srgbClr val="000000"/>
+                        </a:solidFill>
+                        <a:effectLst/>
+                        <a:latin typeface="Times New Roman" panose="02020603050405020304" pitchFamily="18" charset="0"/>
+                        <a:cs typeface="Times New Roman" panose="02020603050405020304" pitchFamily="18" charset="0"/>
+                      </a:endParaRPr>
+                    </a:p>
+                  </a:txBody>
+                  <a:tcPr marL="9525" marR="9525" marT="9525" marB="0" anchor="ctr"/>
+                </a:tc>
+                <a:tc>
+                  <a:txBody>
+                    <a:bodyPr/>
+                    <a:lstStyle/>
+                    <a:p>
+                      <a:pPr algn="ctr" rtl="0" fontAlgn="ctr"/>
+                      <a:r>
+                        <a:rPr lang="en-US" sz="1100" u="none" strike="noStrike" dirty="0">
+                          <a:effectLst/>
+                          <a:latin typeface="Times New Roman" panose="02020603050405020304" pitchFamily="18" charset="0"/>
+                          <a:cs typeface="Times New Roman" panose="02020603050405020304" pitchFamily="18" charset="0"/>
+                        </a:rPr>
+                        <a:t>Cleantech / Semiconductors</a:t>
+                      </a:r>
+                      <a:endParaRPr lang="en-US" sz="1100" b="0" i="0" u="none" strike="noStrike" dirty="0">
+                        <a:solidFill>
+                          <a:srgbClr val="000000"/>
+                        </a:solidFill>
+                        <a:effectLst/>
+                        <a:latin typeface="Times New Roman" panose="02020603050405020304" pitchFamily="18" charset="0"/>
+                        <a:cs typeface="Times New Roman" panose="02020603050405020304" pitchFamily="18" charset="0"/>
+                      </a:endParaRPr>
+                    </a:p>
+                  </a:txBody>
+                  <a:tcPr marL="9525" marR="9525" marT="9525" marB="0" anchor="ctr"/>
+                </a:tc>
+              </a:tr>
+              <a:tr h="229423">
+                <a:tc>
+                  <a:txBody>
+                    <a:bodyPr/>
+                    <a:lstStyle/>
+                    <a:p>
+                      <a:pPr algn="ctr" rtl="0" fontAlgn="ctr"/>
+                      <a:r>
+                        <a:rPr lang="en-US" sz="1100" u="none" strike="noStrike">
+                          <a:effectLst/>
+                          <a:latin typeface="Times New Roman" panose="02020603050405020304" pitchFamily="18" charset="0"/>
+                          <a:cs typeface="Times New Roman" panose="02020603050405020304" pitchFamily="18" charset="0"/>
+                        </a:rPr>
+                        <a:t> </a:t>
+                      </a:r>
+                      <a:endParaRPr lang="en-US" sz="1100" b="0" i="0" u="none" strike="noStrike">
+                        <a:solidFill>
+                          <a:srgbClr val="000000"/>
+                        </a:solidFill>
+                        <a:effectLst/>
+                        <a:latin typeface="Times New Roman" panose="02020603050405020304" pitchFamily="18" charset="0"/>
+                        <a:cs typeface="Times New Roman" panose="02020603050405020304" pitchFamily="18" charset="0"/>
+                      </a:endParaRPr>
+                    </a:p>
+                  </a:txBody>
+                  <a:tcPr marL="9525" marR="9525" marT="9525" marB="0" anchor="ctr"/>
+                </a:tc>
+                <a:tc>
+                  <a:txBody>
+                    <a:bodyPr/>
+                    <a:lstStyle/>
+                    <a:p>
+                      <a:pPr algn="ctr" rtl="0" fontAlgn="ctr"/>
+                      <a:r>
+                        <a:rPr lang="en-US" sz="1100" u="none" strike="noStrike" dirty="0">
+                          <a:effectLst/>
+                          <a:latin typeface="Times New Roman" panose="02020603050405020304" pitchFamily="18" charset="0"/>
+                          <a:cs typeface="Times New Roman" panose="02020603050405020304" pitchFamily="18" charset="0"/>
+                        </a:rPr>
+                        <a:t>Social, Finance, </a:t>
+                      </a:r>
+                      <a:r>
+                        <a:rPr lang="en-US" sz="1100" u="none" strike="noStrike" dirty="0" smtClean="0">
+                          <a:effectLst/>
+                          <a:latin typeface="Times New Roman" panose="02020603050405020304" pitchFamily="18" charset="0"/>
+                          <a:cs typeface="Times New Roman" panose="02020603050405020304" pitchFamily="18" charset="0"/>
+                        </a:rPr>
+                        <a:t>Analytics, Advertising</a:t>
+                      </a:r>
+                      <a:endParaRPr lang="en-US" sz="1100" b="0" i="0" u="none" strike="noStrike" dirty="0">
+                        <a:solidFill>
+                          <a:srgbClr val="000000"/>
+                        </a:solidFill>
+                        <a:effectLst/>
+                        <a:latin typeface="Times New Roman" panose="02020603050405020304" pitchFamily="18" charset="0"/>
+                        <a:cs typeface="Times New Roman" panose="02020603050405020304" pitchFamily="18" charset="0"/>
+                      </a:endParaRPr>
+                    </a:p>
+                  </a:txBody>
+                  <a:tcPr marL="9525" marR="9525" marT="9525" marB="0" anchor="ctr"/>
+                </a:tc>
+              </a:tr>
+              <a:tr h="229423">
+                <a:tc>
+                  <a:txBody>
+                    <a:bodyPr/>
+                    <a:lstStyle/>
+                    <a:p>
+                      <a:pPr algn="ctr" rtl="0" fontAlgn="ctr"/>
+                      <a:r>
+                        <a:rPr lang="en-US" sz="1100" u="none" strike="noStrike">
+                          <a:effectLst/>
+                          <a:latin typeface="Times New Roman" panose="02020603050405020304" pitchFamily="18" charset="0"/>
+                          <a:cs typeface="Times New Roman" panose="02020603050405020304" pitchFamily="18" charset="0"/>
+                        </a:rPr>
+                        <a:t>IND</a:t>
+                      </a:r>
+                      <a:endParaRPr lang="en-US" sz="1100" b="0" i="0" u="none" strike="noStrike">
+                        <a:solidFill>
+                          <a:srgbClr val="000000"/>
+                        </a:solidFill>
+                        <a:effectLst/>
+                        <a:latin typeface="Times New Roman" panose="02020603050405020304" pitchFamily="18" charset="0"/>
+                        <a:cs typeface="Times New Roman" panose="02020603050405020304" pitchFamily="18" charset="0"/>
+                      </a:endParaRPr>
+                    </a:p>
+                  </a:txBody>
+                  <a:tcPr marL="9525" marR="9525" marT="9525" marB="0" anchor="ctr"/>
+                </a:tc>
+                <a:tc>
+                  <a:txBody>
+                    <a:bodyPr/>
+                    <a:lstStyle/>
+                    <a:p>
+                      <a:pPr algn="ctr" rtl="0" fontAlgn="ctr"/>
+                      <a:r>
+                        <a:rPr lang="en-US" sz="1100" u="none" strike="noStrike" dirty="0">
+                          <a:effectLst/>
+                          <a:latin typeface="Times New Roman" panose="02020603050405020304" pitchFamily="18" charset="0"/>
+                          <a:cs typeface="Times New Roman" panose="02020603050405020304" pitchFamily="18" charset="0"/>
+                        </a:rPr>
+                        <a:t>Others</a:t>
+                      </a:r>
+                      <a:endParaRPr lang="en-US" sz="1100" b="0" i="0" u="none" strike="noStrike" dirty="0">
+                        <a:solidFill>
+                          <a:srgbClr val="000000"/>
+                        </a:solidFill>
+                        <a:effectLst/>
+                        <a:latin typeface="Times New Roman" panose="02020603050405020304" pitchFamily="18" charset="0"/>
+                        <a:cs typeface="Times New Roman" panose="02020603050405020304" pitchFamily="18" charset="0"/>
+                      </a:endParaRPr>
+                    </a:p>
+                  </a:txBody>
+                  <a:tcPr marL="9525" marR="9525" marT="9525" marB="0" anchor="ctr"/>
+                </a:tc>
+              </a:tr>
+              <a:tr h="229423">
+                <a:tc>
+                  <a:txBody>
+                    <a:bodyPr/>
+                    <a:lstStyle/>
+                    <a:p>
+                      <a:pPr algn="ctr" rtl="0" fontAlgn="ctr"/>
+                      <a:r>
+                        <a:rPr lang="en-US" sz="1100" u="none" strike="noStrike">
+                          <a:effectLst/>
+                          <a:latin typeface="Times New Roman" panose="02020603050405020304" pitchFamily="18" charset="0"/>
+                          <a:cs typeface="Times New Roman" panose="02020603050405020304" pitchFamily="18" charset="0"/>
+                        </a:rPr>
+                        <a:t> </a:t>
+                      </a:r>
+                      <a:endParaRPr lang="en-US" sz="1100" b="0" i="0" u="none" strike="noStrike">
+                        <a:solidFill>
+                          <a:srgbClr val="000000"/>
+                        </a:solidFill>
+                        <a:effectLst/>
+                        <a:latin typeface="Times New Roman" panose="02020603050405020304" pitchFamily="18" charset="0"/>
+                        <a:cs typeface="Times New Roman" panose="02020603050405020304" pitchFamily="18" charset="0"/>
+                      </a:endParaRPr>
+                    </a:p>
+                  </a:txBody>
+                  <a:tcPr marL="9525" marR="9525" marT="9525" marB="0" anchor="ctr"/>
+                </a:tc>
+                <a:tc>
+                  <a:txBody>
+                    <a:bodyPr/>
+                    <a:lstStyle/>
+                    <a:p>
+                      <a:pPr algn="ctr" rtl="0" fontAlgn="ctr"/>
+                      <a:r>
+                        <a:rPr lang="en-US" sz="1100" u="none" strike="noStrike">
+                          <a:effectLst/>
+                          <a:latin typeface="Times New Roman" panose="02020603050405020304" pitchFamily="18" charset="0"/>
+                          <a:cs typeface="Times New Roman" panose="02020603050405020304" pitchFamily="18" charset="0"/>
+                        </a:rPr>
+                        <a:t>Social, Finance, Analytics,Advertising</a:t>
+                      </a:r>
+                      <a:endParaRPr lang="en-US" sz="1100" b="0" i="0" u="none" strike="noStrike">
+                        <a:solidFill>
+                          <a:srgbClr val="000000"/>
+                        </a:solidFill>
+                        <a:effectLst/>
+                        <a:latin typeface="Times New Roman" panose="02020603050405020304" pitchFamily="18" charset="0"/>
+                        <a:cs typeface="Times New Roman" panose="02020603050405020304" pitchFamily="18" charset="0"/>
+                      </a:endParaRPr>
+                    </a:p>
+                  </a:txBody>
+                  <a:tcPr marL="9525" marR="9525" marT="9525" marB="0" anchor="ctr"/>
+                </a:tc>
+              </a:tr>
+              <a:tr h="229423">
+                <a:tc>
+                  <a:txBody>
+                    <a:bodyPr/>
+                    <a:lstStyle/>
+                    <a:p>
+                      <a:pPr algn="ctr" rtl="0" fontAlgn="ctr"/>
+                      <a:r>
+                        <a:rPr lang="en-US" sz="1100" u="none" strike="noStrike">
+                          <a:effectLst/>
+                          <a:latin typeface="Times New Roman" panose="02020603050405020304" pitchFamily="18" charset="0"/>
+                          <a:cs typeface="Times New Roman" panose="02020603050405020304" pitchFamily="18" charset="0"/>
+                        </a:rPr>
+                        <a:t> </a:t>
+                      </a:r>
+                      <a:endParaRPr lang="en-US" sz="1100" b="0" i="0" u="none" strike="noStrike">
+                        <a:solidFill>
+                          <a:srgbClr val="000000"/>
+                        </a:solidFill>
+                        <a:effectLst/>
+                        <a:latin typeface="Times New Roman" panose="02020603050405020304" pitchFamily="18" charset="0"/>
+                        <a:cs typeface="Times New Roman" panose="02020603050405020304" pitchFamily="18" charset="0"/>
+                      </a:endParaRPr>
+                    </a:p>
+                  </a:txBody>
+                  <a:tcPr marL="9525" marR="9525" marT="9525" marB="0" anchor="ctr"/>
+                </a:tc>
+                <a:tc>
+                  <a:txBody>
+                    <a:bodyPr/>
+                    <a:lstStyle/>
+                    <a:p>
+                      <a:pPr algn="ctr" rtl="0" fontAlgn="b"/>
+                      <a:r>
+                        <a:rPr lang="en-US" sz="1100" u="none" strike="noStrike" dirty="0">
+                          <a:effectLst/>
+                          <a:latin typeface="Times New Roman" panose="02020603050405020304" pitchFamily="18" charset="0"/>
+                          <a:cs typeface="Times New Roman" panose="02020603050405020304" pitchFamily="18" charset="0"/>
+                        </a:rPr>
+                        <a:t>News, Search and Messaging</a:t>
+                      </a:r>
+                      <a:endParaRPr lang="en-US" sz="1100" b="0" i="0" u="none" strike="noStrike" dirty="0">
+                        <a:solidFill>
+                          <a:srgbClr val="000000"/>
+                        </a:solidFill>
+                        <a:effectLst/>
+                        <a:latin typeface="Times New Roman" panose="02020603050405020304" pitchFamily="18" charset="0"/>
+                        <a:cs typeface="Times New Roman" panose="02020603050405020304" pitchFamily="18" charset="0"/>
+                      </a:endParaRPr>
+                    </a:p>
+                  </a:txBody>
+                  <a:tcPr marL="9525" marR="9525" marT="9525" marB="0" anchor="b"/>
+                </a:tc>
+              </a:tr>
+            </a:tbl>
+          </a:graphicData>
+        </a:graphic>
+      </p:graphicFrame>
     </p:spTree>
     <p:extLst>
       <p:ext uri="{BB962C8B-B14F-4D97-AF65-F5344CB8AC3E}">
@@ -3640,6 +4305,115 @@
             <a:pPr marL="0" indent="0">
               <a:buNone/>
             </a:pPr>
+            <a:r>
+              <a:rPr lang="en-IN" sz="1400" b="1" dirty="0" smtClean="0"/>
+              <a:t>Company name	</a:t>
+            </a:r>
+            <a:r>
+              <a:rPr lang="en-IN" sz="1400" dirty="0" smtClean="0"/>
+              <a:t>–  </a:t>
+            </a:r>
+            <a:r>
+              <a:rPr lang="en-IN" sz="1400" b="1" dirty="0" smtClean="0"/>
+              <a:t>Sparks Fund (Asset Management Company)</a:t>
+            </a:r>
+          </a:p>
+          <a:p>
+            <a:pPr marL="0" indent="0">
+              <a:buNone/>
+            </a:pPr>
+            <a:endParaRPr lang="en-IN" sz="1400" dirty="0" smtClean="0"/>
+          </a:p>
+          <a:p>
+            <a:pPr marL="0" indent="0">
+              <a:buNone/>
+            </a:pPr>
+            <a:r>
+              <a:rPr lang="en-IN" sz="1400" b="1" dirty="0" smtClean="0"/>
+              <a:t>Business Objectives 	</a:t>
+            </a:r>
+            <a:endParaRPr lang="en-IN" sz="1400" dirty="0"/>
+          </a:p>
+          <a:p>
+            <a:r>
+              <a:rPr lang="en-IN" sz="1400" dirty="0" smtClean="0"/>
+              <a:t>Wants to make investment in few  companies.</a:t>
+            </a:r>
+          </a:p>
+          <a:p>
+            <a:pPr marL="0" indent="0">
+              <a:buNone/>
+            </a:pPr>
+            <a:endParaRPr lang="en-IN" sz="1400" dirty="0"/>
+          </a:p>
+          <a:p>
+            <a:pPr marL="0" indent="0">
+              <a:buNone/>
+            </a:pPr>
+            <a:r>
+              <a:rPr lang="en-IN" sz="1400" b="1" dirty="0" smtClean="0"/>
+              <a:t>Constraints		</a:t>
+            </a:r>
+          </a:p>
+          <a:p>
+            <a:r>
+              <a:rPr lang="en-IN" sz="1400" dirty="0" smtClean="0"/>
+              <a:t>Investment </a:t>
+            </a:r>
+            <a:r>
+              <a:rPr lang="en-IN" sz="1400" dirty="0"/>
+              <a:t>range should be in between 5 million and 15 million </a:t>
+            </a:r>
+            <a:r>
+              <a:rPr lang="en-IN" sz="1400" dirty="0" smtClean="0"/>
+              <a:t>dollars.</a:t>
+            </a:r>
+          </a:p>
+          <a:p>
+            <a:r>
+              <a:rPr lang="en-IN" sz="1400" dirty="0" smtClean="0"/>
+              <a:t>Wants </a:t>
+            </a:r>
+            <a:r>
+              <a:rPr lang="en-IN" sz="1400" dirty="0"/>
+              <a:t>to Invest in only those countries where English is the official language.</a:t>
+            </a:r>
+          </a:p>
+          <a:p>
+            <a:pPr marL="0" indent="0">
+              <a:buNone/>
+            </a:pPr>
+            <a:endParaRPr lang="en-IN" sz="1400" dirty="0" smtClean="0"/>
+          </a:p>
+          <a:p>
+            <a:pPr marL="0" indent="0">
+              <a:buNone/>
+            </a:pPr>
+            <a:r>
+              <a:rPr lang="en-IN" sz="1400" b="1" dirty="0" smtClean="0"/>
+              <a:t>Strategy</a:t>
+            </a:r>
+            <a:r>
+              <a:rPr lang="en-IN" sz="1400" dirty="0" smtClean="0"/>
+              <a:t>		 </a:t>
+            </a:r>
+          </a:p>
+          <a:p>
+            <a:r>
+              <a:rPr lang="en-IN" sz="1400" dirty="0" smtClean="0"/>
+              <a:t>Investing in sectors and companies where investors from across the world is investing.</a:t>
+            </a:r>
+          </a:p>
+          <a:p>
+            <a:pPr marL="0" indent="0">
+              <a:buNone/>
+            </a:pPr>
+            <a:endParaRPr lang="en-IN" sz="1400" dirty="0"/>
+          </a:p>
+          <a:p>
+            <a:pPr marL="0" indent="0">
+              <a:buNone/>
+            </a:pPr>
             <a:endParaRPr lang="en-IN" sz="1400" dirty="0"/>
           </a:p>
         </p:txBody>
@@ -3664,14 +4438,12 @@
           <a:bodyPr/>
           <a:lstStyle/>
           <a:p>
-            <a:r>
-              <a:rPr lang="en-IN" b="1" dirty="0"/>
-              <a:t> </a:t>
-            </a:r>
-            <a:r>
-              <a:rPr lang="en-IN" sz="2800" dirty="0"/>
-              <a:t>&lt;Abstract&gt;</a:t>
-            </a:r>
+            <a:pPr algn="ctr"/>
+            <a:r>
+              <a:rPr lang="en-IN" sz="2800" dirty="0" smtClean="0"/>
+              <a:t>Investment Strategy Analysis	</a:t>
+            </a:r>
+            <a:endParaRPr lang="en-IN" sz="2800" dirty="0"/>
           </a:p>
         </p:txBody>
       </p:sp>
@@ -3705,33 +4477,35 @@
           <a:chExt cx="0" cy="0"/>
         </a:xfrm>
       </p:grpSpPr>
-      <p:sp>
-        <p:nvSpPr>
-          <p:cNvPr id="3" name="Content Placeholder 2"/>
-          <p:cNvSpPr>
-            <a:spLocks noGrp="1"/>
-          </p:cNvSpPr>
+      <p:pic>
+        <p:nvPicPr>
+          <p:cNvPr id="4" name="Content Placeholder 3"/>
+          <p:cNvPicPr>
+            <a:picLocks noGrp="1" noChangeAspect="1"/>
+          </p:cNvPicPr>
           <p:nvPr>
             <p:ph idx="1"/>
           </p:nvPr>
-        </p:nvSpPr>
-        <p:spPr/>
-        <p:txBody>
-          <a:bodyPr>
-            <a:normAutofit/>
-          </a:bodyPr>
-          <a:lstStyle/>
-          <a:p>
-            <a:pPr marL="0" indent="0">
-              <a:buNone/>
-            </a:pPr>
-            <a:r>
-              <a:rPr lang="en-IN" sz="1800" dirty="0"/>
-              <a:t>Use flow chart</a:t>
-            </a:r>
-          </a:p>
-        </p:txBody>
-      </p:sp>
+        </p:nvPicPr>
+        <p:blipFill>
+          <a:blip r:embed="rId2" cstate="print">
+            <a:extLst>
+              <a:ext uri="{28A0092B-C50C-407E-A947-70E740481C1C}">
+                <a14:useLocalDpi xmlns:a14="http://schemas.microsoft.com/office/drawing/2010/main" val="0"/>
+              </a:ext>
+            </a:extLst>
+          </a:blip>
+          <a:stretch>
+            <a:fillRect/>
+          </a:stretch>
+        </p:blipFill>
+        <p:spPr>
+          <a:xfrm>
+            <a:off x="2393577" y="1685365"/>
+            <a:ext cx="6678705" cy="4442105"/>
+          </a:xfrm>
+        </p:spPr>
+      </p:pic>
       <p:sp>
         <p:nvSpPr>
           <p:cNvPr id="5" name="Title 1"/>
@@ -3757,9 +4531,10 @@
               <a:t> </a:t>
             </a:r>
             <a:r>
-              <a:rPr lang="en-IN" sz="2800" dirty="0"/>
-              <a:t>&lt;Problem solving methodology&gt;</a:t>
-            </a:r>
+              <a:rPr lang="en-IN" sz="2800" dirty="0" smtClean="0"/>
+              <a:t>Flow chart</a:t>
+            </a:r>
+            <a:endParaRPr lang="en-IN" sz="2800" dirty="0"/>
           </a:p>
         </p:txBody>
       </p:sp>
@@ -3805,17 +4580,16 @@
         </p:nvSpPr>
         <p:spPr/>
         <p:txBody>
-          <a:bodyPr/>
+          <a:bodyPr>
+            <a:normAutofit/>
+          </a:bodyPr>
           <a:lstStyle/>
           <a:p>
             <a:r>
-              <a:rPr lang="en-IN" b="1" dirty="0"/>
-              <a:t> </a:t>
-            </a:r>
-            <a:r>
-              <a:rPr lang="en-IN" sz="2800" dirty="0"/>
-              <a:t>&lt;Analysis&gt;</a:t>
-            </a:r>
+              <a:rPr lang="en-IN" sz="2800" dirty="0" smtClean="0"/>
+              <a:t>Funding Type Analysis</a:t>
+            </a:r>
+            <a:endParaRPr lang="en-IN" sz="1800" dirty="0"/>
           </a:p>
         </p:txBody>
       </p:sp>
@@ -3829,20 +4603,295 @@
             <p:ph idx="1"/>
           </p:nvPr>
         </p:nvSpPr>
-        <p:spPr/>
+        <p:spPr>
+          <a:xfrm>
+            <a:off x="1136469" y="1854926"/>
+            <a:ext cx="10437222" cy="4344261"/>
+          </a:xfrm>
+        </p:spPr>
         <p:txBody>
           <a:bodyPr>
             <a:normAutofit/>
           </a:bodyPr>
           <a:lstStyle/>
           <a:p>
+            <a:r>
+              <a:rPr lang="en-IN" sz="1600" dirty="0" smtClean="0"/>
+              <a:t>Average investment across seed, private equity, venture, angle funding</a:t>
+            </a:r>
+          </a:p>
+          <a:p>
+            <a:endParaRPr lang="en-IN" sz="1600" dirty="0" smtClean="0"/>
+          </a:p>
+          <a:p>
             <a:pPr marL="0" indent="0">
               <a:buNone/>
             </a:pPr>
-            <a:endParaRPr lang="en-IN" sz="1400" dirty="0"/>
+            <a:endParaRPr lang="en-IN" sz="1600" dirty="0" smtClean="0"/>
+          </a:p>
+          <a:p>
+            <a:pPr marL="0" indent="0">
+              <a:buNone/>
+            </a:pPr>
+            <a:endParaRPr lang="en-IN" sz="1600" dirty="0"/>
+          </a:p>
+          <a:p>
+            <a:pPr marL="0" indent="0">
+              <a:buNone/>
+            </a:pPr>
+            <a:endParaRPr lang="en-IN" sz="1600" dirty="0" smtClean="0"/>
+          </a:p>
+          <a:p>
+            <a:pPr marL="0" indent="0">
+              <a:buNone/>
+            </a:pPr>
+            <a:endParaRPr lang="en-IN" sz="1600" dirty="0"/>
+          </a:p>
+          <a:p>
+            <a:r>
+              <a:rPr lang="en-IN" sz="1600" dirty="0" smtClean="0"/>
+              <a:t>Select only those funding types which have average funding amount between 5 and 15 Million dollars. Which is in our case is </a:t>
+            </a:r>
+            <a:r>
+              <a:rPr lang="en-IN" sz="1600" b="1" dirty="0" smtClean="0"/>
+              <a:t>Venture</a:t>
+            </a:r>
+            <a:r>
+              <a:rPr lang="en-IN" sz="1600" dirty="0" smtClean="0"/>
+              <a:t> </a:t>
+            </a:r>
+            <a:r>
+              <a:rPr lang="en-IN" sz="1600" dirty="0" smtClean="0"/>
+              <a:t>funding type.	</a:t>
+            </a:r>
+            <a:endParaRPr lang="en-IN" sz="1600" dirty="0"/>
           </a:p>
         </p:txBody>
       </p:sp>
+      <p:graphicFrame>
+        <p:nvGraphicFramePr>
+          <p:cNvPr id="7" name="Table 6"/>
+          <p:cNvGraphicFramePr>
+            <a:graphicFrameLocks noGrp="1"/>
+          </p:cNvGraphicFramePr>
+          <p:nvPr>
+            <p:extLst>
+              <p:ext uri="{D42A27DB-BD31-4B8C-83A1-F6EECF244321}">
+                <p14:modId xmlns:p14="http://schemas.microsoft.com/office/powerpoint/2010/main" val="2800318377"/>
+              </p:ext>
+            </p:extLst>
+          </p:nvPr>
+        </p:nvGraphicFramePr>
+        <p:xfrm>
+          <a:off x="1440892" y="2304413"/>
+          <a:ext cx="5980672" cy="1299398"/>
+        </p:xfrm>
+        <a:graphic>
+          <a:graphicData uri="http://schemas.openxmlformats.org/drawingml/2006/table">
+            <a:tbl>
+              <a:tblPr bandRow="1">
+                <a:tableStyleId>{125E5076-3810-47DD-B79F-674D7AD40C01}</a:tableStyleId>
+              </a:tblPr>
+              <a:tblGrid>
+                <a:gridCol w="2990336"/>
+                <a:gridCol w="2990336"/>
+              </a:tblGrid>
+              <a:tr h="304800">
+                <a:tc>
+                  <a:txBody>
+                    <a:bodyPr/>
+                    <a:lstStyle/>
+                    <a:p>
+                      <a:pPr algn="ctr" fontAlgn="ctr"/>
+                      <a:r>
+                        <a:rPr lang="en-US" sz="1100" u="none" strike="noStrike" dirty="0">
+                          <a:effectLst/>
+                        </a:rPr>
+                        <a:t>Venture type</a:t>
+                      </a:r>
+                      <a:endParaRPr lang="en-US" sz="1100" b="1" i="0" u="none" strike="noStrike" dirty="0">
+                        <a:solidFill>
+                          <a:srgbClr val="000000"/>
+                        </a:solidFill>
+                        <a:effectLst/>
+                        <a:latin typeface="Calibri" panose="020F0502020204030204" pitchFamily="34" charset="0"/>
+                      </a:endParaRPr>
+                    </a:p>
+                  </a:txBody>
+                  <a:tcPr marL="9525" marR="9525" marT="9525" marB="0" anchor="ctr"/>
+                </a:tc>
+                <a:tc>
+                  <a:txBody>
+                    <a:bodyPr/>
+                    <a:lstStyle/>
+                    <a:p>
+                      <a:pPr algn="ctr" fontAlgn="ctr"/>
+                      <a:r>
+                        <a:rPr lang="en-US" sz="1100" u="none" strike="noStrike">
+                          <a:effectLst/>
+                        </a:rPr>
+                        <a:t>11,724,220</a:t>
+                      </a:r>
+                      <a:endParaRPr lang="en-US" sz="1100" b="0" i="0" u="none" strike="noStrike">
+                        <a:solidFill>
+                          <a:srgbClr val="000000"/>
+                        </a:solidFill>
+                        <a:effectLst/>
+                        <a:latin typeface="Calibri" panose="020F0502020204030204" pitchFamily="34" charset="0"/>
+                      </a:endParaRPr>
+                    </a:p>
+                  </a:txBody>
+                  <a:tcPr marL="9525" marR="9525" marT="9525" marB="0" anchor="ctr"/>
+                </a:tc>
+              </a:tr>
+              <a:tr h="384998">
+                <a:tc>
+                  <a:txBody>
+                    <a:bodyPr/>
+                    <a:lstStyle/>
+                    <a:p>
+                      <a:pPr algn="ctr" fontAlgn="ctr"/>
+                      <a:r>
+                        <a:rPr lang="en-US" sz="1100" u="none" strike="noStrike" dirty="0">
+                          <a:effectLst/>
+                        </a:rPr>
+                        <a:t>Angel type</a:t>
+                      </a:r>
+                      <a:endParaRPr lang="en-US" sz="1100" b="1" i="0" u="none" strike="noStrike" dirty="0">
+                        <a:solidFill>
+                          <a:srgbClr val="000000"/>
+                        </a:solidFill>
+                        <a:effectLst/>
+                        <a:latin typeface="Calibri" panose="020F0502020204030204" pitchFamily="34" charset="0"/>
+                      </a:endParaRPr>
+                    </a:p>
+                  </a:txBody>
+                  <a:tcPr marL="9525" marR="9525" marT="9525" marB="0" anchor="ctr"/>
+                </a:tc>
+                <a:tc>
+                  <a:txBody>
+                    <a:bodyPr/>
+                    <a:lstStyle/>
+                    <a:p>
+                      <a:pPr algn="ctr" fontAlgn="ctr"/>
+                      <a:r>
+                        <a:rPr lang="en-US" sz="1100" u="none" strike="noStrike">
+                          <a:effectLst/>
+                        </a:rPr>
+                        <a:t>971,573.90</a:t>
+                      </a:r>
+                      <a:endParaRPr lang="en-US" sz="1100" b="0" i="0" u="none" strike="noStrike">
+                        <a:solidFill>
+                          <a:srgbClr val="000000"/>
+                        </a:solidFill>
+                        <a:effectLst/>
+                        <a:latin typeface="Calibri" panose="020F0502020204030204" pitchFamily="34" charset="0"/>
+                      </a:endParaRPr>
+                    </a:p>
+                  </a:txBody>
+                  <a:tcPr marL="9525" marR="9525" marT="9525" marB="0" anchor="ctr"/>
+                </a:tc>
+              </a:tr>
+              <a:tr h="304800">
+                <a:tc>
+                  <a:txBody>
+                    <a:bodyPr/>
+                    <a:lstStyle/>
+                    <a:p>
+                      <a:pPr algn="ctr" fontAlgn="ctr"/>
+                      <a:r>
+                        <a:rPr lang="en-US" sz="1100" u="none" strike="noStrike">
+                          <a:effectLst/>
+                        </a:rPr>
+                        <a:t>Seed type</a:t>
+                      </a:r>
+                      <a:endParaRPr lang="en-US" sz="1100" b="1" i="0" u="none" strike="noStrike">
+                        <a:solidFill>
+                          <a:srgbClr val="000000"/>
+                        </a:solidFill>
+                        <a:effectLst/>
+                        <a:latin typeface="Calibri" panose="020F0502020204030204" pitchFamily="34" charset="0"/>
+                      </a:endParaRPr>
+                    </a:p>
+                  </a:txBody>
+                  <a:tcPr marL="9525" marR="9525" marT="9525" marB="0" anchor="ctr"/>
+                </a:tc>
+                <a:tc>
+                  <a:txBody>
+                    <a:bodyPr/>
+                    <a:lstStyle/>
+                    <a:p>
+                      <a:pPr algn="ctr" fontAlgn="ctr"/>
+                      <a:r>
+                        <a:rPr lang="en-US" sz="1100" u="none" strike="noStrike">
+                          <a:effectLst/>
+                        </a:rPr>
+                        <a:t>747,793.70</a:t>
+                      </a:r>
+                      <a:endParaRPr lang="en-US" sz="1100" b="0" i="0" u="none" strike="noStrike">
+                        <a:solidFill>
+                          <a:srgbClr val="000000"/>
+                        </a:solidFill>
+                        <a:effectLst/>
+                        <a:latin typeface="Calibri" panose="020F0502020204030204" pitchFamily="34" charset="0"/>
+                      </a:endParaRPr>
+                    </a:p>
+                  </a:txBody>
+                  <a:tcPr marL="9525" marR="9525" marT="9525" marB="0" anchor="ctr"/>
+                </a:tc>
+              </a:tr>
+              <a:tr h="304800">
+                <a:tc>
+                  <a:txBody>
+                    <a:bodyPr/>
+                    <a:lstStyle/>
+                    <a:p>
+                      <a:pPr algn="ctr" fontAlgn="ctr"/>
+                      <a:r>
+                        <a:rPr lang="en-US" sz="1100" u="none" strike="noStrike">
+                          <a:effectLst/>
+                        </a:rPr>
+                        <a:t>Private equity type</a:t>
+                      </a:r>
+                      <a:endParaRPr lang="en-US" sz="1100" b="1" i="0" u="none" strike="noStrike">
+                        <a:solidFill>
+                          <a:srgbClr val="000000"/>
+                        </a:solidFill>
+                        <a:effectLst/>
+                        <a:latin typeface="Calibri" panose="020F0502020204030204" pitchFamily="34" charset="0"/>
+                      </a:endParaRPr>
+                    </a:p>
+                  </a:txBody>
+                  <a:tcPr marL="9525" marR="9525" marT="9525" marB="0" anchor="ctr"/>
+                </a:tc>
+                <a:tc>
+                  <a:txBody>
+                    <a:bodyPr/>
+                    <a:lstStyle/>
+                    <a:p>
+                      <a:pPr algn="ctr" fontAlgn="ctr"/>
+                      <a:r>
+                        <a:rPr lang="en-US" sz="1100" u="none" strike="noStrike" dirty="0">
+                          <a:effectLst/>
+                        </a:rPr>
+                        <a:t>73,938,490</a:t>
+                      </a:r>
+                      <a:endParaRPr lang="en-US" sz="1100" b="0" i="0" u="none" strike="noStrike" dirty="0">
+                        <a:solidFill>
+                          <a:srgbClr val="000000"/>
+                        </a:solidFill>
+                        <a:effectLst/>
+                        <a:latin typeface="Calibri" panose="020F0502020204030204" pitchFamily="34" charset="0"/>
+                      </a:endParaRPr>
+                    </a:p>
+                  </a:txBody>
+                  <a:tcPr marL="9525" marR="9525" marT="9525" marB="0" anchor="ctr"/>
+                </a:tc>
+              </a:tr>
+            </a:tbl>
+          </a:graphicData>
+        </a:graphic>
+      </p:graphicFrame>
     </p:spTree>
     <p:extLst>
       <p:ext uri="{BB962C8B-B14F-4D97-AF65-F5344CB8AC3E}">
@@ -3885,17 +4934,16 @@
         </p:nvSpPr>
         <p:spPr/>
         <p:txBody>
-          <a:bodyPr/>
+          <a:bodyPr>
+            <a:normAutofit/>
+          </a:bodyPr>
           <a:lstStyle/>
           <a:p>
             <a:r>
-              <a:rPr lang="en-IN" b="1" dirty="0"/>
-              <a:t> </a:t>
-            </a:r>
-            <a:r>
-              <a:rPr lang="en-IN" sz="2800" dirty="0"/>
-              <a:t>&lt;Analysis&gt;</a:t>
-            </a:r>
+              <a:rPr lang="en-IN" sz="2800" dirty="0" smtClean="0"/>
+              <a:t>Country Analysis</a:t>
+            </a:r>
+            <a:endParaRPr lang="en-IN" sz="2800" dirty="0"/>
           </a:p>
         </p:txBody>
       </p:sp>
@@ -3909,20 +4957,1905 @@
             <p:ph idx="1"/>
           </p:nvPr>
         </p:nvSpPr>
-        <p:spPr/>
+        <p:spPr>
+          <a:xfrm>
+            <a:off x="1237129" y="1854926"/>
+            <a:ext cx="10336562" cy="4344261"/>
+          </a:xfrm>
+        </p:spPr>
         <p:txBody>
           <a:bodyPr>
             <a:normAutofit/>
           </a:bodyPr>
           <a:lstStyle/>
           <a:p>
+            <a:r>
+              <a:rPr lang="en-IN" sz="1400" dirty="0" smtClean="0"/>
+              <a:t>Chart of top9 countries</a:t>
+            </a:r>
+          </a:p>
+          <a:p>
             <a:pPr marL="0" indent="0">
               <a:buNone/>
             </a:pPr>
             <a:endParaRPr lang="en-IN" sz="1400" dirty="0"/>
           </a:p>
+          <a:p>
+            <a:pPr marL="0" indent="0">
+              <a:buNone/>
+            </a:pPr>
+            <a:endParaRPr lang="en-IN" sz="1400" dirty="0" smtClean="0"/>
+          </a:p>
+          <a:p>
+            <a:pPr marL="0" indent="0">
+              <a:buNone/>
+            </a:pPr>
+            <a:endParaRPr lang="en-IN" sz="1400" dirty="0"/>
+          </a:p>
+          <a:p>
+            <a:pPr marL="0" indent="0">
+              <a:buNone/>
+            </a:pPr>
+            <a:endParaRPr lang="en-IN" sz="1400" dirty="0" smtClean="0"/>
+          </a:p>
+          <a:p>
+            <a:pPr marL="0" indent="0">
+              <a:buNone/>
+            </a:pPr>
+            <a:endParaRPr lang="en-IN" sz="1400" dirty="0"/>
+          </a:p>
+          <a:p>
+            <a:pPr marL="0" indent="0">
+              <a:buNone/>
+            </a:pPr>
+            <a:endParaRPr lang="en-IN" sz="1400" dirty="0" smtClean="0"/>
+          </a:p>
+          <a:p>
+            <a:pPr marL="0" indent="0">
+              <a:buNone/>
+            </a:pPr>
+            <a:endParaRPr lang="en-IN" sz="1400" dirty="0"/>
+          </a:p>
+          <a:p>
+            <a:pPr marL="0" indent="0">
+              <a:buNone/>
+            </a:pPr>
+            <a:endParaRPr lang="en-IN" sz="1400" dirty="0" smtClean="0"/>
+          </a:p>
+          <a:p>
+            <a:pPr marL="0" indent="0">
+              <a:buNone/>
+            </a:pPr>
+            <a:endParaRPr lang="en-IN" sz="1400" dirty="0"/>
+          </a:p>
+          <a:p>
+            <a:pPr marL="0" indent="0">
+              <a:buNone/>
+            </a:pPr>
+            <a:endParaRPr lang="en-IN" sz="1400" dirty="0" smtClean="0"/>
+          </a:p>
+          <a:p>
+            <a:r>
+              <a:rPr lang="en-IN" sz="1400" dirty="0" smtClean="0"/>
+              <a:t>In top9 countries chart we can that we have only 4 countries which have English as their official language of Communication. </a:t>
+            </a:r>
+            <a:endParaRPr lang="en-IN" sz="1400" dirty="0"/>
+          </a:p>
+          <a:p>
+            <a:r>
+              <a:rPr lang="en-IN" sz="1400" dirty="0" smtClean="0"/>
+              <a:t>Out of which we will going to select top3 – USA, GBR, IND</a:t>
+            </a:r>
+            <a:endParaRPr lang="en-IN" sz="1400" dirty="0"/>
+          </a:p>
         </p:txBody>
       </p:sp>
+      <p:graphicFrame>
+        <p:nvGraphicFramePr>
+          <p:cNvPr id="9" name="Table 8"/>
+          <p:cNvGraphicFramePr>
+            <a:graphicFrameLocks noGrp="1"/>
+          </p:cNvGraphicFramePr>
+          <p:nvPr>
+            <p:extLst>
+              <p:ext uri="{D42A27DB-BD31-4B8C-83A1-F6EECF244321}">
+                <p14:modId xmlns:p14="http://schemas.microsoft.com/office/powerpoint/2010/main" val="3730078806"/>
+              </p:ext>
+            </p:extLst>
+          </p:nvPr>
+        </p:nvGraphicFramePr>
+        <p:xfrm>
+          <a:off x="1517226" y="2193574"/>
+          <a:ext cx="4813300" cy="3048000"/>
+        </p:xfrm>
+        <a:graphic>
+          <a:graphicData uri="http://schemas.openxmlformats.org/drawingml/2006/table">
+            <a:tbl>
+              <a:tblPr firstRow="1" bandRow="1"/>
+              <a:tblGrid>
+                <a:gridCol w="1437327"/>
+                <a:gridCol w="1903744"/>
+                <a:gridCol w="1472229"/>
+              </a:tblGrid>
+              <a:tr h="304800">
+                <a:tc>
+                  <a:txBody>
+                    <a:bodyPr/>
+                    <a:lstStyle/>
+                    <a:p>
+                      <a:pPr algn="ctr" rtl="0" fontAlgn="ctr"/>
+                      <a:r>
+                        <a:rPr lang="en-US" sz="1200" b="1" i="0" u="none" strike="noStrike" dirty="0">
+                          <a:solidFill>
+                            <a:srgbClr val="FFFFFF"/>
+                          </a:solidFill>
+                          <a:effectLst/>
+                          <a:latin typeface="Times New Roman" panose="02020603050405020304" pitchFamily="18" charset="0"/>
+                        </a:rPr>
+                        <a:t>Country</a:t>
+                      </a:r>
+                    </a:p>
+                  </a:txBody>
+                  <a:tcPr marL="9525" marR="9525" marT="9525" marB="0" anchor="ctr">
+                    <a:lnL w="6350" cap="flat" cmpd="sng" algn="ctr">
+                      <a:solidFill>
+                        <a:srgbClr val="5B9BD5"/>
+                      </a:solidFill>
+                      <a:prstDash val="solid"/>
+                      <a:round/>
+                      <a:headEnd type="none" w="med" len="med"/>
+                      <a:tailEnd type="none" w="med" len="med"/>
+                    </a:lnL>
+                    <a:lnR>
+                      <a:noFill/>
+                    </a:lnR>
+                    <a:lnT w="6350" cap="flat" cmpd="sng" algn="ctr">
+                      <a:solidFill>
+                        <a:srgbClr val="5B9BD5"/>
+                      </a:solidFill>
+                      <a:prstDash val="solid"/>
+                      <a:round/>
+                      <a:headEnd type="none" w="med" len="med"/>
+                      <a:tailEnd type="none" w="med" len="med"/>
+                    </a:lnT>
+                    <a:lnB w="12700" cap="flat" cmpd="sng" algn="ctr">
+                      <a:solidFill>
+                        <a:srgbClr val="FFFFFF"/>
+                      </a:solidFill>
+                      <a:prstDash val="solid"/>
+                      <a:round/>
+                      <a:headEnd type="none" w="med" len="med"/>
+                      <a:tailEnd type="none" w="med" len="med"/>
+                    </a:lnB>
+                    <a:solidFill>
+                      <a:srgbClr val="5B9BD5"/>
+                    </a:solidFill>
+                  </a:tcPr>
+                </a:tc>
+                <a:tc>
+                  <a:txBody>
+                    <a:bodyPr/>
+                    <a:lstStyle/>
+                    <a:p>
+                      <a:pPr algn="ctr" rtl="0" fontAlgn="ctr"/>
+                      <a:r>
+                        <a:rPr lang="en-US" sz="1200" b="1" i="0" u="none" strike="noStrike">
+                          <a:solidFill>
+                            <a:srgbClr val="FFFFFF"/>
+                          </a:solidFill>
+                          <a:effectLst/>
+                          <a:latin typeface="Times New Roman" panose="02020603050405020304" pitchFamily="18" charset="0"/>
+                        </a:rPr>
+                        <a:t>Investment</a:t>
+                      </a:r>
+                    </a:p>
+                  </a:txBody>
+                  <a:tcPr marL="9525" marR="9525" marT="9525" marB="0" anchor="ctr">
+                    <a:lnL>
+                      <a:noFill/>
+                    </a:lnL>
+                    <a:lnR>
+                      <a:noFill/>
+                    </a:lnR>
+                    <a:lnT w="6350" cap="flat" cmpd="sng" algn="ctr">
+                      <a:solidFill>
+                        <a:srgbClr val="5B9BD5"/>
+                      </a:solidFill>
+                      <a:prstDash val="solid"/>
+                      <a:round/>
+                      <a:headEnd type="none" w="med" len="med"/>
+                      <a:tailEnd type="none" w="med" len="med"/>
+                    </a:lnT>
+                    <a:lnB w="12700" cap="flat" cmpd="sng" algn="ctr">
+                      <a:solidFill>
+                        <a:srgbClr val="FFFFFF"/>
+                      </a:solidFill>
+                      <a:prstDash val="solid"/>
+                      <a:round/>
+                      <a:headEnd type="none" w="med" len="med"/>
+                      <a:tailEnd type="none" w="med" len="med"/>
+                    </a:lnB>
+                    <a:solidFill>
+                      <a:srgbClr val="5B9BD5"/>
+                    </a:solidFill>
+                  </a:tcPr>
+                </a:tc>
+                <a:tc>
+                  <a:txBody>
+                    <a:bodyPr/>
+                    <a:lstStyle/>
+                    <a:p>
+                      <a:pPr algn="ctr" rtl="0" fontAlgn="ctr"/>
+                      <a:r>
+                        <a:rPr lang="en-US" sz="1200" b="1" i="0" u="none" strike="noStrike">
+                          <a:solidFill>
+                            <a:srgbClr val="FFFFFF"/>
+                          </a:solidFill>
+                          <a:effectLst/>
+                          <a:latin typeface="Times New Roman" panose="02020603050405020304" pitchFamily="18" charset="0"/>
+                        </a:rPr>
+                        <a:t>English language </a:t>
+                      </a:r>
+                    </a:p>
+                  </a:txBody>
+                  <a:tcPr marL="9525" marR="9525" marT="9525" marB="0" anchor="ctr">
+                    <a:lnL>
+                      <a:noFill/>
+                    </a:lnL>
+                    <a:lnR w="6350" cap="flat" cmpd="sng" algn="ctr">
+                      <a:solidFill>
+                        <a:srgbClr val="5B9BD5"/>
+                      </a:solidFill>
+                      <a:prstDash val="solid"/>
+                      <a:round/>
+                      <a:headEnd type="none" w="med" len="med"/>
+                      <a:tailEnd type="none" w="med" len="med"/>
+                    </a:lnR>
+                    <a:lnT w="6350" cap="flat" cmpd="sng" algn="ctr">
+                      <a:solidFill>
+                        <a:srgbClr val="5B9BD5"/>
+                      </a:solidFill>
+                      <a:prstDash val="solid"/>
+                      <a:round/>
+                      <a:headEnd type="none" w="med" len="med"/>
+                      <a:tailEnd type="none" w="med" len="med"/>
+                    </a:lnT>
+                    <a:lnB w="12700" cap="flat" cmpd="sng" algn="ctr">
+                      <a:solidFill>
+                        <a:srgbClr val="FFFFFF"/>
+                      </a:solidFill>
+                      <a:prstDash val="solid"/>
+                      <a:round/>
+                      <a:headEnd type="none" w="med" len="med"/>
+                      <a:tailEnd type="none" w="med" len="med"/>
+                    </a:lnB>
+                    <a:solidFill>
+                      <a:srgbClr val="5B9BD5"/>
+                    </a:solidFill>
+                  </a:tcPr>
+                </a:tc>
+              </a:tr>
+              <a:tr h="304800">
+                <a:tc>
+                  <a:txBody>
+                    <a:bodyPr/>
+                    <a:lstStyle/>
+                    <a:p>
+                      <a:pPr algn="ctr" rtl="0" fontAlgn="ctr"/>
+                      <a:r>
+                        <a:rPr lang="en-US" sz="1100" b="0" i="0" u="none" strike="noStrike">
+                          <a:solidFill>
+                            <a:srgbClr val="000000"/>
+                          </a:solidFill>
+                          <a:effectLst/>
+                          <a:latin typeface="Calibri" panose="020F0502020204030204" pitchFamily="34" charset="0"/>
+                        </a:rPr>
+                        <a:t>USA</a:t>
+                      </a:r>
+                    </a:p>
+                  </a:txBody>
+                  <a:tcPr marL="9525" marR="9525" marT="9525" marB="0" anchor="ctr">
+                    <a:lnL w="6350" cap="flat" cmpd="sng" algn="ctr">
+                      <a:solidFill>
+                        <a:srgbClr val="5B9BD5"/>
+                      </a:solidFill>
+                      <a:prstDash val="solid"/>
+                      <a:round/>
+                      <a:headEnd type="none" w="med" len="med"/>
+                      <a:tailEnd type="none" w="med" len="med"/>
+                    </a:lnL>
+                    <a:lnR w="6350" cap="flat" cmpd="sng" algn="ctr">
+                      <a:solidFill>
+                        <a:srgbClr val="5B9BD5"/>
+                      </a:solidFill>
+                      <a:prstDash val="solid"/>
+                      <a:round/>
+                      <a:headEnd type="none" w="med" len="med"/>
+                      <a:tailEnd type="none" w="med" len="med"/>
+                    </a:lnR>
+                    <a:lnT w="12700" cap="flat" cmpd="sng" algn="ctr">
+                      <a:solidFill>
+                        <a:srgbClr val="FFFFFF"/>
+                      </a:solidFill>
+                      <a:prstDash val="solid"/>
+                      <a:round/>
+                      <a:headEnd type="none" w="med" len="med"/>
+                      <a:tailEnd type="none" w="med" len="med"/>
+                    </a:lnT>
+                    <a:lnB w="6350" cap="flat" cmpd="sng" algn="ctr">
+                      <a:solidFill>
+                        <a:srgbClr val="5B9BD5"/>
+                      </a:solidFill>
+                      <a:prstDash val="solid"/>
+                      <a:round/>
+                      <a:headEnd type="none" w="med" len="med"/>
+                      <a:tailEnd type="none" w="med" len="med"/>
+                    </a:lnB>
+                    <a:solidFill>
+                      <a:srgbClr val="D2DEEF"/>
+                    </a:solidFill>
+                  </a:tcPr>
+                </a:tc>
+                <a:tc>
+                  <a:txBody>
+                    <a:bodyPr/>
+                    <a:lstStyle/>
+                    <a:p>
+                      <a:pPr algn="ctr" rtl="0" fontAlgn="ctr"/>
+                      <a:r>
+                        <a:rPr lang="en-US" sz="1100" b="0" i="0" u="none" strike="noStrike">
+                          <a:solidFill>
+                            <a:srgbClr val="000000"/>
+                          </a:solidFill>
+                          <a:effectLst/>
+                          <a:latin typeface="Calibri" panose="020F0502020204030204" pitchFamily="34" charset="0"/>
+                        </a:rPr>
+                        <a:t>$420,068,000,000 </a:t>
+                      </a:r>
+                    </a:p>
+                  </a:txBody>
+                  <a:tcPr marL="9525" marR="9525" marT="9525" marB="0" anchor="ctr">
+                    <a:lnL w="6350" cap="flat" cmpd="sng" algn="ctr">
+                      <a:solidFill>
+                        <a:srgbClr val="5B9BD5"/>
+                      </a:solidFill>
+                      <a:prstDash val="solid"/>
+                      <a:round/>
+                      <a:headEnd type="none" w="med" len="med"/>
+                      <a:tailEnd type="none" w="med" len="med"/>
+                    </a:lnL>
+                    <a:lnR w="6350" cap="flat" cmpd="sng" algn="ctr">
+                      <a:solidFill>
+                        <a:srgbClr val="5B9BD5"/>
+                      </a:solidFill>
+                      <a:prstDash val="solid"/>
+                      <a:round/>
+                      <a:headEnd type="none" w="med" len="med"/>
+                      <a:tailEnd type="none" w="med" len="med"/>
+                    </a:lnR>
+                    <a:lnT w="12700" cap="flat" cmpd="sng" algn="ctr">
+                      <a:solidFill>
+                        <a:srgbClr val="FFFFFF"/>
+                      </a:solidFill>
+                      <a:prstDash val="solid"/>
+                      <a:round/>
+                      <a:headEnd type="none" w="med" len="med"/>
+                      <a:tailEnd type="none" w="med" len="med"/>
+                    </a:lnT>
+                    <a:lnB w="6350" cap="flat" cmpd="sng" algn="ctr">
+                      <a:solidFill>
+                        <a:srgbClr val="5B9BD5"/>
+                      </a:solidFill>
+                      <a:prstDash val="solid"/>
+                      <a:round/>
+                      <a:headEnd type="none" w="med" len="med"/>
+                      <a:tailEnd type="none" w="med" len="med"/>
+                    </a:lnB>
+                    <a:solidFill>
+                      <a:srgbClr val="63BE7B"/>
+                    </a:solidFill>
+                  </a:tcPr>
+                </a:tc>
+                <a:tc>
+                  <a:txBody>
+                    <a:bodyPr/>
+                    <a:lstStyle/>
+                    <a:p>
+                      <a:pPr algn="ctr" rtl="0" fontAlgn="ctr"/>
+                      <a:r>
+                        <a:rPr lang="en-US" sz="1100" b="0" i="0" u="none" strike="noStrike">
+                          <a:solidFill>
+                            <a:srgbClr val="000000"/>
+                          </a:solidFill>
+                          <a:effectLst/>
+                          <a:latin typeface="Calibri" panose="020F0502020204030204" pitchFamily="34" charset="0"/>
+                        </a:rPr>
+                        <a:t>YES</a:t>
+                      </a:r>
+                    </a:p>
+                  </a:txBody>
+                  <a:tcPr marL="9525" marR="9525" marT="9525" marB="0" anchor="ctr">
+                    <a:lnL w="6350" cap="flat" cmpd="sng" algn="ctr">
+                      <a:solidFill>
+                        <a:srgbClr val="5B9BD5"/>
+                      </a:solidFill>
+                      <a:prstDash val="solid"/>
+                      <a:round/>
+                      <a:headEnd type="none" w="med" len="med"/>
+                      <a:tailEnd type="none" w="med" len="med"/>
+                    </a:lnL>
+                    <a:lnR w="6350" cap="flat" cmpd="sng" algn="ctr">
+                      <a:solidFill>
+                        <a:srgbClr val="5B9BD5"/>
+                      </a:solidFill>
+                      <a:prstDash val="solid"/>
+                      <a:round/>
+                      <a:headEnd type="none" w="med" len="med"/>
+                      <a:tailEnd type="none" w="med" len="med"/>
+                    </a:lnR>
+                    <a:lnT w="12700" cap="flat" cmpd="sng" algn="ctr">
+                      <a:solidFill>
+                        <a:srgbClr val="FFFFFF"/>
+                      </a:solidFill>
+                      <a:prstDash val="solid"/>
+                      <a:round/>
+                      <a:headEnd type="none" w="med" len="med"/>
+                      <a:tailEnd type="none" w="med" len="med"/>
+                    </a:lnT>
+                    <a:lnB w="6350" cap="flat" cmpd="sng" algn="ctr">
+                      <a:solidFill>
+                        <a:srgbClr val="5B9BD5"/>
+                      </a:solidFill>
+                      <a:prstDash val="solid"/>
+                      <a:round/>
+                      <a:headEnd type="none" w="med" len="med"/>
+                      <a:tailEnd type="none" w="med" len="med"/>
+                    </a:lnB>
+                    <a:solidFill>
+                      <a:srgbClr val="DAE3F3"/>
+                    </a:solidFill>
+                  </a:tcPr>
+                </a:tc>
+              </a:tr>
+              <a:tr h="304800">
+                <a:tc>
+                  <a:txBody>
+                    <a:bodyPr/>
+                    <a:lstStyle/>
+                    <a:p>
+                      <a:pPr algn="ctr" rtl="0" fontAlgn="ctr"/>
+                      <a:r>
+                        <a:rPr lang="en-US" sz="1100" b="0" i="0" u="none" strike="noStrike">
+                          <a:solidFill>
+                            <a:srgbClr val="000000"/>
+                          </a:solidFill>
+                          <a:effectLst/>
+                          <a:latin typeface="Calibri" panose="020F0502020204030204" pitchFamily="34" charset="0"/>
+                        </a:rPr>
+                        <a:t>CHN</a:t>
+                      </a:r>
+                    </a:p>
+                  </a:txBody>
+                  <a:tcPr marL="9525" marR="9525" marT="9525" marB="0" anchor="ctr">
+                    <a:lnL w="6350" cap="flat" cmpd="sng" algn="ctr">
+                      <a:solidFill>
+                        <a:srgbClr val="5B9BD5"/>
+                      </a:solidFill>
+                      <a:prstDash val="solid"/>
+                      <a:round/>
+                      <a:headEnd type="none" w="med" len="med"/>
+                      <a:tailEnd type="none" w="med" len="med"/>
+                    </a:lnL>
+                    <a:lnR w="6350" cap="flat" cmpd="sng" algn="ctr">
+                      <a:solidFill>
+                        <a:srgbClr val="5B9BD5"/>
+                      </a:solidFill>
+                      <a:prstDash val="solid"/>
+                      <a:round/>
+                      <a:headEnd type="none" w="med" len="med"/>
+                      <a:tailEnd type="none" w="med" len="med"/>
+                    </a:lnR>
+                    <a:lnT w="6350" cap="flat" cmpd="sng" algn="ctr">
+                      <a:solidFill>
+                        <a:srgbClr val="5B9BD5"/>
+                      </a:solidFill>
+                      <a:prstDash val="solid"/>
+                      <a:round/>
+                      <a:headEnd type="none" w="med" len="med"/>
+                      <a:tailEnd type="none" w="med" len="med"/>
+                    </a:lnT>
+                    <a:lnB w="6350" cap="flat" cmpd="sng" algn="ctr">
+                      <a:solidFill>
+                        <a:srgbClr val="5B9BD5"/>
+                      </a:solidFill>
+                      <a:prstDash val="solid"/>
+                      <a:round/>
+                      <a:headEnd type="none" w="med" len="med"/>
+                      <a:tailEnd type="none" w="med" len="med"/>
+                    </a:lnB>
+                  </a:tcPr>
+                </a:tc>
+                <a:tc>
+                  <a:txBody>
+                    <a:bodyPr/>
+                    <a:lstStyle/>
+                    <a:p>
+                      <a:pPr algn="ctr" rtl="0" fontAlgn="ctr"/>
+                      <a:r>
+                        <a:rPr lang="en-US" sz="1100" b="0" i="0" u="none" strike="noStrike">
+                          <a:solidFill>
+                            <a:srgbClr val="000000"/>
+                          </a:solidFill>
+                          <a:effectLst/>
+                          <a:latin typeface="Calibri" panose="020F0502020204030204" pitchFamily="34" charset="0"/>
+                        </a:rPr>
+                        <a:t>$39,338,920,000 </a:t>
+                      </a:r>
+                    </a:p>
+                  </a:txBody>
+                  <a:tcPr marL="9525" marR="9525" marT="9525" marB="0" anchor="ctr">
+                    <a:lnL w="6350" cap="flat" cmpd="sng" algn="ctr">
+                      <a:solidFill>
+                        <a:srgbClr val="5B9BD5"/>
+                      </a:solidFill>
+                      <a:prstDash val="solid"/>
+                      <a:round/>
+                      <a:headEnd type="none" w="med" len="med"/>
+                      <a:tailEnd type="none" w="med" len="med"/>
+                    </a:lnL>
+                    <a:lnR w="6350" cap="flat" cmpd="sng" algn="ctr">
+                      <a:solidFill>
+                        <a:srgbClr val="5B9BD5"/>
+                      </a:solidFill>
+                      <a:prstDash val="solid"/>
+                      <a:round/>
+                      <a:headEnd type="none" w="med" len="med"/>
+                      <a:tailEnd type="none" w="med" len="med"/>
+                    </a:lnR>
+                    <a:lnT w="6350" cap="flat" cmpd="sng" algn="ctr">
+                      <a:solidFill>
+                        <a:srgbClr val="5B9BD5"/>
+                      </a:solidFill>
+                      <a:prstDash val="solid"/>
+                      <a:round/>
+                      <a:headEnd type="none" w="med" len="med"/>
+                      <a:tailEnd type="none" w="med" len="med"/>
+                    </a:lnT>
+                    <a:lnB w="6350" cap="flat" cmpd="sng" algn="ctr">
+                      <a:solidFill>
+                        <a:srgbClr val="5B9BD5"/>
+                      </a:solidFill>
+                      <a:prstDash val="solid"/>
+                      <a:round/>
+                      <a:headEnd type="none" w="med" len="med"/>
+                      <a:tailEnd type="none" w="med" len="med"/>
+                    </a:lnB>
+                    <a:solidFill>
+                      <a:srgbClr val="F4E884"/>
+                    </a:solidFill>
+                  </a:tcPr>
+                </a:tc>
+                <a:tc>
+                  <a:txBody>
+                    <a:bodyPr/>
+                    <a:lstStyle/>
+                    <a:p>
+                      <a:pPr algn="ctr" rtl="0" fontAlgn="ctr"/>
+                      <a:r>
+                        <a:rPr lang="en-US" sz="1100" b="0" i="0" u="none" strike="noStrike">
+                          <a:solidFill>
+                            <a:srgbClr val="000000"/>
+                          </a:solidFill>
+                          <a:effectLst/>
+                          <a:latin typeface="Calibri" panose="020F0502020204030204" pitchFamily="34" charset="0"/>
+                        </a:rPr>
+                        <a:t>NO</a:t>
+                      </a:r>
+                    </a:p>
+                  </a:txBody>
+                  <a:tcPr marL="9525" marR="9525" marT="9525" marB="0" anchor="ctr">
+                    <a:lnL w="6350" cap="flat" cmpd="sng" algn="ctr">
+                      <a:solidFill>
+                        <a:srgbClr val="5B9BD5"/>
+                      </a:solidFill>
+                      <a:prstDash val="solid"/>
+                      <a:round/>
+                      <a:headEnd type="none" w="med" len="med"/>
+                      <a:tailEnd type="none" w="med" len="med"/>
+                    </a:lnL>
+                    <a:lnR w="6350" cap="flat" cmpd="sng" algn="ctr">
+                      <a:solidFill>
+                        <a:srgbClr val="5B9BD5"/>
+                      </a:solidFill>
+                      <a:prstDash val="solid"/>
+                      <a:round/>
+                      <a:headEnd type="none" w="med" len="med"/>
+                      <a:tailEnd type="none" w="med" len="med"/>
+                    </a:lnR>
+                    <a:lnT w="6350" cap="flat" cmpd="sng" algn="ctr">
+                      <a:solidFill>
+                        <a:srgbClr val="5B9BD5"/>
+                      </a:solidFill>
+                      <a:prstDash val="solid"/>
+                      <a:round/>
+                      <a:headEnd type="none" w="med" len="med"/>
+                      <a:tailEnd type="none" w="med" len="med"/>
+                    </a:lnT>
+                    <a:lnB w="6350" cap="flat" cmpd="sng" algn="ctr">
+                      <a:solidFill>
+                        <a:srgbClr val="5B9BD5"/>
+                      </a:solidFill>
+                      <a:prstDash val="solid"/>
+                      <a:round/>
+                      <a:headEnd type="none" w="med" len="med"/>
+                      <a:tailEnd type="none" w="med" len="med"/>
+                    </a:lnB>
+                  </a:tcPr>
+                </a:tc>
+              </a:tr>
+              <a:tr h="304800">
+                <a:tc>
+                  <a:txBody>
+                    <a:bodyPr/>
+                    <a:lstStyle/>
+                    <a:p>
+                      <a:pPr algn="ctr" rtl="0" fontAlgn="ctr"/>
+                      <a:r>
+                        <a:rPr lang="en-US" sz="1100" b="0" i="0" u="none" strike="noStrike">
+                          <a:solidFill>
+                            <a:srgbClr val="000000"/>
+                          </a:solidFill>
+                          <a:effectLst/>
+                          <a:latin typeface="Calibri" panose="020F0502020204030204" pitchFamily="34" charset="0"/>
+                        </a:rPr>
+                        <a:t>GBR</a:t>
+                      </a:r>
+                    </a:p>
+                  </a:txBody>
+                  <a:tcPr marL="9525" marR="9525" marT="9525" marB="0" anchor="ctr">
+                    <a:lnL w="6350" cap="flat" cmpd="sng" algn="ctr">
+                      <a:solidFill>
+                        <a:srgbClr val="5B9BD5"/>
+                      </a:solidFill>
+                      <a:prstDash val="solid"/>
+                      <a:round/>
+                      <a:headEnd type="none" w="med" len="med"/>
+                      <a:tailEnd type="none" w="med" len="med"/>
+                    </a:lnL>
+                    <a:lnR w="6350" cap="flat" cmpd="sng" algn="ctr">
+                      <a:solidFill>
+                        <a:srgbClr val="5B9BD5"/>
+                      </a:solidFill>
+                      <a:prstDash val="solid"/>
+                      <a:round/>
+                      <a:headEnd type="none" w="med" len="med"/>
+                      <a:tailEnd type="none" w="med" len="med"/>
+                    </a:lnR>
+                    <a:lnT w="6350" cap="flat" cmpd="sng" algn="ctr">
+                      <a:solidFill>
+                        <a:srgbClr val="5B9BD5"/>
+                      </a:solidFill>
+                      <a:prstDash val="solid"/>
+                      <a:round/>
+                      <a:headEnd type="none" w="med" len="med"/>
+                      <a:tailEnd type="none" w="med" len="med"/>
+                    </a:lnT>
+                    <a:lnB w="6350" cap="flat" cmpd="sng" algn="ctr">
+                      <a:solidFill>
+                        <a:srgbClr val="5B9BD5"/>
+                      </a:solidFill>
+                      <a:prstDash val="solid"/>
+                      <a:round/>
+                      <a:headEnd type="none" w="med" len="med"/>
+                      <a:tailEnd type="none" w="med" len="med"/>
+                    </a:lnB>
+                    <a:solidFill>
+                      <a:srgbClr val="D2DEEF"/>
+                    </a:solidFill>
+                  </a:tcPr>
+                </a:tc>
+                <a:tc>
+                  <a:txBody>
+                    <a:bodyPr/>
+                    <a:lstStyle/>
+                    <a:p>
+                      <a:pPr algn="ctr" rtl="0" fontAlgn="ctr"/>
+                      <a:r>
+                        <a:rPr lang="en-US" sz="1100" b="0" i="0" u="none" strike="noStrike">
+                          <a:solidFill>
+                            <a:srgbClr val="000000"/>
+                          </a:solidFill>
+                          <a:effectLst/>
+                          <a:latin typeface="Calibri" panose="020F0502020204030204" pitchFamily="34" charset="0"/>
+                        </a:rPr>
+                        <a:t>$20,072,810,000 </a:t>
+                      </a:r>
+                    </a:p>
+                  </a:txBody>
+                  <a:tcPr marL="9525" marR="9525" marT="9525" marB="0" anchor="ctr">
+                    <a:lnL w="6350" cap="flat" cmpd="sng" algn="ctr">
+                      <a:solidFill>
+                        <a:srgbClr val="5B9BD5"/>
+                      </a:solidFill>
+                      <a:prstDash val="solid"/>
+                      <a:round/>
+                      <a:headEnd type="none" w="med" len="med"/>
+                      <a:tailEnd type="none" w="med" len="med"/>
+                    </a:lnL>
+                    <a:lnR w="6350" cap="flat" cmpd="sng" algn="ctr">
+                      <a:solidFill>
+                        <a:srgbClr val="5B9BD5"/>
+                      </a:solidFill>
+                      <a:prstDash val="solid"/>
+                      <a:round/>
+                      <a:headEnd type="none" w="med" len="med"/>
+                      <a:tailEnd type="none" w="med" len="med"/>
+                    </a:lnR>
+                    <a:lnT w="6350" cap="flat" cmpd="sng" algn="ctr">
+                      <a:solidFill>
+                        <a:srgbClr val="5B9BD5"/>
+                      </a:solidFill>
+                      <a:prstDash val="solid"/>
+                      <a:round/>
+                      <a:headEnd type="none" w="med" len="med"/>
+                      <a:tailEnd type="none" w="med" len="med"/>
+                    </a:lnT>
+                    <a:lnB w="6350" cap="flat" cmpd="sng" algn="ctr">
+                      <a:solidFill>
+                        <a:srgbClr val="5B9BD5"/>
+                      </a:solidFill>
+                      <a:prstDash val="solid"/>
+                      <a:round/>
+                      <a:headEnd type="none" w="med" len="med"/>
+                      <a:tailEnd type="none" w="med" len="med"/>
+                    </a:lnB>
+                    <a:solidFill>
+                      <a:srgbClr val="FBEA84"/>
+                    </a:solidFill>
+                  </a:tcPr>
+                </a:tc>
+                <a:tc>
+                  <a:txBody>
+                    <a:bodyPr/>
+                    <a:lstStyle/>
+                    <a:p>
+                      <a:pPr algn="ctr" rtl="0" fontAlgn="ctr"/>
+                      <a:r>
+                        <a:rPr lang="en-US" sz="1100" b="0" i="0" u="none" strike="noStrike">
+                          <a:solidFill>
+                            <a:srgbClr val="000000"/>
+                          </a:solidFill>
+                          <a:effectLst/>
+                          <a:latin typeface="Calibri" panose="020F0502020204030204" pitchFamily="34" charset="0"/>
+                        </a:rPr>
+                        <a:t>YES</a:t>
+                      </a:r>
+                    </a:p>
+                  </a:txBody>
+                  <a:tcPr marL="9525" marR="9525" marT="9525" marB="0" anchor="ctr">
+                    <a:lnL w="6350" cap="flat" cmpd="sng" algn="ctr">
+                      <a:solidFill>
+                        <a:srgbClr val="5B9BD5"/>
+                      </a:solidFill>
+                      <a:prstDash val="solid"/>
+                      <a:round/>
+                      <a:headEnd type="none" w="med" len="med"/>
+                      <a:tailEnd type="none" w="med" len="med"/>
+                    </a:lnL>
+                    <a:lnR w="6350" cap="flat" cmpd="sng" algn="ctr">
+                      <a:solidFill>
+                        <a:srgbClr val="5B9BD5"/>
+                      </a:solidFill>
+                      <a:prstDash val="solid"/>
+                      <a:round/>
+                      <a:headEnd type="none" w="med" len="med"/>
+                      <a:tailEnd type="none" w="med" len="med"/>
+                    </a:lnR>
+                    <a:lnT w="6350" cap="flat" cmpd="sng" algn="ctr">
+                      <a:solidFill>
+                        <a:srgbClr val="5B9BD5"/>
+                      </a:solidFill>
+                      <a:prstDash val="solid"/>
+                      <a:round/>
+                      <a:headEnd type="none" w="med" len="med"/>
+                      <a:tailEnd type="none" w="med" len="med"/>
+                    </a:lnT>
+                    <a:lnB w="6350" cap="flat" cmpd="sng" algn="ctr">
+                      <a:solidFill>
+                        <a:srgbClr val="5B9BD5"/>
+                      </a:solidFill>
+                      <a:prstDash val="solid"/>
+                      <a:round/>
+                      <a:headEnd type="none" w="med" len="med"/>
+                      <a:tailEnd type="none" w="med" len="med"/>
+                    </a:lnB>
+                    <a:solidFill>
+                      <a:srgbClr val="DAE3F3"/>
+                    </a:solidFill>
+                  </a:tcPr>
+                </a:tc>
+              </a:tr>
+              <a:tr h="304800">
+                <a:tc>
+                  <a:txBody>
+                    <a:bodyPr/>
+                    <a:lstStyle/>
+                    <a:p>
+                      <a:pPr algn="ctr" rtl="0" fontAlgn="ctr"/>
+                      <a:r>
+                        <a:rPr lang="en-US" sz="1100" b="0" i="0" u="none" strike="noStrike">
+                          <a:solidFill>
+                            <a:srgbClr val="000000"/>
+                          </a:solidFill>
+                          <a:effectLst/>
+                          <a:latin typeface="Calibri" panose="020F0502020204030204" pitchFamily="34" charset="0"/>
+                        </a:rPr>
+                        <a:t>IND</a:t>
+                      </a:r>
+                    </a:p>
+                  </a:txBody>
+                  <a:tcPr marL="9525" marR="9525" marT="9525" marB="0" anchor="ctr">
+                    <a:lnL w="6350" cap="flat" cmpd="sng" algn="ctr">
+                      <a:solidFill>
+                        <a:srgbClr val="5B9BD5"/>
+                      </a:solidFill>
+                      <a:prstDash val="solid"/>
+                      <a:round/>
+                      <a:headEnd type="none" w="med" len="med"/>
+                      <a:tailEnd type="none" w="med" len="med"/>
+                    </a:lnL>
+                    <a:lnR w="6350" cap="flat" cmpd="sng" algn="ctr">
+                      <a:solidFill>
+                        <a:srgbClr val="5B9BD5"/>
+                      </a:solidFill>
+                      <a:prstDash val="solid"/>
+                      <a:round/>
+                      <a:headEnd type="none" w="med" len="med"/>
+                      <a:tailEnd type="none" w="med" len="med"/>
+                    </a:lnR>
+                    <a:lnT w="6350" cap="flat" cmpd="sng" algn="ctr">
+                      <a:solidFill>
+                        <a:srgbClr val="5B9BD5"/>
+                      </a:solidFill>
+                      <a:prstDash val="solid"/>
+                      <a:round/>
+                      <a:headEnd type="none" w="med" len="med"/>
+                      <a:tailEnd type="none" w="med" len="med"/>
+                    </a:lnT>
+                    <a:lnB w="6350" cap="flat" cmpd="sng" algn="ctr">
+                      <a:solidFill>
+                        <a:srgbClr val="5B9BD5"/>
+                      </a:solidFill>
+                      <a:prstDash val="solid"/>
+                      <a:round/>
+                      <a:headEnd type="none" w="med" len="med"/>
+                      <a:tailEnd type="none" w="med" len="med"/>
+                    </a:lnB>
+                  </a:tcPr>
+                </a:tc>
+                <a:tc>
+                  <a:txBody>
+                    <a:bodyPr/>
+                    <a:lstStyle/>
+                    <a:p>
+                      <a:pPr algn="ctr" rtl="0" fontAlgn="ctr"/>
+                      <a:r>
+                        <a:rPr lang="en-US" sz="1100" b="0" i="0" u="none" strike="noStrike" dirty="0">
+                          <a:solidFill>
+                            <a:srgbClr val="000000"/>
+                          </a:solidFill>
+                          <a:effectLst/>
+                          <a:latin typeface="Calibri" panose="020F0502020204030204" pitchFamily="34" charset="0"/>
+                        </a:rPr>
+                        <a:t>$14,261,510,000 </a:t>
+                      </a:r>
+                    </a:p>
+                  </a:txBody>
+                  <a:tcPr marL="9525" marR="9525" marT="9525" marB="0" anchor="ctr">
+                    <a:lnL w="6350" cap="flat" cmpd="sng" algn="ctr">
+                      <a:solidFill>
+                        <a:srgbClr val="5B9BD5"/>
+                      </a:solidFill>
+                      <a:prstDash val="solid"/>
+                      <a:round/>
+                      <a:headEnd type="none" w="med" len="med"/>
+                      <a:tailEnd type="none" w="med" len="med"/>
+                    </a:lnL>
+                    <a:lnR w="6350" cap="flat" cmpd="sng" algn="ctr">
+                      <a:solidFill>
+                        <a:srgbClr val="5B9BD5"/>
+                      </a:solidFill>
+                      <a:prstDash val="solid"/>
+                      <a:round/>
+                      <a:headEnd type="none" w="med" len="med"/>
+                      <a:tailEnd type="none" w="med" len="med"/>
+                    </a:lnR>
+                    <a:lnT w="6350" cap="flat" cmpd="sng" algn="ctr">
+                      <a:solidFill>
+                        <a:srgbClr val="5B9BD5"/>
+                      </a:solidFill>
+                      <a:prstDash val="solid"/>
+                      <a:round/>
+                      <a:headEnd type="none" w="med" len="med"/>
+                      <a:tailEnd type="none" w="med" len="med"/>
+                    </a:lnT>
+                    <a:lnB w="6350" cap="flat" cmpd="sng" algn="ctr">
+                      <a:solidFill>
+                        <a:srgbClr val="5B9BD5"/>
+                      </a:solidFill>
+                      <a:prstDash val="solid"/>
+                      <a:round/>
+                      <a:headEnd type="none" w="med" len="med"/>
+                      <a:tailEnd type="none" w="med" len="med"/>
+                    </a:lnB>
+                    <a:solidFill>
+                      <a:srgbClr val="FEEB84"/>
+                    </a:solidFill>
+                  </a:tcPr>
+                </a:tc>
+                <a:tc>
+                  <a:txBody>
+                    <a:bodyPr/>
+                    <a:lstStyle/>
+                    <a:p>
+                      <a:pPr algn="ctr" rtl="0" fontAlgn="ctr"/>
+                      <a:r>
+                        <a:rPr lang="en-US" sz="1100" b="0" i="0" u="none" strike="noStrike">
+                          <a:solidFill>
+                            <a:srgbClr val="000000"/>
+                          </a:solidFill>
+                          <a:effectLst/>
+                          <a:latin typeface="Calibri" panose="020F0502020204030204" pitchFamily="34" charset="0"/>
+                        </a:rPr>
+                        <a:t>YES</a:t>
+                      </a:r>
+                    </a:p>
+                  </a:txBody>
+                  <a:tcPr marL="9525" marR="9525" marT="9525" marB="0" anchor="ctr">
+                    <a:lnL w="6350" cap="flat" cmpd="sng" algn="ctr">
+                      <a:solidFill>
+                        <a:srgbClr val="5B9BD5"/>
+                      </a:solidFill>
+                      <a:prstDash val="solid"/>
+                      <a:round/>
+                      <a:headEnd type="none" w="med" len="med"/>
+                      <a:tailEnd type="none" w="med" len="med"/>
+                    </a:lnL>
+                    <a:lnR w="6350" cap="flat" cmpd="sng" algn="ctr">
+                      <a:solidFill>
+                        <a:srgbClr val="5B9BD5"/>
+                      </a:solidFill>
+                      <a:prstDash val="solid"/>
+                      <a:round/>
+                      <a:headEnd type="none" w="med" len="med"/>
+                      <a:tailEnd type="none" w="med" len="med"/>
+                    </a:lnR>
+                    <a:lnT w="6350" cap="flat" cmpd="sng" algn="ctr">
+                      <a:solidFill>
+                        <a:srgbClr val="5B9BD5"/>
+                      </a:solidFill>
+                      <a:prstDash val="solid"/>
+                      <a:round/>
+                      <a:headEnd type="none" w="med" len="med"/>
+                      <a:tailEnd type="none" w="med" len="med"/>
+                    </a:lnT>
+                    <a:lnB w="6350" cap="flat" cmpd="sng" algn="ctr">
+                      <a:solidFill>
+                        <a:srgbClr val="5B9BD5"/>
+                      </a:solidFill>
+                      <a:prstDash val="solid"/>
+                      <a:round/>
+                      <a:headEnd type="none" w="med" len="med"/>
+                      <a:tailEnd type="none" w="med" len="med"/>
+                    </a:lnB>
+                    <a:solidFill>
+                      <a:srgbClr val="DAE3F3"/>
+                    </a:solidFill>
+                  </a:tcPr>
+                </a:tc>
+              </a:tr>
+              <a:tr h="304800">
+                <a:tc>
+                  <a:txBody>
+                    <a:bodyPr/>
+                    <a:lstStyle/>
+                    <a:p>
+                      <a:pPr algn="ctr" rtl="0" fontAlgn="ctr"/>
+                      <a:r>
+                        <a:rPr lang="en-US" sz="1100" b="0" i="0" u="none" strike="noStrike">
+                          <a:solidFill>
+                            <a:srgbClr val="000000"/>
+                          </a:solidFill>
+                          <a:effectLst/>
+                          <a:latin typeface="Calibri" panose="020F0502020204030204" pitchFamily="34" charset="0"/>
+                        </a:rPr>
+                        <a:t>CAN</a:t>
+                      </a:r>
+                    </a:p>
+                  </a:txBody>
+                  <a:tcPr marL="9525" marR="9525" marT="9525" marB="0" anchor="ctr">
+                    <a:lnL w="6350" cap="flat" cmpd="sng" algn="ctr">
+                      <a:solidFill>
+                        <a:srgbClr val="5B9BD5"/>
+                      </a:solidFill>
+                      <a:prstDash val="solid"/>
+                      <a:round/>
+                      <a:headEnd type="none" w="med" len="med"/>
+                      <a:tailEnd type="none" w="med" len="med"/>
+                    </a:lnL>
+                    <a:lnR w="6350" cap="flat" cmpd="sng" algn="ctr">
+                      <a:solidFill>
+                        <a:srgbClr val="5B9BD5"/>
+                      </a:solidFill>
+                      <a:prstDash val="solid"/>
+                      <a:round/>
+                      <a:headEnd type="none" w="med" len="med"/>
+                      <a:tailEnd type="none" w="med" len="med"/>
+                    </a:lnR>
+                    <a:lnT w="6350" cap="flat" cmpd="sng" algn="ctr">
+                      <a:solidFill>
+                        <a:srgbClr val="5B9BD5"/>
+                      </a:solidFill>
+                      <a:prstDash val="solid"/>
+                      <a:round/>
+                      <a:headEnd type="none" w="med" len="med"/>
+                      <a:tailEnd type="none" w="med" len="med"/>
+                    </a:lnT>
+                    <a:lnB w="6350" cap="flat" cmpd="sng" algn="ctr">
+                      <a:solidFill>
+                        <a:srgbClr val="5B9BD5"/>
+                      </a:solidFill>
+                      <a:prstDash val="solid"/>
+                      <a:round/>
+                      <a:headEnd type="none" w="med" len="med"/>
+                      <a:tailEnd type="none" w="med" len="med"/>
+                    </a:lnB>
+                    <a:solidFill>
+                      <a:srgbClr val="D2DEEF"/>
+                    </a:solidFill>
+                  </a:tcPr>
+                </a:tc>
+                <a:tc>
+                  <a:txBody>
+                    <a:bodyPr/>
+                    <a:lstStyle/>
+                    <a:p>
+                      <a:pPr algn="ctr" rtl="0" fontAlgn="ctr"/>
+                      <a:r>
+                        <a:rPr lang="en-US" sz="1100" b="0" i="0" u="none" strike="noStrike">
+                          <a:solidFill>
+                            <a:srgbClr val="000000"/>
+                          </a:solidFill>
+                          <a:effectLst/>
+                          <a:latin typeface="Calibri" panose="020F0502020204030204" pitchFamily="34" charset="0"/>
+                        </a:rPr>
+                        <a:t>$9,482,218,000 </a:t>
+                      </a:r>
+                    </a:p>
+                  </a:txBody>
+                  <a:tcPr marL="9525" marR="9525" marT="9525" marB="0" anchor="ctr">
+                    <a:lnL w="6350" cap="flat" cmpd="sng" algn="ctr">
+                      <a:solidFill>
+                        <a:srgbClr val="5B9BD5"/>
+                      </a:solidFill>
+                      <a:prstDash val="solid"/>
+                      <a:round/>
+                      <a:headEnd type="none" w="med" len="med"/>
+                      <a:tailEnd type="none" w="med" len="med"/>
+                    </a:lnL>
+                    <a:lnR w="6350" cap="flat" cmpd="sng" algn="ctr">
+                      <a:solidFill>
+                        <a:srgbClr val="5B9BD5"/>
+                      </a:solidFill>
+                      <a:prstDash val="solid"/>
+                      <a:round/>
+                      <a:headEnd type="none" w="med" len="med"/>
+                      <a:tailEnd type="none" w="med" len="med"/>
+                    </a:lnR>
+                    <a:lnT w="6350" cap="flat" cmpd="sng" algn="ctr">
+                      <a:solidFill>
+                        <a:srgbClr val="5B9BD5"/>
+                      </a:solidFill>
+                      <a:prstDash val="solid"/>
+                      <a:round/>
+                      <a:headEnd type="none" w="med" len="med"/>
+                      <a:tailEnd type="none" w="med" len="med"/>
+                    </a:lnT>
+                    <a:lnB w="6350" cap="flat" cmpd="sng" algn="ctr">
+                      <a:solidFill>
+                        <a:srgbClr val="5B9BD5"/>
+                      </a:solidFill>
+                      <a:prstDash val="solid"/>
+                      <a:round/>
+                      <a:headEnd type="none" w="med" len="med"/>
+                      <a:tailEnd type="none" w="med" len="med"/>
+                    </a:lnB>
+                    <a:solidFill>
+                      <a:srgbClr val="FFEB84"/>
+                    </a:solidFill>
+                  </a:tcPr>
+                </a:tc>
+                <a:tc>
+                  <a:txBody>
+                    <a:bodyPr/>
+                    <a:lstStyle/>
+                    <a:p>
+                      <a:pPr algn="ctr" rtl="0" fontAlgn="ctr"/>
+                      <a:r>
+                        <a:rPr lang="en-US" sz="1100" b="0" i="0" u="none" strike="noStrike">
+                          <a:solidFill>
+                            <a:srgbClr val="000000"/>
+                          </a:solidFill>
+                          <a:effectLst/>
+                          <a:latin typeface="Calibri" panose="020F0502020204030204" pitchFamily="34" charset="0"/>
+                        </a:rPr>
+                        <a:t>YES</a:t>
+                      </a:r>
+                    </a:p>
+                  </a:txBody>
+                  <a:tcPr marL="9525" marR="9525" marT="9525" marB="0" anchor="ctr">
+                    <a:lnL w="6350" cap="flat" cmpd="sng" algn="ctr">
+                      <a:solidFill>
+                        <a:srgbClr val="5B9BD5"/>
+                      </a:solidFill>
+                      <a:prstDash val="solid"/>
+                      <a:round/>
+                      <a:headEnd type="none" w="med" len="med"/>
+                      <a:tailEnd type="none" w="med" len="med"/>
+                    </a:lnL>
+                    <a:lnR w="6350" cap="flat" cmpd="sng" algn="ctr">
+                      <a:solidFill>
+                        <a:srgbClr val="5B9BD5"/>
+                      </a:solidFill>
+                      <a:prstDash val="solid"/>
+                      <a:round/>
+                      <a:headEnd type="none" w="med" len="med"/>
+                      <a:tailEnd type="none" w="med" len="med"/>
+                    </a:lnR>
+                    <a:lnT w="6350" cap="flat" cmpd="sng" algn="ctr">
+                      <a:solidFill>
+                        <a:srgbClr val="5B9BD5"/>
+                      </a:solidFill>
+                      <a:prstDash val="solid"/>
+                      <a:round/>
+                      <a:headEnd type="none" w="med" len="med"/>
+                      <a:tailEnd type="none" w="med" len="med"/>
+                    </a:lnT>
+                    <a:lnB w="6350" cap="flat" cmpd="sng" algn="ctr">
+                      <a:solidFill>
+                        <a:srgbClr val="5B9BD5"/>
+                      </a:solidFill>
+                      <a:prstDash val="solid"/>
+                      <a:round/>
+                      <a:headEnd type="none" w="med" len="med"/>
+                      <a:tailEnd type="none" w="med" len="med"/>
+                    </a:lnB>
+                    <a:solidFill>
+                      <a:srgbClr val="DAE3F3"/>
+                    </a:solidFill>
+                  </a:tcPr>
+                </a:tc>
+              </a:tr>
+              <a:tr h="304800">
+                <a:tc>
+                  <a:txBody>
+                    <a:bodyPr/>
+                    <a:lstStyle/>
+                    <a:p>
+                      <a:pPr algn="ctr" rtl="0" fontAlgn="ctr"/>
+                      <a:r>
+                        <a:rPr lang="en-US" sz="1100" b="0" i="0" u="none" strike="noStrike">
+                          <a:solidFill>
+                            <a:srgbClr val="000000"/>
+                          </a:solidFill>
+                          <a:effectLst/>
+                          <a:latin typeface="Calibri" panose="020F0502020204030204" pitchFamily="34" charset="0"/>
+                        </a:rPr>
+                        <a:t>FRA</a:t>
+                      </a:r>
+                    </a:p>
+                  </a:txBody>
+                  <a:tcPr marL="9525" marR="9525" marT="9525" marB="0" anchor="ctr">
+                    <a:lnL w="6350" cap="flat" cmpd="sng" algn="ctr">
+                      <a:solidFill>
+                        <a:srgbClr val="5B9BD5"/>
+                      </a:solidFill>
+                      <a:prstDash val="solid"/>
+                      <a:round/>
+                      <a:headEnd type="none" w="med" len="med"/>
+                      <a:tailEnd type="none" w="med" len="med"/>
+                    </a:lnL>
+                    <a:lnR w="6350" cap="flat" cmpd="sng" algn="ctr">
+                      <a:solidFill>
+                        <a:srgbClr val="5B9BD5"/>
+                      </a:solidFill>
+                      <a:prstDash val="solid"/>
+                      <a:round/>
+                      <a:headEnd type="none" w="med" len="med"/>
+                      <a:tailEnd type="none" w="med" len="med"/>
+                    </a:lnR>
+                    <a:lnT w="6350" cap="flat" cmpd="sng" algn="ctr">
+                      <a:solidFill>
+                        <a:srgbClr val="5B9BD5"/>
+                      </a:solidFill>
+                      <a:prstDash val="solid"/>
+                      <a:round/>
+                      <a:headEnd type="none" w="med" len="med"/>
+                      <a:tailEnd type="none" w="med" len="med"/>
+                    </a:lnT>
+                    <a:lnB w="6350" cap="flat" cmpd="sng" algn="ctr">
+                      <a:solidFill>
+                        <a:srgbClr val="5B9BD5"/>
+                      </a:solidFill>
+                      <a:prstDash val="solid"/>
+                      <a:round/>
+                      <a:headEnd type="none" w="med" len="med"/>
+                      <a:tailEnd type="none" w="med" len="med"/>
+                    </a:lnB>
+                  </a:tcPr>
+                </a:tc>
+                <a:tc>
+                  <a:txBody>
+                    <a:bodyPr/>
+                    <a:lstStyle/>
+                    <a:p>
+                      <a:pPr algn="ctr" rtl="0" fontAlgn="ctr"/>
+                      <a:r>
+                        <a:rPr lang="en-US" sz="1100" b="0" i="0" u="none" strike="noStrike">
+                          <a:solidFill>
+                            <a:srgbClr val="000000"/>
+                          </a:solidFill>
+                          <a:effectLst/>
+                          <a:latin typeface="Calibri" panose="020F0502020204030204" pitchFamily="34" charset="0"/>
+                        </a:rPr>
+                        <a:t>$7,226,851,000 </a:t>
+                      </a:r>
+                    </a:p>
+                  </a:txBody>
+                  <a:tcPr marL="9525" marR="9525" marT="9525" marB="0" anchor="ctr">
+                    <a:lnL w="6350" cap="flat" cmpd="sng" algn="ctr">
+                      <a:solidFill>
+                        <a:srgbClr val="5B9BD5"/>
+                      </a:solidFill>
+                      <a:prstDash val="solid"/>
+                      <a:round/>
+                      <a:headEnd type="none" w="med" len="med"/>
+                      <a:tailEnd type="none" w="med" len="med"/>
+                    </a:lnL>
+                    <a:lnR w="6350" cap="flat" cmpd="sng" algn="ctr">
+                      <a:solidFill>
+                        <a:srgbClr val="5B9BD5"/>
+                      </a:solidFill>
+                      <a:prstDash val="solid"/>
+                      <a:round/>
+                      <a:headEnd type="none" w="med" len="med"/>
+                      <a:tailEnd type="none" w="med" len="med"/>
+                    </a:lnR>
+                    <a:lnT w="6350" cap="flat" cmpd="sng" algn="ctr">
+                      <a:solidFill>
+                        <a:srgbClr val="5B9BD5"/>
+                      </a:solidFill>
+                      <a:prstDash val="solid"/>
+                      <a:round/>
+                      <a:headEnd type="none" w="med" len="med"/>
+                      <a:tailEnd type="none" w="med" len="med"/>
+                    </a:lnT>
+                    <a:lnB w="6350" cap="flat" cmpd="sng" algn="ctr">
+                      <a:solidFill>
+                        <a:srgbClr val="5B9BD5"/>
+                      </a:solidFill>
+                      <a:prstDash val="solid"/>
+                      <a:round/>
+                      <a:headEnd type="none" w="med" len="med"/>
+                      <a:tailEnd type="none" w="med" len="med"/>
+                    </a:lnB>
+                    <a:solidFill>
+                      <a:srgbClr val="FCBC7B"/>
+                    </a:solidFill>
+                  </a:tcPr>
+                </a:tc>
+                <a:tc>
+                  <a:txBody>
+                    <a:bodyPr/>
+                    <a:lstStyle/>
+                    <a:p>
+                      <a:pPr algn="ctr" rtl="0" fontAlgn="ctr"/>
+                      <a:r>
+                        <a:rPr lang="en-US" sz="1100" b="0" i="0" u="none" strike="noStrike">
+                          <a:solidFill>
+                            <a:srgbClr val="000000"/>
+                          </a:solidFill>
+                          <a:effectLst/>
+                          <a:latin typeface="Calibri" panose="020F0502020204030204" pitchFamily="34" charset="0"/>
+                        </a:rPr>
+                        <a:t>NO</a:t>
+                      </a:r>
+                    </a:p>
+                  </a:txBody>
+                  <a:tcPr marL="9525" marR="9525" marT="9525" marB="0" anchor="ctr">
+                    <a:lnL w="6350" cap="flat" cmpd="sng" algn="ctr">
+                      <a:solidFill>
+                        <a:srgbClr val="5B9BD5"/>
+                      </a:solidFill>
+                      <a:prstDash val="solid"/>
+                      <a:round/>
+                      <a:headEnd type="none" w="med" len="med"/>
+                      <a:tailEnd type="none" w="med" len="med"/>
+                    </a:lnL>
+                    <a:lnR w="6350" cap="flat" cmpd="sng" algn="ctr">
+                      <a:solidFill>
+                        <a:srgbClr val="5B9BD5"/>
+                      </a:solidFill>
+                      <a:prstDash val="solid"/>
+                      <a:round/>
+                      <a:headEnd type="none" w="med" len="med"/>
+                      <a:tailEnd type="none" w="med" len="med"/>
+                    </a:lnR>
+                    <a:lnT w="6350" cap="flat" cmpd="sng" algn="ctr">
+                      <a:solidFill>
+                        <a:srgbClr val="5B9BD5"/>
+                      </a:solidFill>
+                      <a:prstDash val="solid"/>
+                      <a:round/>
+                      <a:headEnd type="none" w="med" len="med"/>
+                      <a:tailEnd type="none" w="med" len="med"/>
+                    </a:lnT>
+                    <a:lnB w="6350" cap="flat" cmpd="sng" algn="ctr">
+                      <a:solidFill>
+                        <a:srgbClr val="5B9BD5"/>
+                      </a:solidFill>
+                      <a:prstDash val="solid"/>
+                      <a:round/>
+                      <a:headEnd type="none" w="med" len="med"/>
+                      <a:tailEnd type="none" w="med" len="med"/>
+                    </a:lnB>
+                  </a:tcPr>
+                </a:tc>
+              </a:tr>
+              <a:tr h="304800">
+                <a:tc>
+                  <a:txBody>
+                    <a:bodyPr/>
+                    <a:lstStyle/>
+                    <a:p>
+                      <a:pPr algn="ctr" rtl="0" fontAlgn="ctr"/>
+                      <a:r>
+                        <a:rPr lang="en-US" sz="1100" b="0" i="0" u="none" strike="noStrike">
+                          <a:solidFill>
+                            <a:srgbClr val="000000"/>
+                          </a:solidFill>
+                          <a:effectLst/>
+                          <a:latin typeface="Calibri" panose="020F0502020204030204" pitchFamily="34" charset="0"/>
+                        </a:rPr>
+                        <a:t>ISR</a:t>
+                      </a:r>
+                    </a:p>
+                  </a:txBody>
+                  <a:tcPr marL="9525" marR="9525" marT="9525" marB="0" anchor="ctr">
+                    <a:lnL w="6350" cap="flat" cmpd="sng" algn="ctr">
+                      <a:solidFill>
+                        <a:srgbClr val="5B9BD5"/>
+                      </a:solidFill>
+                      <a:prstDash val="solid"/>
+                      <a:round/>
+                      <a:headEnd type="none" w="med" len="med"/>
+                      <a:tailEnd type="none" w="med" len="med"/>
+                    </a:lnL>
+                    <a:lnR w="6350" cap="flat" cmpd="sng" algn="ctr">
+                      <a:solidFill>
+                        <a:srgbClr val="5B9BD5"/>
+                      </a:solidFill>
+                      <a:prstDash val="solid"/>
+                      <a:round/>
+                      <a:headEnd type="none" w="med" len="med"/>
+                      <a:tailEnd type="none" w="med" len="med"/>
+                    </a:lnR>
+                    <a:lnT w="6350" cap="flat" cmpd="sng" algn="ctr">
+                      <a:solidFill>
+                        <a:srgbClr val="5B9BD5"/>
+                      </a:solidFill>
+                      <a:prstDash val="solid"/>
+                      <a:round/>
+                      <a:headEnd type="none" w="med" len="med"/>
+                      <a:tailEnd type="none" w="med" len="med"/>
+                    </a:lnT>
+                    <a:lnB w="6350" cap="flat" cmpd="sng" algn="ctr">
+                      <a:solidFill>
+                        <a:srgbClr val="5B9BD5"/>
+                      </a:solidFill>
+                      <a:prstDash val="solid"/>
+                      <a:round/>
+                      <a:headEnd type="none" w="med" len="med"/>
+                      <a:tailEnd type="none" w="med" len="med"/>
+                    </a:lnB>
+                    <a:solidFill>
+                      <a:srgbClr val="D2DEEF"/>
+                    </a:solidFill>
+                  </a:tcPr>
+                </a:tc>
+                <a:tc>
+                  <a:txBody>
+                    <a:bodyPr/>
+                    <a:lstStyle/>
+                    <a:p>
+                      <a:pPr algn="ctr" rtl="0" fontAlgn="ctr"/>
+                      <a:r>
+                        <a:rPr lang="en-US" sz="1100" b="0" i="0" u="none" strike="noStrike">
+                          <a:solidFill>
+                            <a:srgbClr val="000000"/>
+                          </a:solidFill>
+                          <a:effectLst/>
+                          <a:latin typeface="Calibri" panose="020F0502020204030204" pitchFamily="34" charset="0"/>
+                        </a:rPr>
+                        <a:t>$6,854,350,000 </a:t>
+                      </a:r>
+                    </a:p>
+                  </a:txBody>
+                  <a:tcPr marL="9525" marR="9525" marT="9525" marB="0" anchor="ctr">
+                    <a:lnL w="6350" cap="flat" cmpd="sng" algn="ctr">
+                      <a:solidFill>
+                        <a:srgbClr val="5B9BD5"/>
+                      </a:solidFill>
+                      <a:prstDash val="solid"/>
+                      <a:round/>
+                      <a:headEnd type="none" w="med" len="med"/>
+                      <a:tailEnd type="none" w="med" len="med"/>
+                    </a:lnL>
+                    <a:lnR w="6350" cap="flat" cmpd="sng" algn="ctr">
+                      <a:solidFill>
+                        <a:srgbClr val="5B9BD5"/>
+                      </a:solidFill>
+                      <a:prstDash val="solid"/>
+                      <a:round/>
+                      <a:headEnd type="none" w="med" len="med"/>
+                      <a:tailEnd type="none" w="med" len="med"/>
+                    </a:lnR>
+                    <a:lnT w="6350" cap="flat" cmpd="sng" algn="ctr">
+                      <a:solidFill>
+                        <a:srgbClr val="5B9BD5"/>
+                      </a:solidFill>
+                      <a:prstDash val="solid"/>
+                      <a:round/>
+                      <a:headEnd type="none" w="med" len="med"/>
+                      <a:tailEnd type="none" w="med" len="med"/>
+                    </a:lnT>
+                    <a:lnB w="6350" cap="flat" cmpd="sng" algn="ctr">
+                      <a:solidFill>
+                        <a:srgbClr val="5B9BD5"/>
+                      </a:solidFill>
+                      <a:prstDash val="solid"/>
+                      <a:round/>
+                      <a:headEnd type="none" w="med" len="med"/>
+                      <a:tailEnd type="none" w="med" len="med"/>
+                    </a:lnB>
+                    <a:solidFill>
+                      <a:srgbClr val="FCB479"/>
+                    </a:solidFill>
+                  </a:tcPr>
+                </a:tc>
+                <a:tc>
+                  <a:txBody>
+                    <a:bodyPr/>
+                    <a:lstStyle/>
+                    <a:p>
+                      <a:pPr algn="ctr" rtl="0" fontAlgn="ctr"/>
+                      <a:r>
+                        <a:rPr lang="en-US" sz="1100" b="0" i="0" u="none" strike="noStrike">
+                          <a:solidFill>
+                            <a:srgbClr val="000000"/>
+                          </a:solidFill>
+                          <a:effectLst/>
+                          <a:latin typeface="Calibri" panose="020F0502020204030204" pitchFamily="34" charset="0"/>
+                        </a:rPr>
+                        <a:t>NO</a:t>
+                      </a:r>
+                    </a:p>
+                  </a:txBody>
+                  <a:tcPr marL="9525" marR="9525" marT="9525" marB="0" anchor="ctr">
+                    <a:lnL w="6350" cap="flat" cmpd="sng" algn="ctr">
+                      <a:solidFill>
+                        <a:srgbClr val="5B9BD5"/>
+                      </a:solidFill>
+                      <a:prstDash val="solid"/>
+                      <a:round/>
+                      <a:headEnd type="none" w="med" len="med"/>
+                      <a:tailEnd type="none" w="med" len="med"/>
+                    </a:lnL>
+                    <a:lnR w="6350" cap="flat" cmpd="sng" algn="ctr">
+                      <a:solidFill>
+                        <a:srgbClr val="5B9BD5"/>
+                      </a:solidFill>
+                      <a:prstDash val="solid"/>
+                      <a:round/>
+                      <a:headEnd type="none" w="med" len="med"/>
+                      <a:tailEnd type="none" w="med" len="med"/>
+                    </a:lnR>
+                    <a:lnT w="6350" cap="flat" cmpd="sng" algn="ctr">
+                      <a:solidFill>
+                        <a:srgbClr val="5B9BD5"/>
+                      </a:solidFill>
+                      <a:prstDash val="solid"/>
+                      <a:round/>
+                      <a:headEnd type="none" w="med" len="med"/>
+                      <a:tailEnd type="none" w="med" len="med"/>
+                    </a:lnT>
+                    <a:lnB w="6350" cap="flat" cmpd="sng" algn="ctr">
+                      <a:solidFill>
+                        <a:srgbClr val="5B9BD5"/>
+                      </a:solidFill>
+                      <a:prstDash val="solid"/>
+                      <a:round/>
+                      <a:headEnd type="none" w="med" len="med"/>
+                      <a:tailEnd type="none" w="med" len="med"/>
+                    </a:lnB>
+                    <a:solidFill>
+                      <a:srgbClr val="D2DEEF"/>
+                    </a:solidFill>
+                  </a:tcPr>
+                </a:tc>
+              </a:tr>
+              <a:tr h="304800">
+                <a:tc>
+                  <a:txBody>
+                    <a:bodyPr/>
+                    <a:lstStyle/>
+                    <a:p>
+                      <a:pPr algn="ctr" rtl="0" fontAlgn="ctr"/>
+                      <a:r>
+                        <a:rPr lang="en-US" sz="1100" b="0" i="0" u="none" strike="noStrike">
+                          <a:solidFill>
+                            <a:srgbClr val="000000"/>
+                          </a:solidFill>
+                          <a:effectLst/>
+                          <a:latin typeface="Calibri" panose="020F0502020204030204" pitchFamily="34" charset="0"/>
+                        </a:rPr>
+                        <a:t>DEU</a:t>
+                      </a:r>
+                    </a:p>
+                  </a:txBody>
+                  <a:tcPr marL="9525" marR="9525" marT="9525" marB="0" anchor="ctr">
+                    <a:lnL w="6350" cap="flat" cmpd="sng" algn="ctr">
+                      <a:solidFill>
+                        <a:srgbClr val="5B9BD5"/>
+                      </a:solidFill>
+                      <a:prstDash val="solid"/>
+                      <a:round/>
+                      <a:headEnd type="none" w="med" len="med"/>
+                      <a:tailEnd type="none" w="med" len="med"/>
+                    </a:lnL>
+                    <a:lnR w="6350" cap="flat" cmpd="sng" algn="ctr">
+                      <a:solidFill>
+                        <a:srgbClr val="5B9BD5"/>
+                      </a:solidFill>
+                      <a:prstDash val="solid"/>
+                      <a:round/>
+                      <a:headEnd type="none" w="med" len="med"/>
+                      <a:tailEnd type="none" w="med" len="med"/>
+                    </a:lnR>
+                    <a:lnT w="6350" cap="flat" cmpd="sng" algn="ctr">
+                      <a:solidFill>
+                        <a:srgbClr val="5B9BD5"/>
+                      </a:solidFill>
+                      <a:prstDash val="solid"/>
+                      <a:round/>
+                      <a:headEnd type="none" w="med" len="med"/>
+                      <a:tailEnd type="none" w="med" len="med"/>
+                    </a:lnT>
+                    <a:lnB w="6350" cap="flat" cmpd="sng" algn="ctr">
+                      <a:solidFill>
+                        <a:srgbClr val="5B9BD5"/>
+                      </a:solidFill>
+                      <a:prstDash val="solid"/>
+                      <a:round/>
+                      <a:headEnd type="none" w="med" len="med"/>
+                      <a:tailEnd type="none" w="med" len="med"/>
+                    </a:lnB>
+                  </a:tcPr>
+                </a:tc>
+                <a:tc>
+                  <a:txBody>
+                    <a:bodyPr/>
+                    <a:lstStyle/>
+                    <a:p>
+                      <a:pPr algn="ctr" rtl="0" fontAlgn="ctr"/>
+                      <a:r>
+                        <a:rPr lang="en-US" sz="1100" b="0" i="0" u="none" strike="noStrike">
+                          <a:solidFill>
+                            <a:srgbClr val="000000"/>
+                          </a:solidFill>
+                          <a:effectLst/>
+                          <a:latin typeface="Calibri" panose="020F0502020204030204" pitchFamily="34" charset="0"/>
+                        </a:rPr>
+                        <a:t>$6,306,922,000 </a:t>
+                      </a:r>
+                    </a:p>
+                  </a:txBody>
+                  <a:tcPr marL="9525" marR="9525" marT="9525" marB="0" anchor="ctr">
+                    <a:lnL w="6350" cap="flat" cmpd="sng" algn="ctr">
+                      <a:solidFill>
+                        <a:srgbClr val="5B9BD5"/>
+                      </a:solidFill>
+                      <a:prstDash val="solid"/>
+                      <a:round/>
+                      <a:headEnd type="none" w="med" len="med"/>
+                      <a:tailEnd type="none" w="med" len="med"/>
+                    </a:lnL>
+                    <a:lnR w="6350" cap="flat" cmpd="sng" algn="ctr">
+                      <a:solidFill>
+                        <a:srgbClr val="5B9BD5"/>
+                      </a:solidFill>
+                      <a:prstDash val="solid"/>
+                      <a:round/>
+                      <a:headEnd type="none" w="med" len="med"/>
+                      <a:tailEnd type="none" w="med" len="med"/>
+                    </a:lnR>
+                    <a:lnT w="6350" cap="flat" cmpd="sng" algn="ctr">
+                      <a:solidFill>
+                        <a:srgbClr val="5B9BD5"/>
+                      </a:solidFill>
+                      <a:prstDash val="solid"/>
+                      <a:round/>
+                      <a:headEnd type="none" w="med" len="med"/>
+                      <a:tailEnd type="none" w="med" len="med"/>
+                    </a:lnT>
+                    <a:lnB w="6350" cap="flat" cmpd="sng" algn="ctr">
+                      <a:solidFill>
+                        <a:srgbClr val="5B9BD5"/>
+                      </a:solidFill>
+                      <a:prstDash val="solid"/>
+                      <a:round/>
+                      <a:headEnd type="none" w="med" len="med"/>
+                      <a:tailEnd type="none" w="med" len="med"/>
+                    </a:lnB>
+                    <a:solidFill>
+                      <a:srgbClr val="FBA977"/>
+                    </a:solidFill>
+                  </a:tcPr>
+                </a:tc>
+                <a:tc>
+                  <a:txBody>
+                    <a:bodyPr/>
+                    <a:lstStyle/>
+                    <a:p>
+                      <a:pPr algn="ctr" rtl="0" fontAlgn="ctr"/>
+                      <a:r>
+                        <a:rPr lang="en-US" sz="1100" b="0" i="0" u="none" strike="noStrike">
+                          <a:solidFill>
+                            <a:srgbClr val="000000"/>
+                          </a:solidFill>
+                          <a:effectLst/>
+                          <a:latin typeface="Calibri" panose="020F0502020204030204" pitchFamily="34" charset="0"/>
+                        </a:rPr>
+                        <a:t>NO</a:t>
+                      </a:r>
+                    </a:p>
+                  </a:txBody>
+                  <a:tcPr marL="9525" marR="9525" marT="9525" marB="0" anchor="ctr">
+                    <a:lnL w="6350" cap="flat" cmpd="sng" algn="ctr">
+                      <a:solidFill>
+                        <a:srgbClr val="5B9BD5"/>
+                      </a:solidFill>
+                      <a:prstDash val="solid"/>
+                      <a:round/>
+                      <a:headEnd type="none" w="med" len="med"/>
+                      <a:tailEnd type="none" w="med" len="med"/>
+                    </a:lnL>
+                    <a:lnR w="6350" cap="flat" cmpd="sng" algn="ctr">
+                      <a:solidFill>
+                        <a:srgbClr val="5B9BD5"/>
+                      </a:solidFill>
+                      <a:prstDash val="solid"/>
+                      <a:round/>
+                      <a:headEnd type="none" w="med" len="med"/>
+                      <a:tailEnd type="none" w="med" len="med"/>
+                    </a:lnR>
+                    <a:lnT w="6350" cap="flat" cmpd="sng" algn="ctr">
+                      <a:solidFill>
+                        <a:srgbClr val="5B9BD5"/>
+                      </a:solidFill>
+                      <a:prstDash val="solid"/>
+                      <a:round/>
+                      <a:headEnd type="none" w="med" len="med"/>
+                      <a:tailEnd type="none" w="med" len="med"/>
+                    </a:lnT>
+                    <a:lnB w="6350" cap="flat" cmpd="sng" algn="ctr">
+                      <a:solidFill>
+                        <a:srgbClr val="5B9BD5"/>
+                      </a:solidFill>
+                      <a:prstDash val="solid"/>
+                      <a:round/>
+                      <a:headEnd type="none" w="med" len="med"/>
+                      <a:tailEnd type="none" w="med" len="med"/>
+                    </a:lnB>
+                  </a:tcPr>
+                </a:tc>
+              </a:tr>
+              <a:tr h="304800">
+                <a:tc>
+                  <a:txBody>
+                    <a:bodyPr/>
+                    <a:lstStyle/>
+                    <a:p>
+                      <a:pPr algn="ctr" rtl="0" fontAlgn="ctr"/>
+                      <a:r>
+                        <a:rPr lang="en-US" sz="1100" b="0" i="0" u="none" strike="noStrike">
+                          <a:solidFill>
+                            <a:srgbClr val="000000"/>
+                          </a:solidFill>
+                          <a:effectLst/>
+                          <a:latin typeface="Calibri" panose="020F0502020204030204" pitchFamily="34" charset="0"/>
+                        </a:rPr>
+                        <a:t>JPN</a:t>
+                      </a:r>
+                    </a:p>
+                  </a:txBody>
+                  <a:tcPr marL="9525" marR="9525" marT="9525" marB="0" anchor="ctr">
+                    <a:lnL w="6350" cap="flat" cmpd="sng" algn="ctr">
+                      <a:solidFill>
+                        <a:srgbClr val="5B9BD5"/>
+                      </a:solidFill>
+                      <a:prstDash val="solid"/>
+                      <a:round/>
+                      <a:headEnd type="none" w="med" len="med"/>
+                      <a:tailEnd type="none" w="med" len="med"/>
+                    </a:lnL>
+                    <a:lnR w="6350" cap="flat" cmpd="sng" algn="ctr">
+                      <a:solidFill>
+                        <a:srgbClr val="5B9BD5"/>
+                      </a:solidFill>
+                      <a:prstDash val="solid"/>
+                      <a:round/>
+                      <a:headEnd type="none" w="med" len="med"/>
+                      <a:tailEnd type="none" w="med" len="med"/>
+                    </a:lnR>
+                    <a:lnT w="6350" cap="flat" cmpd="sng" algn="ctr">
+                      <a:solidFill>
+                        <a:srgbClr val="5B9BD5"/>
+                      </a:solidFill>
+                      <a:prstDash val="solid"/>
+                      <a:round/>
+                      <a:headEnd type="none" w="med" len="med"/>
+                      <a:tailEnd type="none" w="med" len="med"/>
+                    </a:lnT>
+                    <a:lnB w="6350" cap="flat" cmpd="sng" algn="ctr">
+                      <a:solidFill>
+                        <a:srgbClr val="5B9BD5"/>
+                      </a:solidFill>
+                      <a:prstDash val="solid"/>
+                      <a:round/>
+                      <a:headEnd type="none" w="med" len="med"/>
+                      <a:tailEnd type="none" w="med" len="med"/>
+                    </a:lnB>
+                    <a:solidFill>
+                      <a:srgbClr val="D2DEEF"/>
+                    </a:solidFill>
+                  </a:tcPr>
+                </a:tc>
+                <a:tc>
+                  <a:txBody>
+                    <a:bodyPr/>
+                    <a:lstStyle/>
+                    <a:p>
+                      <a:pPr algn="ctr" rtl="0" fontAlgn="ctr"/>
+                      <a:r>
+                        <a:rPr lang="en-US" sz="1100" b="0" i="0" u="none" strike="noStrike">
+                          <a:solidFill>
+                            <a:srgbClr val="000000"/>
+                          </a:solidFill>
+                          <a:effectLst/>
+                          <a:latin typeface="Calibri" panose="020F0502020204030204" pitchFamily="34" charset="0"/>
+                        </a:rPr>
+                        <a:t>$3,167,647,000 </a:t>
+                      </a:r>
+                    </a:p>
+                  </a:txBody>
+                  <a:tcPr marL="9525" marR="9525" marT="9525" marB="0" anchor="ctr">
+                    <a:lnL w="6350" cap="flat" cmpd="sng" algn="ctr">
+                      <a:solidFill>
+                        <a:srgbClr val="5B9BD5"/>
+                      </a:solidFill>
+                      <a:prstDash val="solid"/>
+                      <a:round/>
+                      <a:headEnd type="none" w="med" len="med"/>
+                      <a:tailEnd type="none" w="med" len="med"/>
+                    </a:lnL>
+                    <a:lnR w="6350" cap="flat" cmpd="sng" algn="ctr">
+                      <a:solidFill>
+                        <a:srgbClr val="5B9BD5"/>
+                      </a:solidFill>
+                      <a:prstDash val="solid"/>
+                      <a:round/>
+                      <a:headEnd type="none" w="med" len="med"/>
+                      <a:tailEnd type="none" w="med" len="med"/>
+                    </a:lnR>
+                    <a:lnT w="6350" cap="flat" cmpd="sng" algn="ctr">
+                      <a:solidFill>
+                        <a:srgbClr val="5B9BD5"/>
+                      </a:solidFill>
+                      <a:prstDash val="solid"/>
+                      <a:round/>
+                      <a:headEnd type="none" w="med" len="med"/>
+                      <a:tailEnd type="none" w="med" len="med"/>
+                    </a:lnT>
+                    <a:lnB w="6350" cap="flat" cmpd="sng" algn="ctr">
+                      <a:solidFill>
+                        <a:srgbClr val="5B9BD5"/>
+                      </a:solidFill>
+                      <a:prstDash val="solid"/>
+                      <a:round/>
+                      <a:headEnd type="none" w="med" len="med"/>
+                      <a:tailEnd type="none" w="med" len="med"/>
+                    </a:lnB>
+                    <a:solidFill>
+                      <a:srgbClr val="F8696B"/>
+                    </a:solidFill>
+                  </a:tcPr>
+                </a:tc>
+                <a:tc>
+                  <a:txBody>
+                    <a:bodyPr/>
+                    <a:lstStyle/>
+                    <a:p>
+                      <a:pPr algn="ctr" rtl="0" fontAlgn="ctr"/>
+                      <a:r>
+                        <a:rPr lang="en-US" sz="1100" b="0" i="0" u="none" strike="noStrike" dirty="0">
+                          <a:solidFill>
+                            <a:srgbClr val="000000"/>
+                          </a:solidFill>
+                          <a:effectLst/>
+                          <a:latin typeface="Calibri" panose="020F0502020204030204" pitchFamily="34" charset="0"/>
+                        </a:rPr>
+                        <a:t>NO</a:t>
+                      </a:r>
+                    </a:p>
+                  </a:txBody>
+                  <a:tcPr marL="9525" marR="9525" marT="9525" marB="0" anchor="ctr">
+                    <a:lnL w="6350" cap="flat" cmpd="sng" algn="ctr">
+                      <a:solidFill>
+                        <a:srgbClr val="5B9BD5"/>
+                      </a:solidFill>
+                      <a:prstDash val="solid"/>
+                      <a:round/>
+                      <a:headEnd type="none" w="med" len="med"/>
+                      <a:tailEnd type="none" w="med" len="med"/>
+                    </a:lnL>
+                    <a:lnR w="6350" cap="flat" cmpd="sng" algn="ctr">
+                      <a:solidFill>
+                        <a:srgbClr val="5B9BD5"/>
+                      </a:solidFill>
+                      <a:prstDash val="solid"/>
+                      <a:round/>
+                      <a:headEnd type="none" w="med" len="med"/>
+                      <a:tailEnd type="none" w="med" len="med"/>
+                    </a:lnR>
+                    <a:lnT w="6350" cap="flat" cmpd="sng" algn="ctr">
+                      <a:solidFill>
+                        <a:srgbClr val="5B9BD5"/>
+                      </a:solidFill>
+                      <a:prstDash val="solid"/>
+                      <a:round/>
+                      <a:headEnd type="none" w="med" len="med"/>
+                      <a:tailEnd type="none" w="med" len="med"/>
+                    </a:lnT>
+                    <a:lnB w="6350" cap="flat" cmpd="sng" algn="ctr">
+                      <a:solidFill>
+                        <a:srgbClr val="5B9BD5"/>
+                      </a:solidFill>
+                      <a:prstDash val="solid"/>
+                      <a:round/>
+                      <a:headEnd type="none" w="med" len="med"/>
+                      <a:tailEnd type="none" w="med" len="med"/>
+                    </a:lnB>
+                    <a:solidFill>
+                      <a:srgbClr val="D2DEEF"/>
+                    </a:solidFill>
+                  </a:tcPr>
+                </a:tc>
+              </a:tr>
+            </a:tbl>
+          </a:graphicData>
+        </a:graphic>
+      </p:graphicFrame>
     </p:spTree>
     <p:extLst>
       <p:ext uri="{BB962C8B-B14F-4D97-AF65-F5344CB8AC3E}">
@@ -3965,17 +6898,16 @@
         </p:nvSpPr>
         <p:spPr/>
         <p:txBody>
-          <a:bodyPr/>
+          <a:bodyPr>
+            <a:normAutofit/>
+          </a:bodyPr>
           <a:lstStyle/>
           <a:p>
             <a:r>
-              <a:rPr lang="en-IN" b="1" dirty="0"/>
-              <a:t> </a:t>
-            </a:r>
-            <a:r>
-              <a:rPr lang="en-IN" sz="2800" dirty="0"/>
-              <a:t>&lt;Analysis&gt;</a:t>
-            </a:r>
+              <a:rPr lang="en-IN" sz="2800" dirty="0" smtClean="0"/>
+              <a:t>Sector Analysis</a:t>
+            </a:r>
+            <a:endParaRPr lang="en-IN" sz="2800" dirty="0"/>
           </a:p>
         </p:txBody>
       </p:sp>
@@ -3989,13 +6921,64 @@
             <p:ph idx="1"/>
           </p:nvPr>
         </p:nvSpPr>
-        <p:spPr/>
+        <p:spPr>
+          <a:xfrm>
+            <a:off x="1136469" y="1854926"/>
+            <a:ext cx="10437222" cy="4344261"/>
+          </a:xfrm>
+        </p:spPr>
         <p:txBody>
           <a:bodyPr>
             <a:normAutofit/>
           </a:bodyPr>
           <a:lstStyle/>
           <a:p>
+            <a:r>
+              <a:rPr lang="en-IN" sz="1400" dirty="0" smtClean="0"/>
+              <a:t>Top performing sectors in top3 countries.</a:t>
+            </a:r>
+          </a:p>
+          <a:p>
+            <a:endParaRPr lang="en-IN" sz="1400" dirty="0"/>
+          </a:p>
+          <a:p>
+            <a:endParaRPr lang="en-IN" sz="1400" dirty="0" smtClean="0"/>
+          </a:p>
+          <a:p>
+            <a:endParaRPr lang="en-IN" sz="1400" dirty="0"/>
+          </a:p>
+          <a:p>
+            <a:endParaRPr lang="en-IN" sz="1400" dirty="0" smtClean="0"/>
+          </a:p>
+          <a:p>
+            <a:endParaRPr lang="en-IN" sz="1400" dirty="0"/>
+          </a:p>
+          <a:p>
+            <a:endParaRPr lang="en-IN" sz="1400" dirty="0" smtClean="0"/>
+          </a:p>
+          <a:p>
+            <a:endParaRPr lang="en-IN" sz="1400" dirty="0"/>
+          </a:p>
+          <a:p>
+            <a:endParaRPr lang="en-IN" sz="1400" dirty="0" smtClean="0"/>
+          </a:p>
+          <a:p>
+            <a:endParaRPr lang="en-IN" sz="1400" dirty="0"/>
+          </a:p>
+          <a:p>
+            <a:endParaRPr lang="en-IN" sz="1400" dirty="0" smtClean="0"/>
+          </a:p>
+          <a:p>
+            <a:r>
+              <a:rPr lang="en-IN" sz="1400" dirty="0"/>
+              <a:t>Above</a:t>
+            </a:r>
+            <a:r>
+              <a:rPr lang="en-IN" sz="1400" dirty="0" smtClean="0"/>
+              <a:t> chart shows top performing main sectors in each countries (Top 3 English speaking countries)</a:t>
+            </a:r>
+          </a:p>
+          <a:p>
             <a:pPr marL="0" indent="0">
               <a:buNone/>
             </a:pPr>
@@ -4003,6 +6986,1811 @@
           </a:p>
         </p:txBody>
       </p:sp>
+      <p:graphicFrame>
+        <p:nvGraphicFramePr>
+          <p:cNvPr id="8" name="Table 7"/>
+          <p:cNvGraphicFramePr>
+            <a:graphicFrameLocks noGrp="1"/>
+          </p:cNvGraphicFramePr>
+          <p:nvPr>
+            <p:extLst>
+              <p:ext uri="{D42A27DB-BD31-4B8C-83A1-F6EECF244321}">
+                <p14:modId xmlns:p14="http://schemas.microsoft.com/office/powerpoint/2010/main" val="1118286059"/>
+              </p:ext>
+            </p:extLst>
+          </p:nvPr>
+        </p:nvGraphicFramePr>
+        <p:xfrm>
+          <a:off x="1368784" y="2262221"/>
+          <a:ext cx="5219700" cy="3052639"/>
+        </p:xfrm>
+        <a:graphic>
+          <a:graphicData uri="http://schemas.openxmlformats.org/drawingml/2006/table">
+            <a:tbl>
+              <a:tblPr firstRow="1" bandRow="1"/>
+              <a:tblGrid>
+                <a:gridCol w="1409700"/>
+                <a:gridCol w="2238117"/>
+                <a:gridCol w="1571883"/>
+              </a:tblGrid>
+              <a:tr h="304800">
+                <a:tc>
+                  <a:txBody>
+                    <a:bodyPr/>
+                    <a:lstStyle/>
+                    <a:p>
+                      <a:pPr algn="ctr" rtl="0" fontAlgn="ctr"/>
+                      <a:r>
+                        <a:rPr lang="en-US" sz="1200" b="1" i="0" u="none" strike="noStrike" dirty="0">
+                          <a:solidFill>
+                            <a:srgbClr val="FFFFFF"/>
+                          </a:solidFill>
+                          <a:effectLst/>
+                          <a:latin typeface="Calibri" panose="020F0502020204030204" pitchFamily="34" charset="0"/>
+                        </a:rPr>
+                        <a:t>Country code</a:t>
+                      </a:r>
+                    </a:p>
+                  </a:txBody>
+                  <a:tcPr marL="9525" marR="9525" marT="9525" marB="0" anchor="ctr">
+                    <a:lnL w="6350" cap="flat" cmpd="sng" algn="ctr">
+                      <a:solidFill>
+                        <a:srgbClr val="5B9BD5"/>
+                      </a:solidFill>
+                      <a:prstDash val="solid"/>
+                      <a:round/>
+                      <a:headEnd type="none" w="med" len="med"/>
+                      <a:tailEnd type="none" w="med" len="med"/>
+                    </a:lnL>
+                    <a:lnR>
+                      <a:noFill/>
+                    </a:lnR>
+                    <a:lnT w="6350" cap="flat" cmpd="sng" algn="ctr">
+                      <a:solidFill>
+                        <a:srgbClr val="5B9BD5"/>
+                      </a:solidFill>
+                      <a:prstDash val="solid"/>
+                      <a:round/>
+                      <a:headEnd type="none" w="med" len="med"/>
+                      <a:tailEnd type="none" w="med" len="med"/>
+                    </a:lnT>
+                    <a:lnB w="12700" cap="flat" cmpd="sng" algn="ctr">
+                      <a:solidFill>
+                        <a:srgbClr val="FFFFFF"/>
+                      </a:solidFill>
+                      <a:prstDash val="solid"/>
+                      <a:round/>
+                      <a:headEnd type="none" w="med" len="med"/>
+                      <a:tailEnd type="none" w="med" len="med"/>
+                    </a:lnB>
+                    <a:solidFill>
+                      <a:srgbClr val="5B9BD5"/>
+                    </a:solidFill>
+                  </a:tcPr>
+                </a:tc>
+                <a:tc>
+                  <a:txBody>
+                    <a:bodyPr/>
+                    <a:lstStyle/>
+                    <a:p>
+                      <a:pPr algn="ctr" rtl="0" fontAlgn="ctr"/>
+                      <a:r>
+                        <a:rPr lang="en-US" sz="1200" b="1" i="0" u="none" strike="noStrike" dirty="0">
+                          <a:solidFill>
+                            <a:srgbClr val="FFFFFF"/>
+                          </a:solidFill>
+                          <a:effectLst/>
+                          <a:latin typeface="Calibri" panose="020F0502020204030204" pitchFamily="34" charset="0"/>
+                        </a:rPr>
+                        <a:t>Main Sector</a:t>
+                      </a:r>
+                    </a:p>
+                  </a:txBody>
+                  <a:tcPr marL="9525" marR="9525" marT="9525" marB="0" anchor="ctr">
+                    <a:lnL>
+                      <a:noFill/>
+                    </a:lnL>
+                    <a:lnR>
+                      <a:noFill/>
+                    </a:lnR>
+                    <a:lnT w="6350" cap="flat" cmpd="sng" algn="ctr">
+                      <a:solidFill>
+                        <a:srgbClr val="5B9BD5"/>
+                      </a:solidFill>
+                      <a:prstDash val="solid"/>
+                      <a:round/>
+                      <a:headEnd type="none" w="med" len="med"/>
+                      <a:tailEnd type="none" w="med" len="med"/>
+                    </a:lnT>
+                    <a:lnB w="12700" cap="flat" cmpd="sng" algn="ctr">
+                      <a:solidFill>
+                        <a:srgbClr val="FFFFFF"/>
+                      </a:solidFill>
+                      <a:prstDash val="solid"/>
+                      <a:round/>
+                      <a:headEnd type="none" w="med" len="med"/>
+                      <a:tailEnd type="none" w="med" len="med"/>
+                    </a:lnB>
+                    <a:solidFill>
+                      <a:srgbClr val="5B9BD5"/>
+                    </a:solidFill>
+                  </a:tcPr>
+                </a:tc>
+                <a:tc>
+                  <a:txBody>
+                    <a:bodyPr/>
+                    <a:lstStyle/>
+                    <a:p>
+                      <a:pPr algn="ctr" rtl="0" fontAlgn="ctr"/>
+                      <a:r>
+                        <a:rPr lang="en-US" sz="1200" b="1" i="0" u="none" strike="noStrike">
+                          <a:solidFill>
+                            <a:srgbClr val="FFFFFF"/>
+                          </a:solidFill>
+                          <a:effectLst/>
+                          <a:latin typeface="Calibri" panose="020F0502020204030204" pitchFamily="34" charset="0"/>
+                        </a:rPr>
+                        <a:t>Investment</a:t>
+                      </a:r>
+                    </a:p>
+                  </a:txBody>
+                  <a:tcPr marL="9525" marR="9525" marT="9525" marB="0" anchor="ctr">
+                    <a:lnL>
+                      <a:noFill/>
+                    </a:lnL>
+                    <a:lnR w="6350" cap="flat" cmpd="sng" algn="ctr">
+                      <a:solidFill>
+                        <a:srgbClr val="5B9BD5"/>
+                      </a:solidFill>
+                      <a:prstDash val="solid"/>
+                      <a:round/>
+                      <a:headEnd type="none" w="med" len="med"/>
+                      <a:tailEnd type="none" w="med" len="med"/>
+                    </a:lnR>
+                    <a:lnT w="6350" cap="flat" cmpd="sng" algn="ctr">
+                      <a:solidFill>
+                        <a:srgbClr val="5B9BD5"/>
+                      </a:solidFill>
+                      <a:prstDash val="solid"/>
+                      <a:round/>
+                      <a:headEnd type="none" w="med" len="med"/>
+                      <a:tailEnd type="none" w="med" len="med"/>
+                    </a:lnT>
+                    <a:lnB w="12700" cap="flat" cmpd="sng" algn="ctr">
+                      <a:solidFill>
+                        <a:srgbClr val="FFFFFF"/>
+                      </a:solidFill>
+                      <a:prstDash val="solid"/>
+                      <a:round/>
+                      <a:headEnd type="none" w="med" len="med"/>
+                      <a:tailEnd type="none" w="med" len="med"/>
+                    </a:lnB>
+                    <a:solidFill>
+                      <a:srgbClr val="5B9BD5"/>
+                    </a:solidFill>
+                  </a:tcPr>
+                </a:tc>
+              </a:tr>
+              <a:tr h="304800">
+                <a:tc>
+                  <a:txBody>
+                    <a:bodyPr/>
+                    <a:lstStyle/>
+                    <a:p>
+                      <a:pPr algn="ctr" rtl="0" fontAlgn="ctr"/>
+                      <a:r>
+                        <a:rPr lang="en-US" sz="1100" b="0" i="0" u="none" strike="noStrike">
+                          <a:solidFill>
+                            <a:srgbClr val="000000"/>
+                          </a:solidFill>
+                          <a:effectLst/>
+                          <a:latin typeface="Calibri" panose="020F0502020204030204" pitchFamily="34" charset="0"/>
+                        </a:rPr>
+                        <a:t>USA</a:t>
+                      </a:r>
+                    </a:p>
+                  </a:txBody>
+                  <a:tcPr marL="9525" marR="9525" marT="9525" marB="0" anchor="ctr">
+                    <a:lnL w="6350" cap="flat" cmpd="sng" algn="ctr">
+                      <a:solidFill>
+                        <a:srgbClr val="5B9BD5"/>
+                      </a:solidFill>
+                      <a:prstDash val="solid"/>
+                      <a:round/>
+                      <a:headEnd type="none" w="med" len="med"/>
+                      <a:tailEnd type="none" w="med" len="med"/>
+                    </a:lnL>
+                    <a:lnR w="6350" cap="flat" cmpd="sng" algn="ctr">
+                      <a:solidFill>
+                        <a:srgbClr val="5B9BD5"/>
+                      </a:solidFill>
+                      <a:prstDash val="solid"/>
+                      <a:round/>
+                      <a:headEnd type="none" w="med" len="med"/>
+                      <a:tailEnd type="none" w="med" len="med"/>
+                    </a:lnR>
+                    <a:lnT w="12700" cap="flat" cmpd="sng" algn="ctr">
+                      <a:solidFill>
+                        <a:srgbClr val="FFFFFF"/>
+                      </a:solidFill>
+                      <a:prstDash val="solid"/>
+                      <a:round/>
+                      <a:headEnd type="none" w="med" len="med"/>
+                      <a:tailEnd type="none" w="med" len="med"/>
+                    </a:lnT>
+                    <a:lnB w="6350" cap="flat" cmpd="sng" algn="ctr">
+                      <a:solidFill>
+                        <a:srgbClr val="5B9BD5"/>
+                      </a:solidFill>
+                      <a:prstDash val="solid"/>
+                      <a:round/>
+                      <a:headEnd type="none" w="med" len="med"/>
+                      <a:tailEnd type="none" w="med" len="med"/>
+                    </a:lnB>
+                    <a:solidFill>
+                      <a:srgbClr val="D2DEEF"/>
+                    </a:solidFill>
+                  </a:tcPr>
+                </a:tc>
+                <a:tc>
+                  <a:txBody>
+                    <a:bodyPr/>
+                    <a:lstStyle/>
+                    <a:p>
+                      <a:pPr algn="ctr" rtl="0" fontAlgn="ctr"/>
+                      <a:r>
+                        <a:rPr lang="en-US" sz="1100" b="0" i="0" u="none" strike="noStrike">
+                          <a:solidFill>
+                            <a:srgbClr val="000000"/>
+                          </a:solidFill>
+                          <a:effectLst/>
+                          <a:latin typeface="Calibri" panose="020F0502020204030204" pitchFamily="34" charset="0"/>
+                        </a:rPr>
+                        <a:t>Others</a:t>
+                      </a:r>
+                    </a:p>
+                  </a:txBody>
+                  <a:tcPr marL="9525" marR="9525" marT="9525" marB="0" anchor="ctr">
+                    <a:lnL w="6350" cap="flat" cmpd="sng" algn="ctr">
+                      <a:solidFill>
+                        <a:srgbClr val="5B9BD5"/>
+                      </a:solidFill>
+                      <a:prstDash val="solid"/>
+                      <a:round/>
+                      <a:headEnd type="none" w="med" len="med"/>
+                      <a:tailEnd type="none" w="med" len="med"/>
+                    </a:lnL>
+                    <a:lnR w="6350" cap="flat" cmpd="sng" algn="ctr">
+                      <a:solidFill>
+                        <a:srgbClr val="5B9BD5"/>
+                      </a:solidFill>
+                      <a:prstDash val="solid"/>
+                      <a:round/>
+                      <a:headEnd type="none" w="med" len="med"/>
+                      <a:tailEnd type="none" w="med" len="med"/>
+                    </a:lnR>
+                    <a:lnT w="12700" cap="flat" cmpd="sng" algn="ctr">
+                      <a:solidFill>
+                        <a:srgbClr val="FFFFFF"/>
+                      </a:solidFill>
+                      <a:prstDash val="solid"/>
+                      <a:round/>
+                      <a:headEnd type="none" w="med" len="med"/>
+                      <a:tailEnd type="none" w="med" len="med"/>
+                    </a:lnT>
+                    <a:lnB w="6350" cap="flat" cmpd="sng" algn="ctr">
+                      <a:solidFill>
+                        <a:srgbClr val="5B9BD5"/>
+                      </a:solidFill>
+                      <a:prstDash val="solid"/>
+                      <a:round/>
+                      <a:headEnd type="none" w="med" len="med"/>
+                      <a:tailEnd type="none" w="med" len="med"/>
+                    </a:lnB>
+                    <a:solidFill>
+                      <a:srgbClr val="D2DEEF"/>
+                    </a:solidFill>
+                  </a:tcPr>
+                </a:tc>
+                <a:tc>
+                  <a:txBody>
+                    <a:bodyPr/>
+                    <a:lstStyle/>
+                    <a:p>
+                      <a:pPr algn="ctr" rtl="0" fontAlgn="ctr"/>
+                      <a:r>
+                        <a:rPr lang="en-US" sz="1100" b="0" i="0" u="none" strike="noStrike">
+                          <a:solidFill>
+                            <a:srgbClr val="000000"/>
+                          </a:solidFill>
+                          <a:effectLst/>
+                          <a:latin typeface="Calibri" panose="020F0502020204030204" pitchFamily="34" charset="0"/>
+                        </a:rPr>
+                        <a:t>26,321,010,000</a:t>
+                      </a:r>
+                    </a:p>
+                  </a:txBody>
+                  <a:tcPr marL="9525" marR="9525" marT="9525" marB="0" anchor="ctr">
+                    <a:lnL w="6350" cap="flat" cmpd="sng" algn="ctr">
+                      <a:solidFill>
+                        <a:srgbClr val="5B9BD5"/>
+                      </a:solidFill>
+                      <a:prstDash val="solid"/>
+                      <a:round/>
+                      <a:headEnd type="none" w="med" len="med"/>
+                      <a:tailEnd type="none" w="med" len="med"/>
+                    </a:lnL>
+                    <a:lnR w="6350" cap="flat" cmpd="sng" algn="ctr">
+                      <a:solidFill>
+                        <a:srgbClr val="5B9BD5"/>
+                      </a:solidFill>
+                      <a:prstDash val="solid"/>
+                      <a:round/>
+                      <a:headEnd type="none" w="med" len="med"/>
+                      <a:tailEnd type="none" w="med" len="med"/>
+                    </a:lnR>
+                    <a:lnT w="12700" cap="flat" cmpd="sng" algn="ctr">
+                      <a:solidFill>
+                        <a:srgbClr val="FFFFFF"/>
+                      </a:solidFill>
+                      <a:prstDash val="solid"/>
+                      <a:round/>
+                      <a:headEnd type="none" w="med" len="med"/>
+                      <a:tailEnd type="none" w="med" len="med"/>
+                    </a:lnT>
+                    <a:lnB w="6350" cap="flat" cmpd="sng" algn="ctr">
+                      <a:solidFill>
+                        <a:srgbClr val="5B9BD5"/>
+                      </a:solidFill>
+                      <a:prstDash val="solid"/>
+                      <a:round/>
+                      <a:headEnd type="none" w="med" len="med"/>
+                      <a:tailEnd type="none" w="med" len="med"/>
+                    </a:lnB>
+                    <a:solidFill>
+                      <a:srgbClr val="63BE7B"/>
+                    </a:solidFill>
+                  </a:tcPr>
+                </a:tc>
+              </a:tr>
+              <a:tr h="304800">
+                <a:tc>
+                  <a:txBody>
+                    <a:bodyPr/>
+                    <a:lstStyle/>
+                    <a:p>
+                      <a:pPr algn="ctr" rtl="0" fontAlgn="ctr"/>
+                      <a:r>
+                        <a:rPr lang="en-US" sz="1100" b="0" i="0" u="none" strike="noStrike">
+                          <a:solidFill>
+                            <a:srgbClr val="000000"/>
+                          </a:solidFill>
+                          <a:effectLst/>
+                          <a:latin typeface="Calibri" panose="020F0502020204030204" pitchFamily="34" charset="0"/>
+                        </a:rPr>
+                        <a:t> </a:t>
+                      </a:r>
+                    </a:p>
+                  </a:txBody>
+                  <a:tcPr marL="9525" marR="9525" marT="9525" marB="0" anchor="ctr">
+                    <a:lnL w="6350" cap="flat" cmpd="sng" algn="ctr">
+                      <a:solidFill>
+                        <a:srgbClr val="5B9BD5"/>
+                      </a:solidFill>
+                      <a:prstDash val="solid"/>
+                      <a:round/>
+                      <a:headEnd type="none" w="med" len="med"/>
+                      <a:tailEnd type="none" w="med" len="med"/>
+                    </a:lnL>
+                    <a:lnR w="6350" cap="flat" cmpd="sng" algn="ctr">
+                      <a:solidFill>
+                        <a:srgbClr val="5B9BD5"/>
+                      </a:solidFill>
+                      <a:prstDash val="solid"/>
+                      <a:round/>
+                      <a:headEnd type="none" w="med" len="med"/>
+                      <a:tailEnd type="none" w="med" len="med"/>
+                    </a:lnR>
+                    <a:lnT w="6350" cap="flat" cmpd="sng" algn="ctr">
+                      <a:solidFill>
+                        <a:srgbClr val="5B9BD5"/>
+                      </a:solidFill>
+                      <a:prstDash val="solid"/>
+                      <a:round/>
+                      <a:headEnd type="none" w="med" len="med"/>
+                      <a:tailEnd type="none" w="med" len="med"/>
+                    </a:lnT>
+                    <a:lnB w="6350" cap="flat" cmpd="sng" algn="ctr">
+                      <a:solidFill>
+                        <a:srgbClr val="5B9BD5"/>
+                      </a:solidFill>
+                      <a:prstDash val="solid"/>
+                      <a:round/>
+                      <a:headEnd type="none" w="med" len="med"/>
+                      <a:tailEnd type="none" w="med" len="med"/>
+                    </a:lnB>
+                  </a:tcPr>
+                </a:tc>
+                <a:tc>
+                  <a:txBody>
+                    <a:bodyPr/>
+                    <a:lstStyle/>
+                    <a:p>
+                      <a:pPr algn="ctr" rtl="0" fontAlgn="ctr"/>
+                      <a:r>
+                        <a:rPr lang="en-US" sz="1100" b="0" i="0" u="none" strike="noStrike">
+                          <a:solidFill>
+                            <a:srgbClr val="000000"/>
+                          </a:solidFill>
+                          <a:effectLst/>
+                          <a:latin typeface="Calibri" panose="020F0502020204030204" pitchFamily="34" charset="0"/>
+                        </a:rPr>
+                        <a:t>Social, Finance, Analytics, Advertising</a:t>
+                      </a:r>
+                    </a:p>
+                  </a:txBody>
+                  <a:tcPr marL="9525" marR="9525" marT="9525" marB="0" anchor="ctr">
+                    <a:lnL w="6350" cap="flat" cmpd="sng" algn="ctr">
+                      <a:solidFill>
+                        <a:srgbClr val="5B9BD5"/>
+                      </a:solidFill>
+                      <a:prstDash val="solid"/>
+                      <a:round/>
+                      <a:headEnd type="none" w="med" len="med"/>
+                      <a:tailEnd type="none" w="med" len="med"/>
+                    </a:lnL>
+                    <a:lnR w="6350" cap="flat" cmpd="sng" algn="ctr">
+                      <a:solidFill>
+                        <a:srgbClr val="5B9BD5"/>
+                      </a:solidFill>
+                      <a:prstDash val="solid"/>
+                      <a:round/>
+                      <a:headEnd type="none" w="med" len="med"/>
+                      <a:tailEnd type="none" w="med" len="med"/>
+                    </a:lnR>
+                    <a:lnT w="6350" cap="flat" cmpd="sng" algn="ctr">
+                      <a:solidFill>
+                        <a:srgbClr val="5B9BD5"/>
+                      </a:solidFill>
+                      <a:prstDash val="solid"/>
+                      <a:round/>
+                      <a:headEnd type="none" w="med" len="med"/>
+                      <a:tailEnd type="none" w="med" len="med"/>
+                    </a:lnT>
+                    <a:lnB w="6350" cap="flat" cmpd="sng" algn="ctr">
+                      <a:solidFill>
+                        <a:srgbClr val="5B9BD5"/>
+                      </a:solidFill>
+                      <a:prstDash val="solid"/>
+                      <a:round/>
+                      <a:headEnd type="none" w="med" len="med"/>
+                      <a:tailEnd type="none" w="med" len="med"/>
+                    </a:lnB>
+                  </a:tcPr>
+                </a:tc>
+                <a:tc>
+                  <a:txBody>
+                    <a:bodyPr/>
+                    <a:lstStyle/>
+                    <a:p>
+                      <a:pPr algn="ctr" rtl="0" fontAlgn="ctr"/>
+                      <a:r>
+                        <a:rPr lang="en-US" sz="1100" b="0" i="0" u="none" strike="noStrike">
+                          <a:solidFill>
+                            <a:srgbClr val="000000"/>
+                          </a:solidFill>
+                          <a:effectLst/>
+                          <a:latin typeface="Calibri" panose="020F0502020204030204" pitchFamily="34" charset="0"/>
+                        </a:rPr>
+                        <a:t>23,807,380,000</a:t>
+                      </a:r>
+                    </a:p>
+                  </a:txBody>
+                  <a:tcPr marL="9525" marR="9525" marT="9525" marB="0" anchor="ctr">
+                    <a:lnL w="6350" cap="flat" cmpd="sng" algn="ctr">
+                      <a:solidFill>
+                        <a:srgbClr val="5B9BD5"/>
+                      </a:solidFill>
+                      <a:prstDash val="solid"/>
+                      <a:round/>
+                      <a:headEnd type="none" w="med" len="med"/>
+                      <a:tailEnd type="none" w="med" len="med"/>
+                    </a:lnL>
+                    <a:lnR w="6350" cap="flat" cmpd="sng" algn="ctr">
+                      <a:solidFill>
+                        <a:srgbClr val="5B9BD5"/>
+                      </a:solidFill>
+                      <a:prstDash val="solid"/>
+                      <a:round/>
+                      <a:headEnd type="none" w="med" len="med"/>
+                      <a:tailEnd type="none" w="med" len="med"/>
+                    </a:lnR>
+                    <a:lnT w="6350" cap="flat" cmpd="sng" algn="ctr">
+                      <a:solidFill>
+                        <a:srgbClr val="5B9BD5"/>
+                      </a:solidFill>
+                      <a:prstDash val="solid"/>
+                      <a:round/>
+                      <a:headEnd type="none" w="med" len="med"/>
+                      <a:tailEnd type="none" w="med" len="med"/>
+                    </a:lnT>
+                    <a:lnB w="6350" cap="flat" cmpd="sng" algn="ctr">
+                      <a:solidFill>
+                        <a:srgbClr val="5B9BD5"/>
+                      </a:solidFill>
+                      <a:prstDash val="solid"/>
+                      <a:round/>
+                      <a:headEnd type="none" w="med" len="med"/>
+                      <a:tailEnd type="none" w="med" len="med"/>
+                    </a:lnB>
+                    <a:solidFill>
+                      <a:srgbClr val="73C37C"/>
+                    </a:solidFill>
+                  </a:tcPr>
+                </a:tc>
+              </a:tr>
+              <a:tr h="304800">
+                <a:tc>
+                  <a:txBody>
+                    <a:bodyPr/>
+                    <a:lstStyle/>
+                    <a:p>
+                      <a:pPr algn="ctr" rtl="0" fontAlgn="ctr"/>
+                      <a:r>
+                        <a:rPr lang="en-US" sz="1100" b="0" i="0" u="none" strike="noStrike">
+                          <a:solidFill>
+                            <a:srgbClr val="000000"/>
+                          </a:solidFill>
+                          <a:effectLst/>
+                          <a:latin typeface="Calibri" panose="020F0502020204030204" pitchFamily="34" charset="0"/>
+                        </a:rPr>
+                        <a:t> </a:t>
+                      </a:r>
+                    </a:p>
+                  </a:txBody>
+                  <a:tcPr marL="9525" marR="9525" marT="9525" marB="0" anchor="ctr">
+                    <a:lnL w="6350" cap="flat" cmpd="sng" algn="ctr">
+                      <a:solidFill>
+                        <a:srgbClr val="5B9BD5"/>
+                      </a:solidFill>
+                      <a:prstDash val="solid"/>
+                      <a:round/>
+                      <a:headEnd type="none" w="med" len="med"/>
+                      <a:tailEnd type="none" w="med" len="med"/>
+                    </a:lnL>
+                    <a:lnR w="6350" cap="flat" cmpd="sng" algn="ctr">
+                      <a:solidFill>
+                        <a:srgbClr val="5B9BD5"/>
+                      </a:solidFill>
+                      <a:prstDash val="solid"/>
+                      <a:round/>
+                      <a:headEnd type="none" w="med" len="med"/>
+                      <a:tailEnd type="none" w="med" len="med"/>
+                    </a:lnR>
+                    <a:lnT w="6350" cap="flat" cmpd="sng" algn="ctr">
+                      <a:solidFill>
+                        <a:srgbClr val="5B9BD5"/>
+                      </a:solidFill>
+                      <a:prstDash val="solid"/>
+                      <a:round/>
+                      <a:headEnd type="none" w="med" len="med"/>
+                      <a:tailEnd type="none" w="med" len="med"/>
+                    </a:lnT>
+                    <a:lnB w="6350" cap="flat" cmpd="sng" algn="ctr">
+                      <a:solidFill>
+                        <a:srgbClr val="5B9BD5"/>
+                      </a:solidFill>
+                      <a:prstDash val="solid"/>
+                      <a:round/>
+                      <a:headEnd type="none" w="med" len="med"/>
+                      <a:tailEnd type="none" w="med" len="med"/>
+                    </a:lnB>
+                    <a:solidFill>
+                      <a:srgbClr val="D2DEEF"/>
+                    </a:solidFill>
+                  </a:tcPr>
+                </a:tc>
+                <a:tc>
+                  <a:txBody>
+                    <a:bodyPr/>
+                    <a:lstStyle/>
+                    <a:p>
+                      <a:pPr algn="ctr" rtl="0" fontAlgn="ctr"/>
+                      <a:r>
+                        <a:rPr lang="en-US" sz="1100" b="0" i="0" u="none" strike="noStrike">
+                          <a:solidFill>
+                            <a:srgbClr val="000000"/>
+                          </a:solidFill>
+                          <a:effectLst/>
+                          <a:latin typeface="Calibri" panose="020F0502020204030204" pitchFamily="34" charset="0"/>
+                        </a:rPr>
+                        <a:t>Cleantech / Semiconductors</a:t>
+                      </a:r>
+                    </a:p>
+                  </a:txBody>
+                  <a:tcPr marL="9525" marR="9525" marT="9525" marB="0" anchor="ctr">
+                    <a:lnL w="6350" cap="flat" cmpd="sng" algn="ctr">
+                      <a:solidFill>
+                        <a:srgbClr val="5B9BD5"/>
+                      </a:solidFill>
+                      <a:prstDash val="solid"/>
+                      <a:round/>
+                      <a:headEnd type="none" w="med" len="med"/>
+                      <a:tailEnd type="none" w="med" len="med"/>
+                    </a:lnL>
+                    <a:lnR w="6350" cap="flat" cmpd="sng" algn="ctr">
+                      <a:solidFill>
+                        <a:srgbClr val="5B9BD5"/>
+                      </a:solidFill>
+                      <a:prstDash val="solid"/>
+                      <a:round/>
+                      <a:headEnd type="none" w="med" len="med"/>
+                      <a:tailEnd type="none" w="med" len="med"/>
+                    </a:lnR>
+                    <a:lnT w="6350" cap="flat" cmpd="sng" algn="ctr">
+                      <a:solidFill>
+                        <a:srgbClr val="5B9BD5"/>
+                      </a:solidFill>
+                      <a:prstDash val="solid"/>
+                      <a:round/>
+                      <a:headEnd type="none" w="med" len="med"/>
+                      <a:tailEnd type="none" w="med" len="med"/>
+                    </a:lnT>
+                    <a:lnB w="6350" cap="flat" cmpd="sng" algn="ctr">
+                      <a:solidFill>
+                        <a:srgbClr val="5B9BD5"/>
+                      </a:solidFill>
+                      <a:prstDash val="solid"/>
+                      <a:round/>
+                      <a:headEnd type="none" w="med" len="med"/>
+                      <a:tailEnd type="none" w="med" len="med"/>
+                    </a:lnB>
+                    <a:solidFill>
+                      <a:srgbClr val="D2DEEF"/>
+                    </a:solidFill>
+                  </a:tcPr>
+                </a:tc>
+                <a:tc>
+                  <a:txBody>
+                    <a:bodyPr/>
+                    <a:lstStyle/>
+                    <a:p>
+                      <a:pPr algn="ctr" rtl="0" fontAlgn="ctr"/>
+                      <a:r>
+                        <a:rPr lang="en-US" sz="1100" b="0" i="0" u="none" strike="noStrike">
+                          <a:solidFill>
+                            <a:srgbClr val="000000"/>
+                          </a:solidFill>
+                          <a:effectLst/>
+                          <a:latin typeface="Calibri" panose="020F0502020204030204" pitchFamily="34" charset="0"/>
+                        </a:rPr>
+                        <a:t>21,206,630,000</a:t>
+                      </a:r>
+                    </a:p>
+                  </a:txBody>
+                  <a:tcPr marL="9525" marR="9525" marT="9525" marB="0" anchor="ctr">
+                    <a:lnL w="6350" cap="flat" cmpd="sng" algn="ctr">
+                      <a:solidFill>
+                        <a:srgbClr val="5B9BD5"/>
+                      </a:solidFill>
+                      <a:prstDash val="solid"/>
+                      <a:round/>
+                      <a:headEnd type="none" w="med" len="med"/>
+                      <a:tailEnd type="none" w="med" len="med"/>
+                    </a:lnL>
+                    <a:lnR w="6350" cap="flat" cmpd="sng" algn="ctr">
+                      <a:solidFill>
+                        <a:srgbClr val="5B9BD5"/>
+                      </a:solidFill>
+                      <a:prstDash val="solid"/>
+                      <a:round/>
+                      <a:headEnd type="none" w="med" len="med"/>
+                      <a:tailEnd type="none" w="med" len="med"/>
+                    </a:lnR>
+                    <a:lnT w="6350" cap="flat" cmpd="sng" algn="ctr">
+                      <a:solidFill>
+                        <a:srgbClr val="5B9BD5"/>
+                      </a:solidFill>
+                      <a:prstDash val="solid"/>
+                      <a:round/>
+                      <a:headEnd type="none" w="med" len="med"/>
+                      <a:tailEnd type="none" w="med" len="med"/>
+                    </a:lnT>
+                    <a:lnB w="6350" cap="flat" cmpd="sng" algn="ctr">
+                      <a:solidFill>
+                        <a:srgbClr val="5B9BD5"/>
+                      </a:solidFill>
+                      <a:prstDash val="solid"/>
+                      <a:round/>
+                      <a:headEnd type="none" w="med" len="med"/>
+                      <a:tailEnd type="none" w="med" len="med"/>
+                    </a:lnB>
+                    <a:solidFill>
+                      <a:srgbClr val="83C87D"/>
+                    </a:solidFill>
+                  </a:tcPr>
+                </a:tc>
+              </a:tr>
+              <a:tr h="304800">
+                <a:tc>
+                  <a:txBody>
+                    <a:bodyPr/>
+                    <a:lstStyle/>
+                    <a:p>
+                      <a:pPr algn="ctr" rtl="0" fontAlgn="ctr"/>
+                      <a:r>
+                        <a:rPr lang="en-US" sz="1100" b="0" i="0" u="none" strike="noStrike">
+                          <a:solidFill>
+                            <a:srgbClr val="000000"/>
+                          </a:solidFill>
+                          <a:effectLst/>
+                          <a:latin typeface="Calibri" panose="020F0502020204030204" pitchFamily="34" charset="0"/>
+                        </a:rPr>
+                        <a:t>GBR</a:t>
+                      </a:r>
+                    </a:p>
+                  </a:txBody>
+                  <a:tcPr marL="9525" marR="9525" marT="9525" marB="0" anchor="ctr">
+                    <a:lnL w="6350" cap="flat" cmpd="sng" algn="ctr">
+                      <a:solidFill>
+                        <a:srgbClr val="5B9BD5"/>
+                      </a:solidFill>
+                      <a:prstDash val="solid"/>
+                      <a:round/>
+                      <a:headEnd type="none" w="med" len="med"/>
+                      <a:tailEnd type="none" w="med" len="med"/>
+                    </a:lnL>
+                    <a:lnR w="6350" cap="flat" cmpd="sng" algn="ctr">
+                      <a:solidFill>
+                        <a:srgbClr val="5B9BD5"/>
+                      </a:solidFill>
+                      <a:prstDash val="solid"/>
+                      <a:round/>
+                      <a:headEnd type="none" w="med" len="med"/>
+                      <a:tailEnd type="none" w="med" len="med"/>
+                    </a:lnR>
+                    <a:lnT w="6350" cap="flat" cmpd="sng" algn="ctr">
+                      <a:solidFill>
+                        <a:srgbClr val="5B9BD5"/>
+                      </a:solidFill>
+                      <a:prstDash val="solid"/>
+                      <a:round/>
+                      <a:headEnd type="none" w="med" len="med"/>
+                      <a:tailEnd type="none" w="med" len="med"/>
+                    </a:lnT>
+                    <a:lnB w="6350" cap="flat" cmpd="sng" algn="ctr">
+                      <a:solidFill>
+                        <a:srgbClr val="5B9BD5"/>
+                      </a:solidFill>
+                      <a:prstDash val="solid"/>
+                      <a:round/>
+                      <a:headEnd type="none" w="med" len="med"/>
+                      <a:tailEnd type="none" w="med" len="med"/>
+                    </a:lnB>
+                  </a:tcPr>
+                </a:tc>
+                <a:tc>
+                  <a:txBody>
+                    <a:bodyPr/>
+                    <a:lstStyle/>
+                    <a:p>
+                      <a:pPr algn="ctr" rtl="0" fontAlgn="ctr"/>
+                      <a:r>
+                        <a:rPr lang="en-US" sz="1100" b="0" i="0" u="none" strike="noStrike">
+                          <a:solidFill>
+                            <a:srgbClr val="000000"/>
+                          </a:solidFill>
+                          <a:effectLst/>
+                          <a:latin typeface="Calibri" panose="020F0502020204030204" pitchFamily="34" charset="0"/>
+                        </a:rPr>
+                        <a:t>Others</a:t>
+                      </a:r>
+                    </a:p>
+                  </a:txBody>
+                  <a:tcPr marL="9525" marR="9525" marT="9525" marB="0" anchor="ctr">
+                    <a:lnL w="6350" cap="flat" cmpd="sng" algn="ctr">
+                      <a:solidFill>
+                        <a:srgbClr val="5B9BD5"/>
+                      </a:solidFill>
+                      <a:prstDash val="solid"/>
+                      <a:round/>
+                      <a:headEnd type="none" w="med" len="med"/>
+                      <a:tailEnd type="none" w="med" len="med"/>
+                    </a:lnL>
+                    <a:lnR w="6350" cap="flat" cmpd="sng" algn="ctr">
+                      <a:solidFill>
+                        <a:srgbClr val="5B9BD5"/>
+                      </a:solidFill>
+                      <a:prstDash val="solid"/>
+                      <a:round/>
+                      <a:headEnd type="none" w="med" len="med"/>
+                      <a:tailEnd type="none" w="med" len="med"/>
+                    </a:lnR>
+                    <a:lnT w="6350" cap="flat" cmpd="sng" algn="ctr">
+                      <a:solidFill>
+                        <a:srgbClr val="5B9BD5"/>
+                      </a:solidFill>
+                      <a:prstDash val="solid"/>
+                      <a:round/>
+                      <a:headEnd type="none" w="med" len="med"/>
+                      <a:tailEnd type="none" w="med" len="med"/>
+                    </a:lnT>
+                    <a:lnB w="6350" cap="flat" cmpd="sng" algn="ctr">
+                      <a:solidFill>
+                        <a:srgbClr val="5B9BD5"/>
+                      </a:solidFill>
+                      <a:prstDash val="solid"/>
+                      <a:round/>
+                      <a:headEnd type="none" w="med" len="med"/>
+                      <a:tailEnd type="none" w="med" len="med"/>
+                    </a:lnB>
+                  </a:tcPr>
+                </a:tc>
+                <a:tc>
+                  <a:txBody>
+                    <a:bodyPr/>
+                    <a:lstStyle/>
+                    <a:p>
+                      <a:pPr algn="ctr" rtl="0" fontAlgn="ctr"/>
+                      <a:r>
+                        <a:rPr lang="en-US" sz="1100" b="0" i="0" u="none" strike="noStrike">
+                          <a:solidFill>
+                            <a:srgbClr val="000000"/>
+                          </a:solidFill>
+                          <a:effectLst/>
+                          <a:latin typeface="Calibri" panose="020F0502020204030204" pitchFamily="34" charset="0"/>
+                        </a:rPr>
+                        <a:t>1,283,624,000</a:t>
+                      </a:r>
+                    </a:p>
+                  </a:txBody>
+                  <a:tcPr marL="9525" marR="9525" marT="9525" marB="0" anchor="ctr">
+                    <a:lnL w="6350" cap="flat" cmpd="sng" algn="ctr">
+                      <a:solidFill>
+                        <a:srgbClr val="5B9BD5"/>
+                      </a:solidFill>
+                      <a:prstDash val="solid"/>
+                      <a:round/>
+                      <a:headEnd type="none" w="med" len="med"/>
+                      <a:tailEnd type="none" w="med" len="med"/>
+                    </a:lnL>
+                    <a:lnR w="6350" cap="flat" cmpd="sng" algn="ctr">
+                      <a:solidFill>
+                        <a:srgbClr val="5B9BD5"/>
+                      </a:solidFill>
+                      <a:prstDash val="solid"/>
+                      <a:round/>
+                      <a:headEnd type="none" w="med" len="med"/>
+                      <a:tailEnd type="none" w="med" len="med"/>
+                    </a:lnR>
+                    <a:lnT w="6350" cap="flat" cmpd="sng" algn="ctr">
+                      <a:solidFill>
+                        <a:srgbClr val="5B9BD5"/>
+                      </a:solidFill>
+                      <a:prstDash val="solid"/>
+                      <a:round/>
+                      <a:headEnd type="none" w="med" len="med"/>
+                      <a:tailEnd type="none" w="med" len="med"/>
+                    </a:lnT>
+                    <a:lnB w="6350" cap="flat" cmpd="sng" algn="ctr">
+                      <a:solidFill>
+                        <a:srgbClr val="5B9BD5"/>
+                      </a:solidFill>
+                      <a:prstDash val="solid"/>
+                      <a:round/>
+                      <a:headEnd type="none" w="med" len="med"/>
+                      <a:tailEnd type="none" w="med" len="med"/>
+                    </a:lnB>
+                    <a:solidFill>
+                      <a:srgbClr val="FFEB84"/>
+                    </a:solidFill>
+                  </a:tcPr>
+                </a:tc>
+              </a:tr>
+              <a:tr h="304800">
+                <a:tc>
+                  <a:txBody>
+                    <a:bodyPr/>
+                    <a:lstStyle/>
+                    <a:p>
+                      <a:pPr algn="ctr" rtl="0" fontAlgn="ctr"/>
+                      <a:r>
+                        <a:rPr lang="en-US" sz="1100" b="0" i="0" u="none" strike="noStrike">
+                          <a:solidFill>
+                            <a:srgbClr val="000000"/>
+                          </a:solidFill>
+                          <a:effectLst/>
+                          <a:latin typeface="Calibri" panose="020F0502020204030204" pitchFamily="34" charset="0"/>
+                        </a:rPr>
+                        <a:t> </a:t>
+                      </a:r>
+                    </a:p>
+                  </a:txBody>
+                  <a:tcPr marL="9525" marR="9525" marT="9525" marB="0" anchor="ctr">
+                    <a:lnL w="6350" cap="flat" cmpd="sng" algn="ctr">
+                      <a:solidFill>
+                        <a:srgbClr val="5B9BD5"/>
+                      </a:solidFill>
+                      <a:prstDash val="solid"/>
+                      <a:round/>
+                      <a:headEnd type="none" w="med" len="med"/>
+                      <a:tailEnd type="none" w="med" len="med"/>
+                    </a:lnL>
+                    <a:lnR w="6350" cap="flat" cmpd="sng" algn="ctr">
+                      <a:solidFill>
+                        <a:srgbClr val="5B9BD5"/>
+                      </a:solidFill>
+                      <a:prstDash val="solid"/>
+                      <a:round/>
+                      <a:headEnd type="none" w="med" len="med"/>
+                      <a:tailEnd type="none" w="med" len="med"/>
+                    </a:lnR>
+                    <a:lnT w="6350" cap="flat" cmpd="sng" algn="ctr">
+                      <a:solidFill>
+                        <a:srgbClr val="5B9BD5"/>
+                      </a:solidFill>
+                      <a:prstDash val="solid"/>
+                      <a:round/>
+                      <a:headEnd type="none" w="med" len="med"/>
+                      <a:tailEnd type="none" w="med" len="med"/>
+                    </a:lnT>
+                    <a:lnB w="6350" cap="flat" cmpd="sng" algn="ctr">
+                      <a:solidFill>
+                        <a:srgbClr val="5B9BD5"/>
+                      </a:solidFill>
+                      <a:prstDash val="solid"/>
+                      <a:round/>
+                      <a:headEnd type="none" w="med" len="med"/>
+                      <a:tailEnd type="none" w="med" len="med"/>
+                    </a:lnB>
+                    <a:solidFill>
+                      <a:srgbClr val="D2DEEF"/>
+                    </a:solidFill>
+                  </a:tcPr>
+                </a:tc>
+                <a:tc>
+                  <a:txBody>
+                    <a:bodyPr/>
+                    <a:lstStyle/>
+                    <a:p>
+                      <a:pPr algn="ctr" rtl="0" fontAlgn="ctr"/>
+                      <a:r>
+                        <a:rPr lang="en-US" sz="1100" b="0" i="0" u="none" strike="noStrike">
+                          <a:solidFill>
+                            <a:srgbClr val="000000"/>
+                          </a:solidFill>
+                          <a:effectLst/>
+                          <a:latin typeface="Calibri" panose="020F0502020204030204" pitchFamily="34" charset="0"/>
+                        </a:rPr>
+                        <a:t>Cleantech / Semiconductors</a:t>
+                      </a:r>
+                    </a:p>
+                  </a:txBody>
+                  <a:tcPr marL="9525" marR="9525" marT="9525" marB="0" anchor="ctr">
+                    <a:lnL w="6350" cap="flat" cmpd="sng" algn="ctr">
+                      <a:solidFill>
+                        <a:srgbClr val="5B9BD5"/>
+                      </a:solidFill>
+                      <a:prstDash val="solid"/>
+                      <a:round/>
+                      <a:headEnd type="none" w="med" len="med"/>
+                      <a:tailEnd type="none" w="med" len="med"/>
+                    </a:lnL>
+                    <a:lnR w="6350" cap="flat" cmpd="sng" algn="ctr">
+                      <a:solidFill>
+                        <a:srgbClr val="5B9BD5"/>
+                      </a:solidFill>
+                      <a:prstDash val="solid"/>
+                      <a:round/>
+                      <a:headEnd type="none" w="med" len="med"/>
+                      <a:tailEnd type="none" w="med" len="med"/>
+                    </a:lnR>
+                    <a:lnT w="6350" cap="flat" cmpd="sng" algn="ctr">
+                      <a:solidFill>
+                        <a:srgbClr val="5B9BD5"/>
+                      </a:solidFill>
+                      <a:prstDash val="solid"/>
+                      <a:round/>
+                      <a:headEnd type="none" w="med" len="med"/>
+                      <a:tailEnd type="none" w="med" len="med"/>
+                    </a:lnT>
+                    <a:lnB w="6350" cap="flat" cmpd="sng" algn="ctr">
+                      <a:solidFill>
+                        <a:srgbClr val="5B9BD5"/>
+                      </a:solidFill>
+                      <a:prstDash val="solid"/>
+                      <a:round/>
+                      <a:headEnd type="none" w="med" len="med"/>
+                      <a:tailEnd type="none" w="med" len="med"/>
+                    </a:lnB>
+                    <a:solidFill>
+                      <a:srgbClr val="D2DEEF"/>
+                    </a:solidFill>
+                  </a:tcPr>
+                </a:tc>
+                <a:tc>
+                  <a:txBody>
+                    <a:bodyPr/>
+                    <a:lstStyle/>
+                    <a:p>
+                      <a:pPr algn="ctr" rtl="0" fontAlgn="ctr"/>
+                      <a:r>
+                        <a:rPr lang="en-US" sz="1100" b="0" i="0" u="none" strike="noStrike">
+                          <a:solidFill>
+                            <a:srgbClr val="000000"/>
+                          </a:solidFill>
+                          <a:effectLst/>
+                          <a:latin typeface="Calibri" panose="020F0502020204030204" pitchFamily="34" charset="0"/>
+                        </a:rPr>
+                        <a:t>1,150,140,000</a:t>
+                      </a:r>
+                    </a:p>
+                  </a:txBody>
+                  <a:tcPr marL="9525" marR="9525" marT="9525" marB="0" anchor="ctr">
+                    <a:lnL w="6350" cap="flat" cmpd="sng" algn="ctr">
+                      <a:solidFill>
+                        <a:srgbClr val="5B9BD5"/>
+                      </a:solidFill>
+                      <a:prstDash val="solid"/>
+                      <a:round/>
+                      <a:headEnd type="none" w="med" len="med"/>
+                      <a:tailEnd type="none" w="med" len="med"/>
+                    </a:lnL>
+                    <a:lnR w="6350" cap="flat" cmpd="sng" algn="ctr">
+                      <a:solidFill>
+                        <a:srgbClr val="5B9BD5"/>
+                      </a:solidFill>
+                      <a:prstDash val="solid"/>
+                      <a:round/>
+                      <a:headEnd type="none" w="med" len="med"/>
+                      <a:tailEnd type="none" w="med" len="med"/>
+                    </a:lnR>
+                    <a:lnT w="6350" cap="flat" cmpd="sng" algn="ctr">
+                      <a:solidFill>
+                        <a:srgbClr val="5B9BD5"/>
+                      </a:solidFill>
+                      <a:prstDash val="solid"/>
+                      <a:round/>
+                      <a:headEnd type="none" w="med" len="med"/>
+                      <a:tailEnd type="none" w="med" len="med"/>
+                    </a:lnT>
+                    <a:lnB w="6350" cap="flat" cmpd="sng" algn="ctr">
+                      <a:solidFill>
+                        <a:srgbClr val="5B9BD5"/>
+                      </a:solidFill>
+                      <a:prstDash val="solid"/>
+                      <a:round/>
+                      <a:headEnd type="none" w="med" len="med"/>
+                      <a:tailEnd type="none" w="med" len="med"/>
+                    </a:lnB>
+                    <a:solidFill>
+                      <a:srgbClr val="FFEB84"/>
+                    </a:solidFill>
+                  </a:tcPr>
+                </a:tc>
+              </a:tr>
+              <a:tr h="304800">
+                <a:tc>
+                  <a:txBody>
+                    <a:bodyPr/>
+                    <a:lstStyle/>
+                    <a:p>
+                      <a:pPr algn="ctr" rtl="0" fontAlgn="ctr"/>
+                      <a:r>
+                        <a:rPr lang="en-US" sz="1100" b="0" i="0" u="none" strike="noStrike">
+                          <a:solidFill>
+                            <a:srgbClr val="000000"/>
+                          </a:solidFill>
+                          <a:effectLst/>
+                          <a:latin typeface="Calibri" panose="020F0502020204030204" pitchFamily="34" charset="0"/>
+                        </a:rPr>
+                        <a:t> </a:t>
+                      </a:r>
+                    </a:p>
+                  </a:txBody>
+                  <a:tcPr marL="9525" marR="9525" marT="9525" marB="0" anchor="ctr">
+                    <a:lnL w="6350" cap="flat" cmpd="sng" algn="ctr">
+                      <a:solidFill>
+                        <a:srgbClr val="5B9BD5"/>
+                      </a:solidFill>
+                      <a:prstDash val="solid"/>
+                      <a:round/>
+                      <a:headEnd type="none" w="med" len="med"/>
+                      <a:tailEnd type="none" w="med" len="med"/>
+                    </a:lnL>
+                    <a:lnR w="6350" cap="flat" cmpd="sng" algn="ctr">
+                      <a:solidFill>
+                        <a:srgbClr val="5B9BD5"/>
+                      </a:solidFill>
+                      <a:prstDash val="solid"/>
+                      <a:round/>
+                      <a:headEnd type="none" w="med" len="med"/>
+                      <a:tailEnd type="none" w="med" len="med"/>
+                    </a:lnR>
+                    <a:lnT w="6350" cap="flat" cmpd="sng" algn="ctr">
+                      <a:solidFill>
+                        <a:srgbClr val="5B9BD5"/>
+                      </a:solidFill>
+                      <a:prstDash val="solid"/>
+                      <a:round/>
+                      <a:headEnd type="none" w="med" len="med"/>
+                      <a:tailEnd type="none" w="med" len="med"/>
+                    </a:lnT>
+                    <a:lnB w="6350" cap="flat" cmpd="sng" algn="ctr">
+                      <a:solidFill>
+                        <a:srgbClr val="5B9BD5"/>
+                      </a:solidFill>
+                      <a:prstDash val="solid"/>
+                      <a:round/>
+                      <a:headEnd type="none" w="med" len="med"/>
+                      <a:tailEnd type="none" w="med" len="med"/>
+                    </a:lnB>
+                  </a:tcPr>
+                </a:tc>
+                <a:tc>
+                  <a:txBody>
+                    <a:bodyPr/>
+                    <a:lstStyle/>
+                    <a:p>
+                      <a:pPr algn="ctr" rtl="0" fontAlgn="ctr"/>
+                      <a:r>
+                        <a:rPr lang="en-US" sz="1100" b="0" i="0" u="none" strike="noStrike">
+                          <a:solidFill>
+                            <a:srgbClr val="000000"/>
+                          </a:solidFill>
+                          <a:effectLst/>
+                          <a:latin typeface="Calibri" panose="020F0502020204030204" pitchFamily="34" charset="0"/>
+                        </a:rPr>
+                        <a:t>Social, Finance, Analytics,Advertising</a:t>
+                      </a:r>
+                    </a:p>
+                  </a:txBody>
+                  <a:tcPr marL="9525" marR="9525" marT="9525" marB="0" anchor="ctr">
+                    <a:lnL w="6350" cap="flat" cmpd="sng" algn="ctr">
+                      <a:solidFill>
+                        <a:srgbClr val="5B9BD5"/>
+                      </a:solidFill>
+                      <a:prstDash val="solid"/>
+                      <a:round/>
+                      <a:headEnd type="none" w="med" len="med"/>
+                      <a:tailEnd type="none" w="med" len="med"/>
+                    </a:lnL>
+                    <a:lnR w="6350" cap="flat" cmpd="sng" algn="ctr">
+                      <a:solidFill>
+                        <a:srgbClr val="5B9BD5"/>
+                      </a:solidFill>
+                      <a:prstDash val="solid"/>
+                      <a:round/>
+                      <a:headEnd type="none" w="med" len="med"/>
+                      <a:tailEnd type="none" w="med" len="med"/>
+                    </a:lnR>
+                    <a:lnT w="6350" cap="flat" cmpd="sng" algn="ctr">
+                      <a:solidFill>
+                        <a:srgbClr val="5B9BD5"/>
+                      </a:solidFill>
+                      <a:prstDash val="solid"/>
+                      <a:round/>
+                      <a:headEnd type="none" w="med" len="med"/>
+                      <a:tailEnd type="none" w="med" len="med"/>
+                    </a:lnT>
+                    <a:lnB w="6350" cap="flat" cmpd="sng" algn="ctr">
+                      <a:solidFill>
+                        <a:srgbClr val="5B9BD5"/>
+                      </a:solidFill>
+                      <a:prstDash val="solid"/>
+                      <a:round/>
+                      <a:headEnd type="none" w="med" len="med"/>
+                      <a:tailEnd type="none" w="med" len="med"/>
+                    </a:lnB>
+                  </a:tcPr>
+                </a:tc>
+                <a:tc>
+                  <a:txBody>
+                    <a:bodyPr/>
+                    <a:lstStyle/>
+                    <a:p>
+                      <a:pPr algn="ctr" rtl="0" fontAlgn="ctr"/>
+                      <a:r>
+                        <a:rPr lang="en-US" sz="1100" b="0" i="0" u="none" strike="noStrike">
+                          <a:solidFill>
+                            <a:srgbClr val="000000"/>
+                          </a:solidFill>
+                          <a:effectLst/>
+                          <a:latin typeface="Calibri" panose="020F0502020204030204" pitchFamily="34" charset="0"/>
+                        </a:rPr>
+                        <a:t>1,089,404,000</a:t>
+                      </a:r>
+                    </a:p>
+                  </a:txBody>
+                  <a:tcPr marL="9525" marR="9525" marT="9525" marB="0" anchor="ctr">
+                    <a:lnL w="6350" cap="flat" cmpd="sng" algn="ctr">
+                      <a:solidFill>
+                        <a:srgbClr val="5B9BD5"/>
+                      </a:solidFill>
+                      <a:prstDash val="solid"/>
+                      <a:round/>
+                      <a:headEnd type="none" w="med" len="med"/>
+                      <a:tailEnd type="none" w="med" len="med"/>
+                    </a:lnL>
+                    <a:lnR w="6350" cap="flat" cmpd="sng" algn="ctr">
+                      <a:solidFill>
+                        <a:srgbClr val="5B9BD5"/>
+                      </a:solidFill>
+                      <a:prstDash val="solid"/>
+                      <a:round/>
+                      <a:headEnd type="none" w="med" len="med"/>
+                      <a:tailEnd type="none" w="med" len="med"/>
+                    </a:lnR>
+                    <a:lnT w="6350" cap="flat" cmpd="sng" algn="ctr">
+                      <a:solidFill>
+                        <a:srgbClr val="5B9BD5"/>
+                      </a:solidFill>
+                      <a:prstDash val="solid"/>
+                      <a:round/>
+                      <a:headEnd type="none" w="med" len="med"/>
+                      <a:tailEnd type="none" w="med" len="med"/>
+                    </a:lnT>
+                    <a:lnB w="6350" cap="flat" cmpd="sng" algn="ctr">
+                      <a:solidFill>
+                        <a:srgbClr val="5B9BD5"/>
+                      </a:solidFill>
+                      <a:prstDash val="solid"/>
+                      <a:round/>
+                      <a:headEnd type="none" w="med" len="med"/>
+                      <a:tailEnd type="none" w="med" len="med"/>
+                    </a:lnB>
+                    <a:solidFill>
+                      <a:srgbClr val="FEDF81"/>
+                    </a:solidFill>
+                  </a:tcPr>
+                </a:tc>
+              </a:tr>
+              <a:tr h="304800">
+                <a:tc>
+                  <a:txBody>
+                    <a:bodyPr/>
+                    <a:lstStyle/>
+                    <a:p>
+                      <a:pPr algn="ctr" rtl="0" fontAlgn="ctr"/>
+                      <a:r>
+                        <a:rPr lang="en-US" sz="1100" b="0" i="0" u="none" strike="noStrike">
+                          <a:solidFill>
+                            <a:srgbClr val="000000"/>
+                          </a:solidFill>
+                          <a:effectLst/>
+                          <a:latin typeface="Calibri" panose="020F0502020204030204" pitchFamily="34" charset="0"/>
+                        </a:rPr>
+                        <a:t>IND</a:t>
+                      </a:r>
+                    </a:p>
+                  </a:txBody>
+                  <a:tcPr marL="9525" marR="9525" marT="9525" marB="0" anchor="ctr">
+                    <a:lnL w="6350" cap="flat" cmpd="sng" algn="ctr">
+                      <a:solidFill>
+                        <a:srgbClr val="5B9BD5"/>
+                      </a:solidFill>
+                      <a:prstDash val="solid"/>
+                      <a:round/>
+                      <a:headEnd type="none" w="med" len="med"/>
+                      <a:tailEnd type="none" w="med" len="med"/>
+                    </a:lnL>
+                    <a:lnR w="6350" cap="flat" cmpd="sng" algn="ctr">
+                      <a:solidFill>
+                        <a:srgbClr val="5B9BD5"/>
+                      </a:solidFill>
+                      <a:prstDash val="solid"/>
+                      <a:round/>
+                      <a:headEnd type="none" w="med" len="med"/>
+                      <a:tailEnd type="none" w="med" len="med"/>
+                    </a:lnR>
+                    <a:lnT w="6350" cap="flat" cmpd="sng" algn="ctr">
+                      <a:solidFill>
+                        <a:srgbClr val="5B9BD5"/>
+                      </a:solidFill>
+                      <a:prstDash val="solid"/>
+                      <a:round/>
+                      <a:headEnd type="none" w="med" len="med"/>
+                      <a:tailEnd type="none" w="med" len="med"/>
+                    </a:lnT>
+                    <a:lnB w="6350" cap="flat" cmpd="sng" algn="ctr">
+                      <a:solidFill>
+                        <a:srgbClr val="5B9BD5"/>
+                      </a:solidFill>
+                      <a:prstDash val="solid"/>
+                      <a:round/>
+                      <a:headEnd type="none" w="med" len="med"/>
+                      <a:tailEnd type="none" w="med" len="med"/>
+                    </a:lnB>
+                    <a:solidFill>
+                      <a:srgbClr val="D2DEEF"/>
+                    </a:solidFill>
+                  </a:tcPr>
+                </a:tc>
+                <a:tc>
+                  <a:txBody>
+                    <a:bodyPr/>
+                    <a:lstStyle/>
+                    <a:p>
+                      <a:pPr algn="ctr" rtl="0" fontAlgn="ctr"/>
+                      <a:r>
+                        <a:rPr lang="en-US" sz="1100" b="0" i="0" u="none" strike="noStrike" dirty="0">
+                          <a:solidFill>
+                            <a:srgbClr val="000000"/>
+                          </a:solidFill>
+                          <a:effectLst/>
+                          <a:latin typeface="Calibri" panose="020F0502020204030204" pitchFamily="34" charset="0"/>
+                        </a:rPr>
+                        <a:t>Others</a:t>
+                      </a:r>
+                    </a:p>
+                  </a:txBody>
+                  <a:tcPr marL="9525" marR="9525" marT="9525" marB="0" anchor="ctr">
+                    <a:lnL w="6350" cap="flat" cmpd="sng" algn="ctr">
+                      <a:solidFill>
+                        <a:srgbClr val="5B9BD5"/>
+                      </a:solidFill>
+                      <a:prstDash val="solid"/>
+                      <a:round/>
+                      <a:headEnd type="none" w="med" len="med"/>
+                      <a:tailEnd type="none" w="med" len="med"/>
+                    </a:lnL>
+                    <a:lnR w="6350" cap="flat" cmpd="sng" algn="ctr">
+                      <a:solidFill>
+                        <a:srgbClr val="5B9BD5"/>
+                      </a:solidFill>
+                      <a:prstDash val="solid"/>
+                      <a:round/>
+                      <a:headEnd type="none" w="med" len="med"/>
+                      <a:tailEnd type="none" w="med" len="med"/>
+                    </a:lnR>
+                    <a:lnT w="6350" cap="flat" cmpd="sng" algn="ctr">
+                      <a:solidFill>
+                        <a:srgbClr val="5B9BD5"/>
+                      </a:solidFill>
+                      <a:prstDash val="solid"/>
+                      <a:round/>
+                      <a:headEnd type="none" w="med" len="med"/>
+                      <a:tailEnd type="none" w="med" len="med"/>
+                    </a:lnT>
+                    <a:lnB w="6350" cap="flat" cmpd="sng" algn="ctr">
+                      <a:solidFill>
+                        <a:srgbClr val="5B9BD5"/>
+                      </a:solidFill>
+                      <a:prstDash val="solid"/>
+                      <a:round/>
+                      <a:headEnd type="none" w="med" len="med"/>
+                      <a:tailEnd type="none" w="med" len="med"/>
+                    </a:lnB>
+                    <a:solidFill>
+                      <a:srgbClr val="D2DEEF"/>
+                    </a:solidFill>
+                  </a:tcPr>
+                </a:tc>
+                <a:tc>
+                  <a:txBody>
+                    <a:bodyPr/>
+                    <a:lstStyle/>
+                    <a:p>
+                      <a:pPr algn="ctr" rtl="0" fontAlgn="ctr"/>
+                      <a:r>
+                        <a:rPr lang="en-US" sz="1100" b="0" i="0" u="none" strike="noStrike">
+                          <a:solidFill>
+                            <a:srgbClr val="000000"/>
+                          </a:solidFill>
+                          <a:effectLst/>
+                          <a:latin typeface="Calibri" panose="020F0502020204030204" pitchFamily="34" charset="0"/>
+                        </a:rPr>
+                        <a:t>1,013,410,000</a:t>
+                      </a:r>
+                    </a:p>
+                  </a:txBody>
+                  <a:tcPr marL="9525" marR="9525" marT="9525" marB="0" anchor="ctr">
+                    <a:lnL w="6350" cap="flat" cmpd="sng" algn="ctr">
+                      <a:solidFill>
+                        <a:srgbClr val="5B9BD5"/>
+                      </a:solidFill>
+                      <a:prstDash val="solid"/>
+                      <a:round/>
+                      <a:headEnd type="none" w="med" len="med"/>
+                      <a:tailEnd type="none" w="med" len="med"/>
+                    </a:lnL>
+                    <a:lnR w="6350" cap="flat" cmpd="sng" algn="ctr">
+                      <a:solidFill>
+                        <a:srgbClr val="5B9BD5"/>
+                      </a:solidFill>
+                      <a:prstDash val="solid"/>
+                      <a:round/>
+                      <a:headEnd type="none" w="med" len="med"/>
+                      <a:tailEnd type="none" w="med" len="med"/>
+                    </a:lnR>
+                    <a:lnT w="6350" cap="flat" cmpd="sng" algn="ctr">
+                      <a:solidFill>
+                        <a:srgbClr val="5B9BD5"/>
+                      </a:solidFill>
+                      <a:prstDash val="solid"/>
+                      <a:round/>
+                      <a:headEnd type="none" w="med" len="med"/>
+                      <a:tailEnd type="none" w="med" len="med"/>
+                    </a:lnT>
+                    <a:lnB w="6350" cap="flat" cmpd="sng" algn="ctr">
+                      <a:solidFill>
+                        <a:srgbClr val="5B9BD5"/>
+                      </a:solidFill>
+                      <a:prstDash val="solid"/>
+                      <a:round/>
+                      <a:headEnd type="none" w="med" len="med"/>
+                      <a:tailEnd type="none" w="med" len="med"/>
+                    </a:lnB>
+                    <a:solidFill>
+                      <a:srgbClr val="FDD27F"/>
+                    </a:solidFill>
+                  </a:tcPr>
+                </a:tc>
+              </a:tr>
+              <a:tr h="304800">
+                <a:tc>
+                  <a:txBody>
+                    <a:bodyPr/>
+                    <a:lstStyle/>
+                    <a:p>
+                      <a:pPr algn="ctr" rtl="0" fontAlgn="ctr"/>
+                      <a:r>
+                        <a:rPr lang="en-US" sz="1100" b="0" i="0" u="none" strike="noStrike">
+                          <a:solidFill>
+                            <a:srgbClr val="000000"/>
+                          </a:solidFill>
+                          <a:effectLst/>
+                          <a:latin typeface="Calibri" panose="020F0502020204030204" pitchFamily="34" charset="0"/>
+                        </a:rPr>
+                        <a:t> </a:t>
+                      </a:r>
+                    </a:p>
+                  </a:txBody>
+                  <a:tcPr marL="9525" marR="9525" marT="9525" marB="0" anchor="ctr">
+                    <a:lnL w="6350" cap="flat" cmpd="sng" algn="ctr">
+                      <a:solidFill>
+                        <a:srgbClr val="5B9BD5"/>
+                      </a:solidFill>
+                      <a:prstDash val="solid"/>
+                      <a:round/>
+                      <a:headEnd type="none" w="med" len="med"/>
+                      <a:tailEnd type="none" w="med" len="med"/>
+                    </a:lnL>
+                    <a:lnR w="6350" cap="flat" cmpd="sng" algn="ctr">
+                      <a:solidFill>
+                        <a:srgbClr val="5B9BD5"/>
+                      </a:solidFill>
+                      <a:prstDash val="solid"/>
+                      <a:round/>
+                      <a:headEnd type="none" w="med" len="med"/>
+                      <a:tailEnd type="none" w="med" len="med"/>
+                    </a:lnR>
+                    <a:lnT w="6350" cap="flat" cmpd="sng" algn="ctr">
+                      <a:solidFill>
+                        <a:srgbClr val="5B9BD5"/>
+                      </a:solidFill>
+                      <a:prstDash val="solid"/>
+                      <a:round/>
+                      <a:headEnd type="none" w="med" len="med"/>
+                      <a:tailEnd type="none" w="med" len="med"/>
+                    </a:lnT>
+                    <a:lnB w="6350" cap="flat" cmpd="sng" algn="ctr">
+                      <a:solidFill>
+                        <a:srgbClr val="5B9BD5"/>
+                      </a:solidFill>
+                      <a:prstDash val="solid"/>
+                      <a:round/>
+                      <a:headEnd type="none" w="med" len="med"/>
+                      <a:tailEnd type="none" w="med" len="med"/>
+                    </a:lnB>
+                  </a:tcPr>
+                </a:tc>
+                <a:tc>
+                  <a:txBody>
+                    <a:bodyPr/>
+                    <a:lstStyle/>
+                    <a:p>
+                      <a:pPr algn="ctr" rtl="0" fontAlgn="ctr"/>
+                      <a:r>
+                        <a:rPr lang="en-US" sz="1100" b="0" i="0" u="none" strike="noStrike" dirty="0">
+                          <a:solidFill>
+                            <a:srgbClr val="000000"/>
+                          </a:solidFill>
+                          <a:effectLst/>
+                          <a:latin typeface="Calibri" panose="020F0502020204030204" pitchFamily="34" charset="0"/>
+                        </a:rPr>
+                        <a:t>Social, Finance, Analytics,</a:t>
+                      </a:r>
+                    </a:p>
+                  </a:txBody>
+                  <a:tcPr marL="9525" marR="9525" marT="9525" marB="0" anchor="ctr">
+                    <a:lnL w="6350" cap="flat" cmpd="sng" algn="ctr">
+                      <a:solidFill>
+                        <a:srgbClr val="5B9BD5"/>
+                      </a:solidFill>
+                      <a:prstDash val="solid"/>
+                      <a:round/>
+                      <a:headEnd type="none" w="med" len="med"/>
+                      <a:tailEnd type="none" w="med" len="med"/>
+                    </a:lnL>
+                    <a:lnR w="6350" cap="flat" cmpd="sng" algn="ctr">
+                      <a:solidFill>
+                        <a:srgbClr val="5B9BD5"/>
+                      </a:solidFill>
+                      <a:prstDash val="solid"/>
+                      <a:round/>
+                      <a:headEnd type="none" w="med" len="med"/>
+                      <a:tailEnd type="none" w="med" len="med"/>
+                    </a:lnR>
+                    <a:lnT w="6350" cap="flat" cmpd="sng" algn="ctr">
+                      <a:solidFill>
+                        <a:srgbClr val="5B9BD5"/>
+                      </a:solidFill>
+                      <a:prstDash val="solid"/>
+                      <a:round/>
+                      <a:headEnd type="none" w="med" len="med"/>
+                      <a:tailEnd type="none" w="med" len="med"/>
+                    </a:lnT>
+                    <a:lnB w="6350" cap="flat" cmpd="sng" algn="ctr">
+                      <a:solidFill>
+                        <a:srgbClr val="5B9BD5"/>
+                      </a:solidFill>
+                      <a:prstDash val="solid"/>
+                      <a:round/>
+                      <a:headEnd type="none" w="med" len="med"/>
+                      <a:tailEnd type="none" w="med" len="med"/>
+                    </a:lnB>
+                  </a:tcPr>
+                </a:tc>
+                <a:tc>
+                  <a:txBody>
+                    <a:bodyPr/>
+                    <a:lstStyle/>
+                    <a:p>
+                      <a:pPr algn="ctr" rtl="0" fontAlgn="ctr"/>
+                      <a:r>
+                        <a:rPr lang="en-US" sz="1100" b="0" i="0" u="none" strike="noStrike">
+                          <a:solidFill>
+                            <a:srgbClr val="000000"/>
+                          </a:solidFill>
+                          <a:effectLst/>
+                          <a:latin typeface="Calibri" panose="020F0502020204030204" pitchFamily="34" charset="0"/>
+                        </a:rPr>
+                        <a:t>550,549,600</a:t>
+                      </a:r>
+                    </a:p>
+                  </a:txBody>
+                  <a:tcPr marL="9525" marR="9525" marT="9525" marB="0" anchor="ctr">
+                    <a:lnL w="6350" cap="flat" cmpd="sng" algn="ctr">
+                      <a:solidFill>
+                        <a:srgbClr val="5B9BD5"/>
+                      </a:solidFill>
+                      <a:prstDash val="solid"/>
+                      <a:round/>
+                      <a:headEnd type="none" w="med" len="med"/>
+                      <a:tailEnd type="none" w="med" len="med"/>
+                    </a:lnL>
+                    <a:lnR w="6350" cap="flat" cmpd="sng" algn="ctr">
+                      <a:solidFill>
+                        <a:srgbClr val="5B9BD5"/>
+                      </a:solidFill>
+                      <a:prstDash val="solid"/>
+                      <a:round/>
+                      <a:headEnd type="none" w="med" len="med"/>
+                      <a:tailEnd type="none" w="med" len="med"/>
+                    </a:lnR>
+                    <a:lnT w="6350" cap="flat" cmpd="sng" algn="ctr">
+                      <a:solidFill>
+                        <a:srgbClr val="5B9BD5"/>
+                      </a:solidFill>
+                      <a:prstDash val="solid"/>
+                      <a:round/>
+                      <a:headEnd type="none" w="med" len="med"/>
+                      <a:tailEnd type="none" w="med" len="med"/>
+                    </a:lnT>
+                    <a:lnB w="6350" cap="flat" cmpd="sng" algn="ctr">
+                      <a:solidFill>
+                        <a:srgbClr val="5B9BD5"/>
+                      </a:solidFill>
+                      <a:prstDash val="solid"/>
+                      <a:round/>
+                      <a:headEnd type="none" w="med" len="med"/>
+                      <a:tailEnd type="none" w="med" len="med"/>
+                    </a:lnB>
+                    <a:solidFill>
+                      <a:srgbClr val="F97E6F"/>
+                    </a:solidFill>
+                  </a:tcPr>
+                </a:tc>
+              </a:tr>
+              <a:tr h="309439">
+                <a:tc>
+                  <a:txBody>
+                    <a:bodyPr/>
+                    <a:lstStyle/>
+                    <a:p>
+                      <a:pPr algn="ctr" rtl="0" fontAlgn="ctr"/>
+                      <a:r>
+                        <a:rPr lang="en-US" sz="1100" b="0" i="0" u="none" strike="noStrike">
+                          <a:solidFill>
+                            <a:srgbClr val="000000"/>
+                          </a:solidFill>
+                          <a:effectLst/>
+                          <a:latin typeface="Calibri" panose="020F0502020204030204" pitchFamily="34" charset="0"/>
+                        </a:rPr>
+                        <a:t> </a:t>
+                      </a:r>
+                    </a:p>
+                  </a:txBody>
+                  <a:tcPr marL="9525" marR="9525" marT="9525" marB="0" anchor="ctr">
+                    <a:lnL w="6350" cap="flat" cmpd="sng" algn="ctr">
+                      <a:solidFill>
+                        <a:srgbClr val="5B9BD5"/>
+                      </a:solidFill>
+                      <a:prstDash val="solid"/>
+                      <a:round/>
+                      <a:headEnd type="none" w="med" len="med"/>
+                      <a:tailEnd type="none" w="med" len="med"/>
+                    </a:lnL>
+                    <a:lnR w="6350" cap="flat" cmpd="sng" algn="ctr">
+                      <a:solidFill>
+                        <a:srgbClr val="5B9BD5"/>
+                      </a:solidFill>
+                      <a:prstDash val="solid"/>
+                      <a:round/>
+                      <a:headEnd type="none" w="med" len="med"/>
+                      <a:tailEnd type="none" w="med" len="med"/>
+                    </a:lnR>
+                    <a:lnT w="6350" cap="flat" cmpd="sng" algn="ctr">
+                      <a:solidFill>
+                        <a:srgbClr val="5B9BD5"/>
+                      </a:solidFill>
+                      <a:prstDash val="solid"/>
+                      <a:round/>
+                      <a:headEnd type="none" w="med" len="med"/>
+                      <a:tailEnd type="none" w="med" len="med"/>
+                    </a:lnT>
+                    <a:lnB w="6350" cap="flat" cmpd="sng" algn="ctr">
+                      <a:solidFill>
+                        <a:srgbClr val="5B9BD5"/>
+                      </a:solidFill>
+                      <a:prstDash val="solid"/>
+                      <a:round/>
+                      <a:headEnd type="none" w="med" len="med"/>
+                      <a:tailEnd type="none" w="med" len="med"/>
+                    </a:lnB>
+                    <a:solidFill>
+                      <a:srgbClr val="D2DEEF"/>
+                    </a:solidFill>
+                  </a:tcPr>
+                </a:tc>
+                <a:tc>
+                  <a:txBody>
+                    <a:bodyPr/>
+                    <a:lstStyle/>
+                    <a:p>
+                      <a:pPr algn="ctr" fontAlgn="b"/>
+                      <a:r>
+                        <a:rPr lang="en-US" sz="1100" b="0" i="0" u="none" strike="noStrike" kern="1200" dirty="0">
+                          <a:solidFill>
+                            <a:srgbClr val="000000"/>
+                          </a:solidFill>
+                          <a:effectLst/>
+                          <a:latin typeface="Calibri" panose="020F0502020204030204" pitchFamily="34" charset="0"/>
+                          <a:ea typeface="+mn-ea"/>
+                          <a:cs typeface="+mn-cs"/>
+                        </a:rPr>
+                        <a:t>News, Search and Messaging</a:t>
+                      </a:r>
+                    </a:p>
+                  </a:txBody>
+                  <a:tcPr marL="9525" marR="9525" marT="9525" marB="0" anchor="ctr">
+                    <a:lnL w="6350" cap="flat" cmpd="sng" algn="ctr">
+                      <a:solidFill>
+                        <a:srgbClr val="5B9BD5"/>
+                      </a:solidFill>
+                      <a:prstDash val="solid"/>
+                      <a:round/>
+                      <a:headEnd type="none" w="med" len="med"/>
+                      <a:tailEnd type="none" w="med" len="med"/>
+                    </a:lnL>
+                    <a:lnR w="6350" cap="flat" cmpd="sng" algn="ctr">
+                      <a:solidFill>
+                        <a:srgbClr val="5B9BD5"/>
+                      </a:solidFill>
+                      <a:prstDash val="solid"/>
+                      <a:round/>
+                      <a:headEnd type="none" w="med" len="med"/>
+                      <a:tailEnd type="none" w="med" len="med"/>
+                    </a:lnR>
+                    <a:lnT w="6350" cap="flat" cmpd="sng" algn="ctr">
+                      <a:solidFill>
+                        <a:srgbClr val="5B9BD5"/>
+                      </a:solidFill>
+                      <a:prstDash val="solid"/>
+                      <a:round/>
+                      <a:headEnd type="none" w="med" len="med"/>
+                      <a:tailEnd type="none" w="med" len="med"/>
+                    </a:lnT>
+                    <a:lnB w="6350" cap="flat" cmpd="sng" algn="ctr">
+                      <a:solidFill>
+                        <a:srgbClr val="5B9BD5"/>
+                      </a:solidFill>
+                      <a:prstDash val="solid"/>
+                      <a:round/>
+                      <a:headEnd type="none" w="med" len="med"/>
+                      <a:tailEnd type="none" w="med" len="med"/>
+                    </a:lnB>
+                    <a:solidFill>
+                      <a:srgbClr val="D2DEEF"/>
+                    </a:solidFill>
+                  </a:tcPr>
+                </a:tc>
+                <a:tc>
+                  <a:txBody>
+                    <a:bodyPr/>
+                    <a:lstStyle/>
+                    <a:p>
+                      <a:pPr algn="ctr" rtl="0" fontAlgn="ctr"/>
+                      <a:r>
+                        <a:rPr lang="en-US" sz="1100" b="0" i="0" u="none" strike="noStrike" dirty="0">
+                          <a:solidFill>
+                            <a:srgbClr val="000000"/>
+                          </a:solidFill>
+                          <a:effectLst/>
+                          <a:latin typeface="Calibri" panose="020F0502020204030204" pitchFamily="34" charset="0"/>
+                        </a:rPr>
+                        <a:t>433,834,500</a:t>
+                      </a:r>
+                    </a:p>
+                  </a:txBody>
+                  <a:tcPr marL="9525" marR="9525" marT="9525" marB="0" anchor="ctr">
+                    <a:lnL w="6350" cap="flat" cmpd="sng" algn="ctr">
+                      <a:solidFill>
+                        <a:srgbClr val="5B9BD5"/>
+                      </a:solidFill>
+                      <a:prstDash val="solid"/>
+                      <a:round/>
+                      <a:headEnd type="none" w="med" len="med"/>
+                      <a:tailEnd type="none" w="med" len="med"/>
+                    </a:lnL>
+                    <a:lnR w="6350" cap="flat" cmpd="sng" algn="ctr">
+                      <a:solidFill>
+                        <a:srgbClr val="5B9BD5"/>
+                      </a:solidFill>
+                      <a:prstDash val="solid"/>
+                      <a:round/>
+                      <a:headEnd type="none" w="med" len="med"/>
+                      <a:tailEnd type="none" w="med" len="med"/>
+                    </a:lnR>
+                    <a:lnT w="6350" cap="flat" cmpd="sng" algn="ctr">
+                      <a:solidFill>
+                        <a:srgbClr val="5B9BD5"/>
+                      </a:solidFill>
+                      <a:prstDash val="solid"/>
+                      <a:round/>
+                      <a:headEnd type="none" w="med" len="med"/>
+                      <a:tailEnd type="none" w="med" len="med"/>
+                    </a:lnT>
+                    <a:lnB w="6350" cap="flat" cmpd="sng" algn="ctr">
+                      <a:solidFill>
+                        <a:srgbClr val="5B9BD5"/>
+                      </a:solidFill>
+                      <a:prstDash val="solid"/>
+                      <a:round/>
+                      <a:headEnd type="none" w="med" len="med"/>
+                      <a:tailEnd type="none" w="med" len="med"/>
+                    </a:lnB>
+                    <a:solidFill>
+                      <a:srgbClr val="F8696B"/>
+                    </a:solidFill>
+                  </a:tcPr>
+                </a:tc>
+              </a:tr>
+            </a:tbl>
+          </a:graphicData>
+        </a:graphic>
+      </p:graphicFrame>
     </p:spTree>
     <p:extLst>
       <p:ext uri="{BB962C8B-B14F-4D97-AF65-F5344CB8AC3E}">
@@ -4035,33 +8823,6 @@
       </p:grpSpPr>
       <p:sp>
         <p:nvSpPr>
-          <p:cNvPr id="3" name="Content Placeholder 2"/>
-          <p:cNvSpPr>
-            <a:spLocks noGrp="1"/>
-          </p:cNvSpPr>
-          <p:nvPr>
-            <p:ph idx="1"/>
-          </p:nvPr>
-        </p:nvSpPr>
-        <p:spPr/>
-        <p:txBody>
-          <a:bodyPr>
-            <a:normAutofit/>
-          </a:bodyPr>
-          <a:lstStyle/>
-          <a:p>
-            <a:pPr marL="0" indent="0">
-              <a:buNone/>
-            </a:pPr>
-            <a:r>
-              <a:rPr lang="en-IN" sz="1800" dirty="0"/>
-              <a:t>Plot 1</a:t>
-            </a:r>
-          </a:p>
-        </p:txBody>
-      </p:sp>
-      <p:sp>
-        <p:nvSpPr>
           <p:cNvPr id="6" name="Title 1"/>
           <p:cNvSpPr>
             <a:spLocks noGrp="1"/>
@@ -4077,17 +8838,125 @@
           </a:xfrm>
         </p:spPr>
         <p:txBody>
-          <a:bodyPr/>
+          <a:bodyPr>
+            <a:normAutofit/>
+          </a:bodyPr>
           <a:lstStyle/>
           <a:p>
             <a:r>
-              <a:rPr lang="en-IN" b="1" dirty="0"/>
-              <a:t> </a:t>
+              <a:rPr lang="en-IN" sz="2800" dirty="0" smtClean="0"/>
+              <a:t>Plot Showing Investment in funding </a:t>
             </a:r>
             <a:r>
               <a:rPr lang="en-IN" sz="2800" dirty="0"/>
-              <a:t>&lt;Results&gt;</a:t>
-            </a:r>
+              <a:t>t</a:t>
+            </a:r>
+            <a:r>
+              <a:rPr lang="en-IN" sz="2800" dirty="0" smtClean="0"/>
+              <a:t>ypes</a:t>
+            </a:r>
+            <a:endParaRPr lang="en-IN" sz="2800" dirty="0"/>
+          </a:p>
+        </p:txBody>
+      </p:sp>
+      <p:pic>
+        <p:nvPicPr>
+          <p:cNvPr id="10" name="Content Placeholder 9"/>
+          <p:cNvPicPr>
+            <a:picLocks noGrp="1" noChangeAspect="1"/>
+          </p:cNvPicPr>
+          <p:nvPr>
+            <p:ph idx="1"/>
+          </p:nvPr>
+        </p:nvPicPr>
+        <p:blipFill>
+          <a:blip r:embed="rId2">
+            <a:extLst>
+              <a:ext uri="{28A0092B-C50C-407E-A947-70E740481C1C}">
+                <a14:useLocalDpi xmlns:a14="http://schemas.microsoft.com/office/drawing/2010/main" val="0"/>
+              </a:ext>
+            </a:extLst>
+          </a:blip>
+          <a:stretch>
+            <a:fillRect/>
+          </a:stretch>
+        </p:blipFill>
+        <p:spPr>
+          <a:xfrm>
+            <a:off x="1013255" y="1837724"/>
+            <a:ext cx="10149015" cy="4344988"/>
+          </a:xfrm>
+        </p:spPr>
+      </p:pic>
+      <p:sp>
+        <p:nvSpPr>
+          <p:cNvPr id="3" name="Flowchart: Off-page Connector 2"/>
+          <p:cNvSpPr/>
+          <p:nvPr/>
+        </p:nvSpPr>
+        <p:spPr>
+          <a:xfrm>
+            <a:off x="6750424" y="3747248"/>
+            <a:ext cx="1344705" cy="908430"/>
+          </a:xfrm>
+          <a:prstGeom prst="flowChartOffpageConnector">
+            <a:avLst/>
+          </a:prstGeom>
+        </p:spPr>
+        <p:style>
+          <a:lnRef idx="2">
+            <a:schemeClr val="accent1"/>
+          </a:lnRef>
+          <a:fillRef idx="1">
+            <a:schemeClr val="lt1"/>
+          </a:fillRef>
+          <a:effectRef idx="0">
+            <a:schemeClr val="accent1"/>
+          </a:effectRef>
+          <a:fontRef idx="minor">
+            <a:schemeClr val="dk1"/>
+          </a:fontRef>
+        </p:style>
+        <p:txBody>
+          <a:bodyPr rtlCol="0" anchor="ctr"/>
+          <a:lstStyle/>
+          <a:p>
+            <a:pPr algn="ctr"/>
+            <a:r>
+              <a:rPr lang="en-US" sz="900" dirty="0" smtClean="0">
+                <a:latin typeface="Times New Roman" panose="02020603050405020304" pitchFamily="18" charset="0"/>
+                <a:cs typeface="Times New Roman" panose="02020603050405020304" pitchFamily="18" charset="0"/>
+              </a:rPr>
+              <a:t>Venture lies </a:t>
+            </a:r>
+            <a:r>
+              <a:rPr lang="en-US" sz="900" smtClean="0">
+                <a:latin typeface="Times New Roman" panose="02020603050405020304" pitchFamily="18" charset="0"/>
+                <a:cs typeface="Times New Roman" panose="02020603050405020304" pitchFamily="18" charset="0"/>
+              </a:rPr>
+              <a:t>between </a:t>
+            </a:r>
+          </a:p>
+          <a:p>
+            <a:pPr algn="ctr"/>
+            <a:r>
+              <a:rPr lang="en-US" sz="900" smtClean="0">
+                <a:latin typeface="Times New Roman" panose="02020603050405020304" pitchFamily="18" charset="0"/>
+                <a:cs typeface="Times New Roman" panose="02020603050405020304" pitchFamily="18" charset="0"/>
+              </a:rPr>
+              <a:t>5 </a:t>
+            </a:r>
+            <a:r>
+              <a:rPr lang="en-US" sz="900" dirty="0" smtClean="0">
+                <a:latin typeface="Times New Roman" panose="02020603050405020304" pitchFamily="18" charset="0"/>
+                <a:cs typeface="Times New Roman" panose="02020603050405020304" pitchFamily="18" charset="0"/>
+              </a:rPr>
+              <a:t>and 15 Million $</a:t>
+            </a:r>
+            <a:endParaRPr lang="en-US" sz="900" dirty="0">
+              <a:latin typeface="Times New Roman" panose="02020603050405020304" pitchFamily="18" charset="0"/>
+              <a:cs typeface="Times New Roman" panose="02020603050405020304" pitchFamily="18" charset="0"/>
+            </a:endParaRPr>
           </a:p>
         </p:txBody>
       </p:sp>
@@ -4121,33 +8990,35 @@
           <a:chExt cx="0" cy="0"/>
         </a:xfrm>
       </p:grpSpPr>
-      <p:sp>
-        <p:nvSpPr>
-          <p:cNvPr id="3" name="Content Placeholder 2"/>
-          <p:cNvSpPr>
-            <a:spLocks noGrp="1"/>
-          </p:cNvSpPr>
+      <p:pic>
+        <p:nvPicPr>
+          <p:cNvPr id="2" name="Content Placeholder 1"/>
+          <p:cNvPicPr>
+            <a:picLocks noGrp="1" noChangeAspect="1"/>
+          </p:cNvPicPr>
           <p:nvPr>
             <p:ph idx="1"/>
           </p:nvPr>
-        </p:nvSpPr>
-        <p:spPr/>
-        <p:txBody>
-          <a:bodyPr>
-            <a:normAutofit/>
-          </a:bodyPr>
-          <a:lstStyle/>
-          <a:p>
-            <a:pPr marL="0" indent="0">
-              <a:buNone/>
-            </a:pPr>
-            <a:r>
-              <a:rPr lang="en-IN" sz="1800" dirty="0"/>
-              <a:t>Plot 2</a:t>
-            </a:r>
-          </a:p>
-        </p:txBody>
-      </p:sp>
+        </p:nvPicPr>
+        <p:blipFill>
+          <a:blip r:embed="rId2">
+            <a:extLst>
+              <a:ext uri="{28A0092B-C50C-407E-A947-70E740481C1C}">
+                <a14:useLocalDpi xmlns:a14="http://schemas.microsoft.com/office/drawing/2010/main" val="0"/>
+              </a:ext>
+            </a:extLst>
+          </a:blip>
+          <a:stretch>
+            <a:fillRect/>
+          </a:stretch>
+        </p:blipFill>
+        <p:spPr>
+          <a:xfrm>
+            <a:off x="680606" y="1854200"/>
+            <a:ext cx="10618064" cy="4344988"/>
+          </a:xfrm>
+        </p:spPr>
+      </p:pic>
       <p:sp>
         <p:nvSpPr>
           <p:cNvPr id="6" name="Title 1"/>
@@ -4173,9 +9044,10 @@
               <a:t> </a:t>
             </a:r>
             <a:r>
-              <a:rPr lang="en-IN" sz="2800" dirty="0"/>
-              <a:t>&lt;Results&gt;</a:t>
-            </a:r>
+              <a:rPr lang="en-IN" sz="2800" dirty="0" smtClean="0"/>
+              <a:t>Plot showing Investment in top9 countries</a:t>
+            </a:r>
+            <a:endParaRPr lang="en-IN" sz="2800" dirty="0"/>
           </a:p>
         </p:txBody>
       </p:sp>
@@ -4211,33 +9083,6 @@
       </p:grpSpPr>
       <p:sp>
         <p:nvSpPr>
-          <p:cNvPr id="3" name="Content Placeholder 2"/>
-          <p:cNvSpPr>
-            <a:spLocks noGrp="1"/>
-          </p:cNvSpPr>
-          <p:nvPr>
-            <p:ph idx="1"/>
-          </p:nvPr>
-        </p:nvSpPr>
-        <p:spPr/>
-        <p:txBody>
-          <a:bodyPr>
-            <a:normAutofit/>
-          </a:bodyPr>
-          <a:lstStyle/>
-          <a:p>
-            <a:pPr marL="0" indent="0">
-              <a:buNone/>
-            </a:pPr>
-            <a:r>
-              <a:rPr lang="en-IN" sz="1800" dirty="0"/>
-              <a:t>Plot 3</a:t>
-            </a:r>
-          </a:p>
-        </p:txBody>
-      </p:sp>
-      <p:sp>
-        <p:nvSpPr>
           <p:cNvPr id="6" name="Title 1"/>
           <p:cNvSpPr>
             <a:spLocks noGrp="1"/>
@@ -4261,12 +9106,42 @@
               <a:t> </a:t>
             </a:r>
             <a:r>
-              <a:rPr lang="en-IN" sz="2800" dirty="0"/>
-              <a:t>&lt;Results&gt;</a:t>
-            </a:r>
+              <a:rPr lang="en-IN" sz="2800" dirty="0" smtClean="0"/>
+              <a:t>Plot showing performance of main sector in 3 countries</a:t>
+            </a:r>
+            <a:endParaRPr lang="en-IN" sz="2800" dirty="0"/>
           </a:p>
         </p:txBody>
       </p:sp>
+      <p:pic>
+        <p:nvPicPr>
+          <p:cNvPr id="5" name="Content Placeholder 4"/>
+          <p:cNvPicPr>
+            <a:picLocks noGrp="1" noChangeAspect="1"/>
+          </p:cNvPicPr>
+          <p:nvPr>
+            <p:ph idx="1"/>
+          </p:nvPr>
+        </p:nvPicPr>
+        <p:blipFill>
+          <a:blip r:embed="rId2">
+            <a:extLst>
+              <a:ext uri="{28A0092B-C50C-407E-A947-70E740481C1C}">
+                <a14:useLocalDpi xmlns:a14="http://schemas.microsoft.com/office/drawing/2010/main" val="0"/>
+              </a:ext>
+            </a:extLst>
+          </a:blip>
+          <a:stretch>
+            <a:fillRect/>
+          </a:stretch>
+        </p:blipFill>
+        <p:spPr>
+          <a:xfrm>
+            <a:off x="889687" y="1854200"/>
+            <a:ext cx="10330248" cy="4344988"/>
+          </a:xfrm>
+        </p:spPr>
+      </p:pic>
     </p:spTree>
     <p:extLst>
       <p:ext uri="{BB962C8B-B14F-4D97-AF65-F5344CB8AC3E}">
